--- a/docs/presentation.pptx
+++ b/docs/presentation.pptx
@@ -6,7 +6,7 @@
     <p:sldMasterId id="2147483948" r:id="rId2"/>
   </p:sldMasterIdLst>
   <p:notesMasterIdLst>
-    <p:notesMasterId r:id="rId12"/>
+    <p:notesMasterId r:id="rId11"/>
   </p:notesMasterIdLst>
   <p:sldIdLst>
     <p:sldId id="354" r:id="rId3"/>
@@ -14,10 +14,9 @@
     <p:sldId id="408" r:id="rId5"/>
     <p:sldId id="410" r:id="rId6"/>
     <p:sldId id="411" r:id="rId7"/>
-    <p:sldId id="412" r:id="rId8"/>
-    <p:sldId id="413" r:id="rId9"/>
-    <p:sldId id="414" r:id="rId10"/>
-    <p:sldId id="407" r:id="rId11"/>
+    <p:sldId id="413" r:id="rId8"/>
+    <p:sldId id="414" r:id="rId9"/>
+    <p:sldId id="407" r:id="rId10"/>
   </p:sldIdLst>
   <p:sldSz cx="9144000" cy="6858000" type="screen4x3"/>
   <p:notesSz cx="6858000" cy="9144000"/>
@@ -145,6 +144,10 @@
 </p:presentation>
 </file>
 
+<file path=ppt/revisionInfo.xml><?xml version="1.0" encoding="utf-8"?>
+<p1510:revInfo xmlns:a="http://schemas.openxmlformats.org/drawingml/2006/main" xmlns:r="http://schemas.openxmlformats.org/officeDocument/2006/relationships" xmlns:p1510="http://schemas.microsoft.com/office/powerpoint/2015/10/main"/>
+</file>
+
 <file path=ppt/notesMasters/notesMaster1.xml><?xml version="1.0" encoding="utf-8"?>
 <p:notesMaster xmlns:a="http://schemas.openxmlformats.org/drawingml/2006/main" xmlns:r="http://schemas.openxmlformats.org/officeDocument/2006/relationships" xmlns:p="http://schemas.openxmlformats.org/presentationml/2006/main">
   <p:cSld>
@@ -227,7 +230,7 @@
           <a:p>
             <a:fld id="{26C7A51A-2887-4CD4-9243-F3ADB6C423B9}" type="datetimeFigureOut">
               <a:rPr lang="sv-SE" smtClean="0"/>
-              <a:t>2018-01-04</a:t>
+              <a:t>2018-01-08</a:t>
             </a:fld>
             <a:endParaRPr lang="sv-SE"/>
           </a:p>
@@ -1483,7 +1486,7 @@
     </p:spTree>
     <p:extLst>
       <p:ext uri="{BB962C8B-B14F-4D97-AF65-F5344CB8AC3E}">
-        <p14:creationId xmlns:p14="http://schemas.microsoft.com/office/powerpoint/2010/main" val="1548662270"/>
+        <p14:creationId xmlns:p14="http://schemas.microsoft.com/office/powerpoint/2010/main" val="3748379037"/>
       </p:ext>
     </p:extLst>
   </p:cSld>
@@ -1664,7 +1667,7 @@
     </p:spTree>
     <p:extLst>
       <p:ext uri="{BB962C8B-B14F-4D97-AF65-F5344CB8AC3E}">
-        <p14:creationId xmlns:p14="http://schemas.microsoft.com/office/powerpoint/2010/main" val="3748379037"/>
+        <p14:creationId xmlns:p14="http://schemas.microsoft.com/office/powerpoint/2010/main" val="706369028"/>
       </p:ext>
     </p:extLst>
   </p:cSld>
@@ -1719,56 +1722,12 @@
           <a:lstStyle/>
           <a:p>
             <a:r>
+              <a:rPr lang="sv-SE" dirty="0" err="1"/>
+              <a:t>Simply</a:t>
+            </a:r>
+            <a:r>
               <a:rPr lang="sv-SE" dirty="0"/>
-              <a:t>If </a:t>
-            </a:r>
-            <a:r>
-              <a:rPr lang="sv-SE" dirty="0" err="1"/>
-              <a:t>you</a:t>
-            </a:r>
-            <a:r>
-              <a:rPr lang="sv-SE" dirty="0"/>
-              <a:t> </a:t>
-            </a:r>
-            <a:r>
-              <a:rPr lang="sv-SE" dirty="0" err="1"/>
-              <a:t>don’t</a:t>
-            </a:r>
-            <a:r>
-              <a:rPr lang="sv-SE" dirty="0"/>
-              <a:t> </a:t>
-            </a:r>
-            <a:r>
-              <a:rPr lang="sv-SE" dirty="0" err="1"/>
-              <a:t>want</a:t>
-            </a:r>
-            <a:r>
-              <a:rPr lang="sv-SE" dirty="0"/>
-              <a:t> the animations, just go </a:t>
-            </a:r>
-            <a:r>
-              <a:rPr lang="sv-SE" dirty="0" err="1"/>
-              <a:t>to</a:t>
-            </a:r>
-            <a:r>
-              <a:rPr lang="sv-SE" dirty="0"/>
-              <a:t> the ”Animations” </a:t>
-            </a:r>
-            <a:r>
-              <a:rPr lang="sv-SE" dirty="0" err="1"/>
-              <a:t>tab</a:t>
-            </a:r>
-            <a:r>
-              <a:rPr lang="sv-SE" dirty="0"/>
-              <a:t> </a:t>
-            </a:r>
-            <a:r>
-              <a:rPr lang="sv-SE" dirty="0" err="1"/>
-              <a:t>above</a:t>
-            </a:r>
-            <a:r>
-              <a:rPr lang="sv-SE" dirty="0"/>
-              <a:t>, </a:t>
+              <a:t> right-</a:t>
             </a:r>
             <a:r>
               <a:rPr lang="sv-SE" dirty="0" err="1"/>
@@ -1776,37 +1735,24 @@
             </a:r>
             <a:r>
               <a:rPr lang="sv-SE" dirty="0"/>
-              <a:t> ”Animation </a:t>
+              <a:t> the image and </a:t>
             </a:r>
             <a:r>
               <a:rPr lang="sv-SE" dirty="0" err="1"/>
-              <a:t>pane</a:t>
+              <a:t>choose</a:t>
             </a:r>
             <a:r>
               <a:rPr lang="sv-SE" dirty="0"/>
-              <a:t>”, and </a:t>
+              <a:t> ”Change </a:t>
             </a:r>
             <a:r>
               <a:rPr lang="sv-SE" dirty="0" err="1"/>
-              <a:t>delete</a:t>
+              <a:t>picture</a:t>
             </a:r>
             <a:r>
               <a:rPr lang="sv-SE" dirty="0"/>
-              <a:t> all</a:t>
-            </a:r>
-            <a:r>
-              <a:rPr lang="sv-SE" baseline="0" dirty="0"/>
-              <a:t> the animations in the </a:t>
-            </a:r>
-            <a:r>
-              <a:rPr lang="sv-SE" baseline="0" dirty="0" err="1"/>
-              <a:t>sidebar</a:t>
-            </a:r>
-            <a:r>
-              <a:rPr lang="sv-SE" baseline="0" dirty="0"/>
-              <a:t>.</a:t>
-            </a:r>
-            <a:endParaRPr lang="sv-SE" dirty="0"/>
+              <a:t>..”</a:t>
+            </a:r>
           </a:p>
         </p:txBody>
       </p:sp>
@@ -1833,130 +1779,6 @@
               </a:rPr>
               <a:pPr/>
               <a:t>8</a:t>
-            </a:fld>
-            <a:endParaRPr lang="sv-SE">
-              <a:solidFill>
-                <a:prstClr val="black"/>
-              </a:solidFill>
-            </a:endParaRPr>
-          </a:p>
-        </p:txBody>
-      </p:sp>
-    </p:spTree>
-    <p:extLst>
-      <p:ext uri="{BB962C8B-B14F-4D97-AF65-F5344CB8AC3E}">
-        <p14:creationId xmlns:p14="http://schemas.microsoft.com/office/powerpoint/2010/main" val="706369028"/>
-      </p:ext>
-    </p:extLst>
-  </p:cSld>
-  <p:clrMapOvr>
-    <a:masterClrMapping/>
-  </p:clrMapOvr>
-</p:notes>
-</file>
-
-<file path=ppt/notesSlides/notesSlide9.xml><?xml version="1.0" encoding="utf-8"?>
-<p:notes xmlns:a="http://schemas.openxmlformats.org/drawingml/2006/main" xmlns:r="http://schemas.openxmlformats.org/officeDocument/2006/relationships" xmlns:p="http://schemas.openxmlformats.org/presentationml/2006/main">
-  <p:cSld>
-    <p:spTree>
-      <p:nvGrpSpPr>
-        <p:cNvPr id="1" name=""/>
-        <p:cNvGrpSpPr/>
-        <p:nvPr/>
-      </p:nvGrpSpPr>
-      <p:grpSpPr>
-        <a:xfrm>
-          <a:off x="0" y="0"/>
-          <a:ext cx="0" cy="0"/>
-          <a:chOff x="0" y="0"/>
-          <a:chExt cx="0" cy="0"/>
-        </a:xfrm>
-      </p:grpSpPr>
-      <p:sp>
-        <p:nvSpPr>
-          <p:cNvPr id="2" name="Slide Image Placeholder 1"/>
-          <p:cNvSpPr>
-            <a:spLocks noGrp="1" noRot="1" noChangeAspect="1"/>
-          </p:cNvSpPr>
-          <p:nvPr>
-            <p:ph type="sldImg"/>
-          </p:nvPr>
-        </p:nvSpPr>
-        <p:spPr/>
-      </p:sp>
-      <p:sp>
-        <p:nvSpPr>
-          <p:cNvPr id="3" name="Notes Placeholder 2"/>
-          <p:cNvSpPr>
-            <a:spLocks noGrp="1"/>
-          </p:cNvSpPr>
-          <p:nvPr>
-            <p:ph type="body" idx="1"/>
-          </p:nvPr>
-        </p:nvSpPr>
-        <p:spPr/>
-        <p:txBody>
-          <a:bodyPr/>
-          <a:lstStyle/>
-          <a:p>
-            <a:r>
-              <a:rPr lang="sv-SE" dirty="0" err="1"/>
-              <a:t>Simply</a:t>
-            </a:r>
-            <a:r>
-              <a:rPr lang="sv-SE" dirty="0"/>
-              <a:t> right-</a:t>
-            </a:r>
-            <a:r>
-              <a:rPr lang="sv-SE" dirty="0" err="1"/>
-              <a:t>click</a:t>
-            </a:r>
-            <a:r>
-              <a:rPr lang="sv-SE" dirty="0"/>
-              <a:t> the image and </a:t>
-            </a:r>
-            <a:r>
-              <a:rPr lang="sv-SE" dirty="0" err="1"/>
-              <a:t>choose</a:t>
-            </a:r>
-            <a:r>
-              <a:rPr lang="sv-SE" dirty="0"/>
-              <a:t> ”Change </a:t>
-            </a:r>
-            <a:r>
-              <a:rPr lang="sv-SE" dirty="0" err="1"/>
-              <a:t>picture</a:t>
-            </a:r>
-            <a:r>
-              <a:rPr lang="sv-SE" dirty="0"/>
-              <a:t>..”</a:t>
-            </a:r>
-          </a:p>
-        </p:txBody>
-      </p:sp>
-      <p:sp>
-        <p:nvSpPr>
-          <p:cNvPr id="4" name="Slide Number Placeholder 3"/>
-          <p:cNvSpPr>
-            <a:spLocks noGrp="1"/>
-          </p:cNvSpPr>
-          <p:nvPr>
-            <p:ph type="sldNum" sz="quarter" idx="10"/>
-          </p:nvPr>
-        </p:nvSpPr>
-        <p:spPr/>
-        <p:txBody>
-          <a:bodyPr/>
-          <a:lstStyle/>
-          <a:p>
-            <a:fld id="{6F9C640F-7FEC-4556-ACF6-062C18A2E8EF}" type="slidenum">
-              <a:rPr lang="sv-SE" smtClean="0">
-                <a:solidFill>
-                  <a:prstClr val="black"/>
-                </a:solidFill>
-              </a:rPr>
-              <a:pPr/>
-              <a:t>9</a:t>
             </a:fld>
             <a:endParaRPr lang="sv-SE">
               <a:solidFill>
@@ -2167,7 +1989,7 @@
                 </a:solidFill>
               </a:rPr>
               <a:pPr/>
-              <a:t>2018-01-04</a:t>
+              <a:t>2018-01-08</a:t>
             </a:fld>
             <a:endParaRPr lang="sv-SE">
               <a:solidFill>
@@ -2381,7 +2203,7 @@
                 </a:solidFill>
               </a:rPr>
               <a:pPr/>
-              <a:t>2018-01-04</a:t>
+              <a:t>2018-01-08</a:t>
             </a:fld>
             <a:endParaRPr lang="sv-SE">
               <a:solidFill>
@@ -2605,7 +2427,7 @@
                 </a:solidFill>
               </a:rPr>
               <a:pPr/>
-              <a:t>2018-01-04</a:t>
+              <a:t>2018-01-08</a:t>
             </a:fld>
             <a:endParaRPr lang="sv-SE">
               <a:solidFill>
@@ -2884,7 +2706,7 @@
           <a:p>
             <a:fld id="{A54D4633-28C2-4E72-8ACE-944F315291B5}" type="datetimeFigureOut">
               <a:rPr lang="sv-SE" smtClean="0"/>
-              <a:t>2018-01-04</a:t>
+              <a:t>2018-01-08</a:t>
             </a:fld>
             <a:endParaRPr lang="sv-SE"/>
           </a:p>
@@ -3066,7 +2888,7 @@
           <a:p>
             <a:fld id="{A54D4633-28C2-4E72-8ACE-944F315291B5}" type="datetimeFigureOut">
               <a:rPr lang="sv-SE" smtClean="0"/>
-              <a:t>2018-01-04</a:t>
+              <a:t>2018-01-08</a:t>
             </a:fld>
             <a:endParaRPr lang="sv-SE"/>
           </a:p>
@@ -3324,7 +3146,7 @@
           <a:p>
             <a:fld id="{A54D4633-28C2-4E72-8ACE-944F315291B5}" type="datetimeFigureOut">
               <a:rPr lang="sv-SE" smtClean="0"/>
-              <a:t>2018-01-04</a:t>
+              <a:t>2018-01-08</a:t>
             </a:fld>
             <a:endParaRPr lang="sv-SE"/>
           </a:p>
@@ -3624,7 +3446,7 @@
           <a:p>
             <a:fld id="{A54D4633-28C2-4E72-8ACE-944F315291B5}" type="datetimeFigureOut">
               <a:rPr lang="sv-SE" smtClean="0"/>
-              <a:t>2018-01-04</a:t>
+              <a:t>2018-01-08</a:t>
             </a:fld>
             <a:endParaRPr lang="sv-SE"/>
           </a:p>
@@ -4058,7 +3880,7 @@
           <a:p>
             <a:fld id="{A54D4633-28C2-4E72-8ACE-944F315291B5}" type="datetimeFigureOut">
               <a:rPr lang="sv-SE" smtClean="0"/>
-              <a:t>2018-01-04</a:t>
+              <a:t>2018-01-08</a:t>
             </a:fld>
             <a:endParaRPr lang="sv-SE"/>
           </a:p>
@@ -4188,7 +4010,7 @@
           <a:p>
             <a:fld id="{A54D4633-28C2-4E72-8ACE-944F315291B5}" type="datetimeFigureOut">
               <a:rPr lang="sv-SE" smtClean="0"/>
-              <a:t>2018-01-04</a:t>
+              <a:t>2018-01-08</a:t>
             </a:fld>
             <a:endParaRPr lang="sv-SE"/>
           </a:p>
@@ -4295,7 +4117,7 @@
           <a:p>
             <a:fld id="{A54D4633-28C2-4E72-8ACE-944F315291B5}" type="datetimeFigureOut">
               <a:rPr lang="sv-SE" smtClean="0"/>
-              <a:t>2018-01-04</a:t>
+              <a:t>2018-01-08</a:t>
             </a:fld>
             <a:endParaRPr lang="sv-SE"/>
           </a:p>
@@ -4584,7 +4406,7 @@
           <a:p>
             <a:fld id="{A54D4633-28C2-4E72-8ACE-944F315291B5}" type="datetimeFigureOut">
               <a:rPr lang="sv-SE" smtClean="0"/>
-              <a:t>2018-01-04</a:t>
+              <a:t>2018-01-08</a:t>
             </a:fld>
             <a:endParaRPr lang="sv-SE"/>
           </a:p>
@@ -4773,7 +4595,7 @@
                 </a:solidFill>
               </a:rPr>
               <a:pPr/>
-              <a:t>2018-01-04</a:t>
+              <a:t>2018-01-08</a:t>
             </a:fld>
             <a:endParaRPr lang="sv-SE">
               <a:solidFill>
@@ -5063,7 +4885,7 @@
           <a:p>
             <a:fld id="{A54D4633-28C2-4E72-8ACE-944F315291B5}" type="datetimeFigureOut">
               <a:rPr lang="sv-SE" smtClean="0"/>
-              <a:t>2018-01-04</a:t>
+              <a:t>2018-01-08</a:t>
             </a:fld>
             <a:endParaRPr lang="sv-SE"/>
           </a:p>
@@ -5245,7 +5067,7 @@
           <a:p>
             <a:fld id="{A54D4633-28C2-4E72-8ACE-944F315291B5}" type="datetimeFigureOut">
               <a:rPr lang="sv-SE" smtClean="0"/>
-              <a:t>2018-01-04</a:t>
+              <a:t>2018-01-08</a:t>
             </a:fld>
             <a:endParaRPr lang="sv-SE"/>
           </a:p>
@@ -5437,7 +5259,7 @@
           <a:p>
             <a:fld id="{A54D4633-28C2-4E72-8ACE-944F315291B5}" type="datetimeFigureOut">
               <a:rPr lang="sv-SE" smtClean="0"/>
-              <a:t>2018-01-04</a:t>
+              <a:t>2018-01-08</a:t>
             </a:fld>
             <a:endParaRPr lang="sv-SE"/>
           </a:p>
@@ -5702,7 +5524,7 @@
                 </a:solidFill>
               </a:rPr>
               <a:pPr/>
-              <a:t>2018-01-04</a:t>
+              <a:t>2018-01-08</a:t>
             </a:fld>
             <a:endParaRPr lang="sv-SE">
               <a:solidFill>
@@ -6034,7 +5856,7 @@
                 </a:solidFill>
               </a:rPr>
               <a:pPr/>
-              <a:t>2018-01-04</a:t>
+              <a:t>2018-01-08</a:t>
             </a:fld>
             <a:endParaRPr lang="sv-SE">
               <a:solidFill>
@@ -6500,7 +6322,7 @@
                 </a:solidFill>
               </a:rPr>
               <a:pPr/>
-              <a:t>2018-01-04</a:t>
+              <a:t>2018-01-08</a:t>
             </a:fld>
             <a:endParaRPr lang="sv-SE">
               <a:solidFill>
@@ -6662,7 +6484,7 @@
                 </a:solidFill>
               </a:rPr>
               <a:pPr/>
-              <a:t>2018-01-04</a:t>
+              <a:t>2018-01-08</a:t>
             </a:fld>
             <a:endParaRPr lang="sv-SE">
               <a:solidFill>
@@ -6801,7 +6623,7 @@
                 </a:solidFill>
               </a:rPr>
               <a:pPr/>
-              <a:t>2018-01-04</a:t>
+              <a:t>2018-01-08</a:t>
             </a:fld>
             <a:endParaRPr lang="sv-SE">
               <a:solidFill>
@@ -7122,7 +6944,7 @@
                 </a:solidFill>
               </a:rPr>
               <a:pPr/>
-              <a:t>2018-01-04</a:t>
+              <a:t>2018-01-08</a:t>
             </a:fld>
             <a:endParaRPr lang="sv-SE">
               <a:solidFill>
@@ -7419,7 +7241,7 @@
                 </a:solidFill>
               </a:rPr>
               <a:pPr/>
-              <a:t>2018-01-04</a:t>
+              <a:t>2018-01-08</a:t>
             </a:fld>
             <a:endParaRPr lang="sv-SE">
               <a:solidFill>
@@ -7676,7 +7498,7 @@
                 </a:solidFill>
               </a:rPr>
               <a:pPr/>
-              <a:t>2018-01-04</a:t>
+              <a:t>2018-01-08</a:t>
             </a:fld>
             <a:endParaRPr lang="sv-SE">
               <a:solidFill>
@@ -8223,7 +8045,7 @@
           <a:p>
             <a:fld id="{A54D4633-28C2-4E72-8ACE-944F315291B5}" type="datetimeFigureOut">
               <a:rPr lang="sv-SE" smtClean="0"/>
-              <a:t>2018-01-04</a:t>
+              <a:t>2018-01-08</a:t>
             </a:fld>
             <a:endParaRPr lang="sv-SE"/>
           </a:p>
@@ -8798,6 +8620,53 @@
           </a:p>
         </p:txBody>
       </p:sp>
+      <p:pic>
+        <p:nvPicPr>
+          <p:cNvPr id="1026" name="Picture 2" descr="Bildergebnis für rotten tomatoes">
+            <a:extLst>
+              <a:ext uri="{FF2B5EF4-FFF2-40B4-BE49-F238E27FC236}">
+                <a16:creationId xmlns:a16="http://schemas.microsoft.com/office/drawing/2014/main" id="{789B7068-E7D5-4B77-9A2F-DF78F73C2E1A}"/>
+              </a:ext>
+            </a:extLst>
+          </p:cNvPr>
+          <p:cNvPicPr>
+            <a:picLocks noChangeAspect="1" noChangeArrowheads="1"/>
+          </p:cNvPicPr>
+          <p:nvPr/>
+        </p:nvPicPr>
+        <p:blipFill>
+          <a:blip r:embed="rId3">
+            <a:extLst>
+              <a:ext uri="{28A0092B-C50C-407E-A947-70E740481C1C}">
+                <a14:useLocalDpi xmlns:a14="http://schemas.microsoft.com/office/drawing/2010/main" val="0"/>
+              </a:ext>
+            </a:extLst>
+          </a:blip>
+          <a:srcRect/>
+          <a:stretch>
+            <a:fillRect/>
+          </a:stretch>
+        </p:blipFill>
+        <p:spPr bwMode="auto">
+          <a:xfrm>
+            <a:off x="6934200" y="5424488"/>
+            <a:ext cx="2152420" cy="1433512"/>
+          </a:xfrm>
+          <a:prstGeom prst="rect">
+            <a:avLst/>
+          </a:prstGeom>
+          <a:noFill/>
+          <a:extLst>
+            <a:ext uri="{909E8E84-426E-40DD-AFC4-6F175D3DCCD1}">
+              <a14:hiddenFill xmlns:a14="http://schemas.microsoft.com/office/drawing/2010/main">
+                <a:solidFill>
+                  <a:srgbClr val="FFFFFF"/>
+                </a:solidFill>
+              </a14:hiddenFill>
+            </a:ext>
+          </a:extLst>
+        </p:spPr>
+      </p:pic>
     </p:spTree>
     <p:extLst>
       <p:ext uri="{BB962C8B-B14F-4D97-AF65-F5344CB8AC3E}">
@@ -9821,7 +9690,7 @@
         <p:spPr>
           <a:xfrm>
             <a:off x="457200" y="1524000"/>
-            <a:ext cx="8534400" cy="4888518"/>
+            <a:ext cx="8534400" cy="4324261"/>
           </a:xfrm>
           <a:prstGeom prst="rect">
             <a:avLst/>
@@ -9850,10 +9719,10 @@
                 <a:ea typeface="Verdana" panose="020B0604030504040204" pitchFamily="34" charset="0"/>
                 <a:cs typeface="Verdana" panose="020B0604030504040204" pitchFamily="34" charset="0"/>
               </a:rPr>
-              <a:t>- Weka </a:t>
-            </a:r>
-            <a:r>
-              <a:rPr lang="en-US" sz="2800" spc="-150" dirty="0">
+              <a:t>- </a:t>
+            </a:r>
+            <a:r>
+              <a:rPr lang="fr-CH" sz="2800" spc="-150" dirty="0" err="1">
                 <a:solidFill>
                   <a:schemeClr val="tx1">
                     <a:lumMod val="85000"/>
@@ -9863,12 +9732,11 @@
                 <a:latin typeface="+mj-lt"/>
                 <a:ea typeface="Verdana" panose="020B0604030504040204" pitchFamily="34" charset="0"/>
                 <a:cs typeface="Verdana" panose="020B0604030504040204" pitchFamily="34" charset="0"/>
-                <a:sym typeface="Wingdings" panose="05000000000000000000" pitchFamily="2" charset="2"/>
-              </a:rPr>
-              <a:t> </a:t>
-            </a:r>
-            <a:r>
-              <a:rPr lang="en-US" sz="2800" spc="-150" dirty="0">
+              </a:rPr>
+              <a:t>We</a:t>
+            </a:r>
+            <a:r>
+              <a:rPr lang="fr-CH" sz="2800" spc="-150" dirty="0">
                 <a:solidFill>
                   <a:schemeClr val="tx1">
                     <a:lumMod val="85000"/>
@@ -9879,36 +9747,10 @@
                 <a:ea typeface="Verdana" panose="020B0604030504040204" pitchFamily="34" charset="0"/>
                 <a:cs typeface="Verdana" panose="020B0604030504040204" pitchFamily="34" charset="0"/>
               </a:rPr>
-              <a:t>Bad documentation</a:t>
-            </a:r>
-          </a:p>
-          <a:p>
-            <a:pPr>
-              <a:lnSpc>
-                <a:spcPts val="2200"/>
-              </a:lnSpc>
-            </a:pPr>
-            <a:endParaRPr lang="en-US" sz="2800" b="1" spc="-150" dirty="0">
-              <a:solidFill>
-                <a:schemeClr val="tx1">
-                  <a:lumMod val="85000"/>
-                  <a:lumOff val="15000"/>
-                </a:schemeClr>
-              </a:solidFill>
-              <a:latin typeface="+mj-lt"/>
-              <a:ea typeface="Verdana" panose="020B0604030504040204" pitchFamily="34" charset="0"/>
-              <a:cs typeface="Verdana" panose="020B0604030504040204" pitchFamily="34" charset="0"/>
-              <a:sym typeface="Wingdings" panose="05000000000000000000" pitchFamily="2" charset="2"/>
-            </a:endParaRPr>
-          </a:p>
-          <a:p>
-            <a:pPr>
-              <a:lnSpc>
-                <a:spcPts val="2200"/>
-              </a:lnSpc>
-            </a:pPr>
-            <a:r>
-              <a:rPr lang="en-US" sz="2800" spc="-150" dirty="0">
+              <a:t> </a:t>
+            </a:r>
+            <a:r>
+              <a:rPr lang="fr-CH" sz="2800" spc="-150" dirty="0" err="1">
                 <a:solidFill>
                   <a:schemeClr val="tx1">
                     <a:lumMod val="85000"/>
@@ -9918,12 +9760,11 @@
                 <a:latin typeface="+mj-lt"/>
                 <a:ea typeface="Verdana" panose="020B0604030504040204" pitchFamily="34" charset="0"/>
                 <a:cs typeface="Verdana" panose="020B0604030504040204" pitchFamily="34" charset="0"/>
-                <a:sym typeface="Wingdings" panose="05000000000000000000" pitchFamily="2" charset="2"/>
-              </a:rPr>
-              <a:t>- We created our own </a:t>
-            </a:r>
-            <a:r>
-              <a:rPr lang="en-US" sz="2800" spc="-150" dirty="0" err="1">
+              </a:rPr>
+              <a:t>didn’t</a:t>
+            </a:r>
+            <a:r>
+              <a:rPr lang="fr-CH" sz="2800" spc="-150" dirty="0">
                 <a:solidFill>
                   <a:schemeClr val="tx1">
                     <a:lumMod val="85000"/>
@@ -9933,9 +9774,64 @@
                 <a:latin typeface="+mj-lt"/>
                 <a:ea typeface="Verdana" panose="020B0604030504040204" pitchFamily="34" charset="0"/>
                 <a:cs typeface="Verdana" panose="020B0604030504040204" pitchFamily="34" charset="0"/>
-                <a:sym typeface="Wingdings" panose="05000000000000000000" pitchFamily="2" charset="2"/>
+              </a:rPr>
+              <a:t> know about </a:t>
+            </a:r>
+            <a:r>
+              <a:rPr lang="fr-CH" sz="2800" spc="-150" dirty="0" err="1">
+                <a:solidFill>
+                  <a:schemeClr val="tx1">
+                    <a:lumMod val="85000"/>
+                    <a:lumOff val="15000"/>
+                  </a:schemeClr>
+                </a:solidFill>
+                <a:latin typeface="+mj-lt"/>
+                <a:ea typeface="Verdana" panose="020B0604030504040204" pitchFamily="34" charset="0"/>
+                <a:cs typeface="Verdana" panose="020B0604030504040204" pitchFamily="34" charset="0"/>
+              </a:rPr>
+              <a:t>wekas</a:t>
+            </a:r>
+            <a:r>
+              <a:rPr lang="fr-CH" sz="2800" spc="-150" dirty="0">
+                <a:solidFill>
+                  <a:schemeClr val="tx1">
+                    <a:lumMod val="85000"/>
+                    <a:lumOff val="15000"/>
+                  </a:schemeClr>
+                </a:solidFill>
+                <a:latin typeface="+mj-lt"/>
+                <a:ea typeface="Verdana" panose="020B0604030504040204" pitchFamily="34" charset="0"/>
+                <a:cs typeface="Verdana" panose="020B0604030504040204" pitchFamily="34" charset="0"/>
+              </a:rPr>
+              <a:t> </a:t>
+            </a:r>
+            <a:r>
+              <a:rPr lang="de-CH" sz="2800" spc="-150" dirty="0" err="1">
+                <a:solidFill>
+                  <a:schemeClr val="tx1">
+                    <a:lumMod val="85000"/>
+                    <a:lumOff val="15000"/>
+                  </a:schemeClr>
+                </a:solidFill>
+                <a:latin typeface="+mj-lt"/>
+                <a:ea typeface="Verdana" panose="020B0604030504040204" pitchFamily="34" charset="0"/>
+                <a:cs typeface="Verdana" panose="020B0604030504040204" pitchFamily="34" charset="0"/>
               </a:rPr>
               <a:t>StringToWordVector</a:t>
+            </a:r>
+            <a:r>
+              <a:rPr lang="de-CH" sz="2800" spc="-150" dirty="0">
+                <a:solidFill>
+                  <a:schemeClr val="tx1">
+                    <a:lumMod val="85000"/>
+                    <a:lumOff val="15000"/>
+                  </a:schemeClr>
+                </a:solidFill>
+                <a:latin typeface="+mj-lt"/>
+                <a:ea typeface="Verdana" panose="020B0604030504040204" pitchFamily="34" charset="0"/>
+                <a:cs typeface="Verdana" panose="020B0604030504040204" pitchFamily="34" charset="0"/>
+              </a:rPr>
+              <a:t>()</a:t>
             </a:r>
             <a:endParaRPr lang="en-US" sz="2800" spc="-150" dirty="0">
               <a:solidFill>
@@ -9985,21 +9881,7 @@
                 <a:ea typeface="Verdana" panose="020B0604030504040204" pitchFamily="34" charset="0"/>
                 <a:cs typeface="Verdana" panose="020B0604030504040204" pitchFamily="34" charset="0"/>
               </a:rPr>
-              <a:t>- Pre-filtering vocabulary entries with </a:t>
-            </a:r>
-            <a:r>
-              <a:rPr lang="en-US" sz="2800" b="1" spc="-150" dirty="0" err="1">
-                <a:solidFill>
-                  <a:schemeClr val="tx1">
-                    <a:lumMod val="85000"/>
-                    <a:lumOff val="15000"/>
-                  </a:schemeClr>
-                </a:solidFill>
-                <a:latin typeface="+mj-lt"/>
-                <a:ea typeface="Verdana" panose="020B0604030504040204" pitchFamily="34" charset="0"/>
-                <a:cs typeface="Verdana" panose="020B0604030504040204" pitchFamily="34" charset="0"/>
-              </a:rPr>
-              <a:t>SentiWordNet</a:t>
+              <a:t>- Idea: Use only words with a sentiment score &gt; |0.25|</a:t>
             </a:r>
             <a:endParaRPr lang="en-US" sz="2800" b="1" spc="-150" dirty="0">
               <a:solidFill>
@@ -10038,7 +9920,7 @@
               </a:lnSpc>
             </a:pPr>
             <a:r>
-              <a:rPr lang="en-US" sz="2800" spc="-150" dirty="0">
+              <a:rPr lang="en-US" sz="2400" spc="-150" dirty="0">
                 <a:solidFill>
                   <a:schemeClr val="tx1">
                     <a:lumMod val="85000"/>
@@ -10049,10 +9931,10 @@
                 <a:ea typeface="Verdana" panose="020B0604030504040204" pitchFamily="34" charset="0"/>
                 <a:cs typeface="Verdana" panose="020B0604030504040204" pitchFamily="34" charset="0"/>
               </a:rPr>
-              <a:t>   </a:t>
-            </a:r>
-            <a:r>
-              <a:rPr lang="en-US" sz="2800" spc="-150" dirty="0" err="1">
+              <a:t>  	     	  </a:t>
+            </a:r>
+            <a:r>
+              <a:rPr lang="en-US" sz="2400" spc="-150" dirty="0" err="1">
                 <a:solidFill>
                   <a:schemeClr val="tx1">
                     <a:lumMod val="85000"/>
@@ -10066,7 +9948,7 @@
               <a:t>SentiWordNet</a:t>
             </a:r>
             <a:r>
-              <a:rPr lang="en-US" sz="2800" spc="-150" dirty="0">
+              <a:rPr lang="en-US" sz="2400" spc="-150" dirty="0">
                 <a:solidFill>
                   <a:schemeClr val="tx1">
                     <a:lumMod val="85000"/>
@@ -10077,10 +9959,10 @@
                 <a:ea typeface="Verdana" panose="020B0604030504040204" pitchFamily="34" charset="0"/>
                 <a:cs typeface="Verdana" panose="020B0604030504040204" pitchFamily="34" charset="0"/>
               </a:rPr>
-              <a:t> ( ‘good’, ‘a’) </a:t>
-            </a:r>
-            <a:r>
-              <a:rPr lang="en-US" sz="2800" spc="-150" dirty="0">
+              <a:t> ( ‘good’, ‘A’) </a:t>
+            </a:r>
+            <a:r>
+              <a:rPr lang="en-US" sz="2400" spc="-150" dirty="0">
                 <a:solidFill>
                   <a:schemeClr val="tx1">
                     <a:lumMod val="85000"/>
@@ -10094,7 +9976,7 @@
               </a:rPr>
               <a:t> 0.5</a:t>
             </a:r>
-            <a:endParaRPr lang="en-US" sz="2800" spc="-150" dirty="0">
+            <a:endParaRPr lang="en-US" sz="2400" spc="-150" dirty="0">
               <a:solidFill>
                 <a:schemeClr val="tx1">
                   <a:lumMod val="85000"/>
@@ -10142,7 +10024,15 @@
                 <a:ea typeface="Verdana" panose="020B0604030504040204" pitchFamily="34" charset="0"/>
                 <a:cs typeface="Verdana" panose="020B0604030504040204" pitchFamily="34" charset="0"/>
               </a:rPr>
-              <a:t> [masterpiece, bad, great, stupid, ‘the best’, poor, ridiculous, terrible, awful, dull, wasted, terrific, poorly, wonderfully, masterpiece, ‘the only thing’, ‘of the worst’, hilarious, …]</a:t>
+              <a:t>Resulting vocabulary:  </a:t>
+            </a:r>
+            <a:r>
+              <a:rPr lang="en-US" sz="2400" b="1" spc="-150" dirty="0">
+                <a:latin typeface="+mj-lt"/>
+                <a:ea typeface="Verdana" panose="020B0604030504040204" pitchFamily="34" charset="0"/>
+                <a:cs typeface="Verdana" panose="020B0604030504040204" pitchFamily="34" charset="0"/>
+              </a:rPr>
+              <a:t>[masterpiece, bad, great, stupid, ‘the best’, poor, ridiculous, terrible, awful, dull, wasted, terrific, poorly, wonderfully, masterpiece, ‘the only thing’, ‘of the worst’, hilarious, …]</a:t>
             </a:r>
           </a:p>
           <a:p>
@@ -10181,7 +10071,35 @@
                 <a:ea typeface="Verdana" panose="020B0604030504040204" pitchFamily="34" charset="0"/>
                 <a:cs typeface="Verdana" panose="020B0604030504040204" pitchFamily="34" charset="0"/>
               </a:rPr>
-              <a:t>- Better score with 1000 strong words than with 20k unfiltered words</a:t>
+              <a:t>- Better score with 1000 </a:t>
+            </a:r>
+            <a:r>
+              <a:rPr lang="en-US" sz="2800" spc="-150" dirty="0" err="1">
+                <a:solidFill>
+                  <a:schemeClr val="tx1">
+                    <a:lumMod val="85000"/>
+                    <a:lumOff val="15000"/>
+                  </a:schemeClr>
+                </a:solidFill>
+                <a:latin typeface="+mj-lt"/>
+                <a:ea typeface="Verdana" panose="020B0604030504040204" pitchFamily="34" charset="0"/>
+                <a:cs typeface="Verdana" panose="020B0604030504040204" pitchFamily="34" charset="0"/>
+              </a:rPr>
+              <a:t>prefiltered</a:t>
+            </a:r>
+            <a:r>
+              <a:rPr lang="en-US" sz="2800" spc="-150" dirty="0">
+                <a:solidFill>
+                  <a:schemeClr val="tx1">
+                    <a:lumMod val="85000"/>
+                    <a:lumOff val="15000"/>
+                  </a:schemeClr>
+                </a:solidFill>
+                <a:latin typeface="+mj-lt"/>
+                <a:ea typeface="Verdana" panose="020B0604030504040204" pitchFamily="34" charset="0"/>
+                <a:cs typeface="Verdana" panose="020B0604030504040204" pitchFamily="34" charset="0"/>
+              </a:rPr>
+              <a:t> words than with 20k unfiltered words</a:t>
             </a:r>
           </a:p>
           <a:p>
@@ -10601,8 +10519,8 @@
         </p:nvSpPr>
         <p:spPr bwMode="auto">
           <a:xfrm>
-            <a:off x="743869" y="3214301"/>
-            <a:ext cx="7942932" cy="3139321"/>
+            <a:off x="743869" y="3352801"/>
+            <a:ext cx="7942932" cy="2862322"/>
           </a:xfrm>
           <a:prstGeom prst="rect">
             <a:avLst/>
@@ -10826,7 +10744,7 @@
                 <a:latin typeface="Consolas" panose="020B0609020204030204" pitchFamily="49" charset="0"/>
                 <a:cs typeface="Courier New" panose="02070309020205020404" pitchFamily="49" charset="0"/>
               </a:rPr>
-              <a:t>        (review) -&gt; {</a:t>
+              <a:t>    (review) -&gt; {</a:t>
             </a:r>
             <a:br>
               <a:rPr kumimoji="0" lang="de-DE" altLang="de-DE" b="0" i="0" u="none" strike="noStrike" cap="none" normalizeH="0" baseline="0" dirty="0">
@@ -10853,7 +10771,7 @@
                 <a:latin typeface="Consolas" panose="020B0609020204030204" pitchFamily="49" charset="0"/>
                 <a:cs typeface="Courier New" panose="02070309020205020404" pitchFamily="49" charset="0"/>
               </a:rPr>
-              <a:t>            Pipeline&lt;String, Double&gt; </a:t>
+              <a:t>        </a:t>
             </a:r>
             <a:r>
               <a:rPr kumimoji="0" lang="de-DE" altLang="de-DE" b="0" i="0" u="none" strike="noStrike" cap="none" normalizeH="0" baseline="0" dirty="0" err="1">
@@ -10867,21 +10785,88 @@
                 <a:latin typeface="Consolas" panose="020B0609020204030204" pitchFamily="49" charset="0"/>
                 <a:cs typeface="Courier New" panose="02070309020205020404" pitchFamily="49" charset="0"/>
               </a:rPr>
-              <a:t>chain</a:t>
-            </a:r>
-            <a:r>
-              <a:rPr kumimoji="0" lang="de-DE" altLang="de-DE" b="0" i="0" u="none" strike="noStrike" cap="none" normalizeH="0" baseline="0" dirty="0">
-                <a:ln>
-                  <a:noFill/>
-                </a:ln>
+              <a:t>PipelineFactory</a:t>
+            </a:r>
+            <a:endParaRPr kumimoji="0" lang="de-DE" altLang="de-DE" b="0" i="0" u="none" strike="noStrike" cap="none" normalizeH="0" baseline="0" dirty="0">
+              <a:ln>
+                <a:noFill/>
+              </a:ln>
+              <a:solidFill>
+                <a:srgbClr val="000000"/>
+              </a:solidFill>
+              <a:effectLst/>
+              <a:latin typeface="Consolas" panose="020B0609020204030204" pitchFamily="49" charset="0"/>
+              <a:cs typeface="Courier New" panose="02070309020205020404" pitchFamily="49" charset="0"/>
+            </a:endParaRPr>
+          </a:p>
+          <a:p>
+            <a:pPr eaLnBrk="0" fontAlgn="base" hangingPunct="0">
+              <a:spcBef>
+                <a:spcPct val="0"/>
+              </a:spcBef>
+              <a:spcAft>
+                <a:spcPct val="0"/>
+              </a:spcAft>
+            </a:pPr>
+            <a:r>
+              <a:rPr lang="de-DE" altLang="de-DE" dirty="0">
                 <a:solidFill>
                   <a:srgbClr val="000000"/>
                 </a:solidFill>
-                <a:effectLst/>
                 <a:latin typeface="Consolas" panose="020B0609020204030204" pitchFamily="49" charset="0"/>
                 <a:cs typeface="Courier New" panose="02070309020205020404" pitchFamily="49" charset="0"/>
               </a:rPr>
-              <a:t> = Pipeline</a:t>
+              <a:t>            .</a:t>
+            </a:r>
+            <a:r>
+              <a:rPr lang="de-DE" altLang="de-DE" dirty="0" err="1">
+                <a:solidFill>
+                  <a:srgbClr val="000000"/>
+                </a:solidFill>
+                <a:latin typeface="Consolas" panose="020B0609020204030204" pitchFamily="49" charset="0"/>
+                <a:cs typeface="Courier New" panose="02070309020205020404" pitchFamily="49" charset="0"/>
+              </a:rPr>
+              <a:t>start</a:t>
+            </a:r>
+            <a:r>
+              <a:rPr lang="de-DE" altLang="de-DE" dirty="0">
+                <a:solidFill>
+                  <a:srgbClr val="000000"/>
+                </a:solidFill>
+                <a:latin typeface="Consolas" panose="020B0609020204030204" pitchFamily="49" charset="0"/>
+                <a:cs typeface="Courier New" panose="02070309020205020404" pitchFamily="49" charset="0"/>
+              </a:rPr>
+              <a:t>(</a:t>
+            </a:r>
+            <a:r>
+              <a:rPr lang="de-DE" altLang="de-DE" dirty="0" err="1">
+                <a:solidFill>
+                  <a:srgbClr val="000000"/>
+                </a:solidFill>
+                <a:latin typeface="Consolas" panose="020B0609020204030204" pitchFamily="49" charset="0"/>
+                <a:cs typeface="Courier New" panose="02070309020205020404" pitchFamily="49" charset="0"/>
+              </a:rPr>
+              <a:t>Preprocessing.</a:t>
+            </a:r>
+            <a:r>
+              <a:rPr lang="de-DE" altLang="de-DE" i="1" dirty="0" err="1">
+                <a:solidFill>
+                  <a:srgbClr val="660E7A"/>
+                </a:solidFill>
+                <a:latin typeface="Consolas" panose="020B0609020204030204" pitchFamily="49" charset="0"/>
+                <a:cs typeface="Courier New" panose="02070309020205020404" pitchFamily="49" charset="0"/>
+              </a:rPr>
+              <a:t>negationFilter</a:t>
+            </a:r>
+            <a:r>
+              <a:rPr lang="de-DE" altLang="de-DE" dirty="0">
+                <a:solidFill>
+                  <a:srgbClr val="000000"/>
+                </a:solidFill>
+                <a:latin typeface="Consolas" panose="020B0609020204030204" pitchFamily="49" charset="0"/>
+                <a:cs typeface="Courier New" panose="02070309020205020404" pitchFamily="49" charset="0"/>
+              </a:rPr>
+              <a:t>)</a:t>
             </a:r>
             <a:br>
               <a:rPr kumimoji="0" lang="de-DE" altLang="de-DE" b="0" i="0" u="none" strike="noStrike" cap="none" normalizeH="0" baseline="0" dirty="0">
@@ -10908,31 +10893,23 @@
                 <a:latin typeface="Consolas" panose="020B0609020204030204" pitchFamily="49" charset="0"/>
                 <a:cs typeface="Courier New" panose="02070309020205020404" pitchFamily="49" charset="0"/>
               </a:rPr>
-              <a:t>                    .</a:t>
-            </a:r>
-            <a:r>
-              <a:rPr kumimoji="0" lang="de-DE" altLang="de-DE" b="0" i="1" u="none" strike="noStrike" cap="none" normalizeH="0" baseline="0" dirty="0" err="1">
-                <a:ln>
-                  <a:noFill/>
-                </a:ln>
+              <a:t>            .</a:t>
+            </a:r>
+            <a:r>
+              <a:rPr lang="de-DE" altLang="de-DE" i="1" dirty="0" err="1">
                 <a:solidFill>
                   <a:srgbClr val="000000"/>
                 </a:solidFill>
-                <a:effectLst/>
                 <a:latin typeface="Consolas" panose="020B0609020204030204" pitchFamily="49" charset="0"/>
                 <a:cs typeface="Courier New" panose="02070309020205020404" pitchFamily="49" charset="0"/>
               </a:rPr>
-              <a:t>start</a:t>
-            </a:r>
-            <a:r>
-              <a:rPr kumimoji="0" lang="de-DE" altLang="de-DE" b="0" i="0" u="none" strike="noStrike" cap="none" normalizeH="0" baseline="0" dirty="0">
-                <a:ln>
-                  <a:noFill/>
-                </a:ln>
+              <a:t>append</a:t>
+            </a:r>
+            <a:r>
+              <a:rPr lang="de-DE" altLang="de-DE" i="1" dirty="0">
                 <a:solidFill>
                   <a:srgbClr val="000000"/>
                 </a:solidFill>
-                <a:effectLst/>
                 <a:latin typeface="Consolas" panose="020B0609020204030204" pitchFamily="49" charset="0"/>
                 <a:cs typeface="Courier New" panose="02070309020205020404" pitchFamily="49" charset="0"/>
               </a:rPr>
@@ -11017,21 +10994,17 @@
             <a:r>
               <a:rPr lang="de-DE" altLang="de-DE" dirty="0">
                 <a:solidFill>
-                  <a:schemeClr val="bg1">
-                    <a:lumMod val="65000"/>
-                  </a:schemeClr>
+                  <a:srgbClr val="000000"/>
                 </a:solidFill>
                 <a:latin typeface="Consolas" panose="020B0609020204030204" pitchFamily="49" charset="0"/>
                 <a:cs typeface="Courier New" panose="02070309020205020404" pitchFamily="49" charset="0"/>
               </a:rPr>
-              <a:t>                  //.</a:t>
+              <a:t>	     .</a:t>
             </a:r>
             <a:r>
               <a:rPr lang="de-DE" altLang="de-DE" dirty="0" err="1">
                 <a:solidFill>
-                  <a:schemeClr val="bg1">
-                    <a:lumMod val="65000"/>
-                  </a:schemeClr>
+                  <a:srgbClr val="000000"/>
                 </a:solidFill>
                 <a:latin typeface="Consolas" panose="020B0609020204030204" pitchFamily="49" charset="0"/>
                 <a:cs typeface="Courier New" panose="02070309020205020404" pitchFamily="49" charset="0"/>
@@ -11041,9 +11014,7 @@
             <a:r>
               <a:rPr lang="de-DE" altLang="de-DE" dirty="0">
                 <a:solidFill>
-                  <a:schemeClr val="bg1">
-                    <a:lumMod val="65000"/>
-                  </a:schemeClr>
+                  <a:srgbClr val="000000"/>
                 </a:solidFill>
                 <a:latin typeface="Consolas" panose="020B0609020204030204" pitchFamily="49" charset="0"/>
                 <a:cs typeface="Courier New" panose="02070309020205020404" pitchFamily="49" charset="0"/>
@@ -11053,38 +11024,32 @@
             <a:r>
               <a:rPr lang="de-DE" altLang="de-DE" dirty="0" err="1">
                 <a:solidFill>
-                  <a:schemeClr val="bg1">
-                    <a:lumMod val="65000"/>
-                  </a:schemeClr>
+                  <a:srgbClr val="000000"/>
                 </a:solidFill>
                 <a:latin typeface="Consolas" panose="020B0609020204030204" pitchFamily="49" charset="0"/>
                 <a:cs typeface="Courier New" panose="02070309020205020404" pitchFamily="49" charset="0"/>
               </a:rPr>
-              <a:t>Preprocessing.</a:t>
+              <a:t>SentiAnalysis.</a:t>
             </a:r>
             <a:r>
               <a:rPr lang="de-DE" altLang="de-DE" i="1" dirty="0" err="1">
                 <a:solidFill>
-                  <a:schemeClr val="bg1">
-                    <a:lumMod val="65000"/>
-                  </a:schemeClr>
+                  <a:srgbClr val="660E7A"/>
                 </a:solidFill>
                 <a:latin typeface="Consolas" panose="020B0609020204030204" pitchFamily="49" charset="0"/>
                 <a:cs typeface="Courier New" panose="02070309020205020404" pitchFamily="49" charset="0"/>
               </a:rPr>
-              <a:t>stopWordFilter</a:t>
+              <a:t>sentiWordNet</a:t>
             </a:r>
             <a:r>
               <a:rPr lang="de-DE" altLang="de-DE" dirty="0">
                 <a:solidFill>
-                  <a:schemeClr val="bg1">
-                    <a:lumMod val="65000"/>
-                  </a:schemeClr>
+                  <a:srgbClr val="000000"/>
                 </a:solidFill>
                 <a:latin typeface="Consolas" panose="020B0609020204030204" pitchFamily="49" charset="0"/>
                 <a:cs typeface="Courier New" panose="02070309020205020404" pitchFamily="49" charset="0"/>
               </a:rPr>
-              <a:t>)                       </a:t>
+              <a:t>)</a:t>
             </a:r>
             <a:br>
               <a:rPr kumimoji="0" lang="de-DE" altLang="de-DE" b="0" i="0" u="none" strike="noStrike" cap="none" normalizeH="0" baseline="0" dirty="0">
@@ -11111,7 +11076,7 @@
                 <a:latin typeface="Consolas" panose="020B0609020204030204" pitchFamily="49" charset="0"/>
                 <a:cs typeface="Courier New" panose="02070309020205020404" pitchFamily="49" charset="0"/>
               </a:rPr>
-              <a:t>                    .</a:t>
+              <a:t>            .</a:t>
             </a:r>
             <a:r>
               <a:rPr kumimoji="0" lang="de-DE" altLang="de-DE" b="0" i="0" u="none" strike="noStrike" cap="none" normalizeH="0" baseline="0" dirty="0" err="1">
@@ -11153,7 +11118,17 @@
                 <a:latin typeface="Consolas" panose="020B0609020204030204" pitchFamily="49" charset="0"/>
                 <a:cs typeface="Courier New" panose="02070309020205020404" pitchFamily="49" charset="0"/>
               </a:rPr>
-              <a:t>Preprocessing.</a:t>
+              <a:t>SentiAnalysis.</a:t>
+            </a:r>
+            <a:r>
+              <a:rPr lang="de-DE" altLang="de-DE" i="1" dirty="0" err="1">
+                <a:solidFill>
+                  <a:srgbClr val="660E7A"/>
+                </a:solidFill>
+                <a:latin typeface="Consolas" panose="020B0609020204030204" pitchFamily="49" charset="0"/>
+                <a:cs typeface="Courier New" panose="02070309020205020404" pitchFamily="49" charset="0"/>
+              </a:rPr>
+              <a:t>avgTextPo</a:t>
             </a:r>
             <a:r>
               <a:rPr kumimoji="0" lang="de-DE" altLang="de-DE" b="0" i="1" u="none" strike="noStrike" cap="none" normalizeH="0" baseline="0" dirty="0" err="1">
@@ -11167,7 +11142,7 @@
                 <a:latin typeface="Consolas" panose="020B0609020204030204" pitchFamily="49" charset="0"/>
                 <a:cs typeface="Courier New" panose="02070309020205020404" pitchFamily="49" charset="0"/>
               </a:rPr>
-              <a:t>maxEntPosTagger</a:t>
+              <a:t>larity</a:t>
             </a:r>
             <a:r>
               <a:rPr kumimoji="0" lang="de-DE" altLang="de-DE" b="0" i="0" u="none" strike="noStrike" cap="none" normalizeH="0" baseline="0" dirty="0">
@@ -11181,77 +11156,7 @@
                 <a:latin typeface="Consolas" panose="020B0609020204030204" pitchFamily="49" charset="0"/>
                 <a:cs typeface="Courier New" panose="02070309020205020404" pitchFamily="49" charset="0"/>
               </a:rPr>
-              <a:t>)</a:t>
-            </a:r>
-          </a:p>
-          <a:p>
-            <a:pPr lvl="0" eaLnBrk="0" fontAlgn="base" hangingPunct="0">
-              <a:spcBef>
-                <a:spcPct val="0"/>
-              </a:spcBef>
-              <a:spcAft>
-                <a:spcPct val="0"/>
-              </a:spcAft>
-            </a:pPr>
-            <a:r>
-              <a:rPr lang="de-DE" altLang="de-DE" dirty="0">
-                <a:solidFill>
-                  <a:srgbClr val="000000"/>
-                </a:solidFill>
-                <a:latin typeface="Consolas" panose="020B0609020204030204" pitchFamily="49" charset="0"/>
-                <a:cs typeface="Courier New" panose="02070309020205020404" pitchFamily="49" charset="0"/>
-              </a:rPr>
-              <a:t>		     .</a:t>
-            </a:r>
-            <a:r>
-              <a:rPr lang="de-DE" altLang="de-DE" dirty="0" err="1">
-                <a:solidFill>
-                  <a:srgbClr val="000000"/>
-                </a:solidFill>
-                <a:latin typeface="Consolas" panose="020B0609020204030204" pitchFamily="49" charset="0"/>
-                <a:cs typeface="Courier New" panose="02070309020205020404" pitchFamily="49" charset="0"/>
-              </a:rPr>
-              <a:t>append</a:t>
-            </a:r>
-            <a:r>
-              <a:rPr lang="de-DE" altLang="de-DE" dirty="0">
-                <a:solidFill>
-                  <a:srgbClr val="000000"/>
-                </a:solidFill>
-                <a:latin typeface="Consolas" panose="020B0609020204030204" pitchFamily="49" charset="0"/>
-                <a:cs typeface="Courier New" panose="02070309020205020404" pitchFamily="49" charset="0"/>
-              </a:rPr>
-              <a:t>(</a:t>
-            </a:r>
-            <a:r>
-              <a:rPr lang="de-DE" altLang="de-DE" dirty="0" err="1">
-                <a:solidFill>
-                  <a:srgbClr val="000000"/>
-                </a:solidFill>
-                <a:latin typeface="Consolas" panose="020B0609020204030204" pitchFamily="49" charset="0"/>
-                <a:cs typeface="Courier New" panose="02070309020205020404" pitchFamily="49" charset="0"/>
-              </a:rPr>
-              <a:t>SentiAnalysis.</a:t>
-            </a:r>
-            <a:r>
-              <a:rPr lang="de-DE" altLang="de-DE" i="1" dirty="0" err="1">
-                <a:solidFill>
-                  <a:srgbClr val="660E7A"/>
-                </a:solidFill>
-                <a:latin typeface="Consolas" panose="020B0609020204030204" pitchFamily="49" charset="0"/>
-                <a:cs typeface="Courier New" panose="02070309020205020404" pitchFamily="49" charset="0"/>
-              </a:rPr>
-              <a:t>sentiWordNet</a:t>
-            </a:r>
-            <a:r>
-              <a:rPr lang="de-DE" altLang="de-DE" dirty="0">
-                <a:solidFill>
-                  <a:srgbClr val="000000"/>
-                </a:solidFill>
-                <a:latin typeface="Consolas" panose="020B0609020204030204" pitchFamily="49" charset="0"/>
-                <a:cs typeface="Courier New" panose="02070309020205020404" pitchFamily="49" charset="0"/>
-              </a:rPr>
-              <a:t>)</a:t>
+              <a:t>);</a:t>
             </a:r>
             <a:br>
               <a:rPr kumimoji="0" lang="de-DE" altLang="de-DE" b="0" i="0" u="none" strike="noStrike" cap="none" normalizeH="0" baseline="0" dirty="0">
@@ -11278,7 +11183,17 @@
                 <a:latin typeface="Consolas" panose="020B0609020204030204" pitchFamily="49" charset="0"/>
                 <a:cs typeface="Courier New" panose="02070309020205020404" pitchFamily="49" charset="0"/>
               </a:rPr>
-              <a:t>                    .</a:t>
+              <a:t>            </a:t>
+            </a:r>
+            <a:r>
+              <a:rPr lang="de-DE" altLang="de-DE" dirty="0">
+                <a:solidFill>
+                  <a:srgbClr val="000000"/>
+                </a:solidFill>
+                <a:latin typeface="Consolas" panose="020B0609020204030204" pitchFamily="49" charset="0"/>
+                <a:cs typeface="Courier New" panose="02070309020205020404" pitchFamily="49" charset="0"/>
+              </a:rPr>
+              <a:t>.</a:t>
             </a:r>
             <a:r>
               <a:rPr kumimoji="0" lang="de-DE" altLang="de-DE" b="0" i="0" u="none" strike="noStrike" cap="none" normalizeH="0" baseline="0" dirty="0" err="1">
@@ -11292,7 +11207,7 @@
                 <a:latin typeface="Consolas" panose="020B0609020204030204" pitchFamily="49" charset="0"/>
                 <a:cs typeface="Courier New" panose="02070309020205020404" pitchFamily="49" charset="0"/>
               </a:rPr>
-              <a:t>append</a:t>
+              <a:t>run</a:t>
             </a:r>
             <a:r>
               <a:rPr kumimoji="0" lang="de-DE" altLang="de-DE" b="0" i="0" u="none" strike="noStrike" cap="none" normalizeH="0" baseline="0" dirty="0">
@@ -11306,59 +11221,7 @@
                 <a:latin typeface="Consolas" panose="020B0609020204030204" pitchFamily="49" charset="0"/>
                 <a:cs typeface="Courier New" panose="02070309020205020404" pitchFamily="49" charset="0"/>
               </a:rPr>
-              <a:t>(</a:t>
-            </a:r>
-            <a:r>
-              <a:rPr kumimoji="0" lang="de-DE" altLang="de-DE" b="0" i="0" u="none" strike="noStrike" cap="none" normalizeH="0" baseline="0" dirty="0" err="1">
-                <a:ln>
-                  <a:noFill/>
-                </a:ln>
-                <a:solidFill>
-                  <a:srgbClr val="000000"/>
-                </a:solidFill>
-                <a:effectLst/>
-                <a:latin typeface="Consolas" panose="020B0609020204030204" pitchFamily="49" charset="0"/>
-                <a:cs typeface="Courier New" panose="02070309020205020404" pitchFamily="49" charset="0"/>
-              </a:rPr>
-              <a:t>SentiAnalysis.</a:t>
-            </a:r>
-            <a:r>
-              <a:rPr lang="de-DE" altLang="de-DE" i="1" dirty="0" err="1">
-                <a:solidFill>
-                  <a:srgbClr val="660E7A"/>
-                </a:solidFill>
-                <a:latin typeface="Consolas" panose="020B0609020204030204" pitchFamily="49" charset="0"/>
-                <a:cs typeface="Courier New" panose="02070309020205020404" pitchFamily="49" charset="0"/>
-              </a:rPr>
-              <a:t>avgTextPo</a:t>
-            </a:r>
-            <a:r>
-              <a:rPr kumimoji="0" lang="de-DE" altLang="de-DE" b="0" i="1" u="none" strike="noStrike" cap="none" normalizeH="0" baseline="0" dirty="0" err="1">
-                <a:ln>
-                  <a:noFill/>
-                </a:ln>
-                <a:solidFill>
-                  <a:srgbClr val="660E7A"/>
-                </a:solidFill>
-                <a:effectLst/>
-                <a:latin typeface="Consolas" panose="020B0609020204030204" pitchFamily="49" charset="0"/>
-                <a:cs typeface="Courier New" panose="02070309020205020404" pitchFamily="49" charset="0"/>
-              </a:rPr>
-              <a:t>larity</a:t>
-            </a:r>
-            <a:r>
-              <a:rPr kumimoji="0" lang="de-DE" altLang="de-DE" b="0" i="0" u="none" strike="noStrike" cap="none" normalizeH="0" baseline="0" dirty="0">
-                <a:ln>
-                  <a:noFill/>
-                </a:ln>
-                <a:solidFill>
-                  <a:srgbClr val="000000"/>
-                </a:solidFill>
-                <a:effectLst/>
-                <a:latin typeface="Consolas" panose="020B0609020204030204" pitchFamily="49" charset="0"/>
-                <a:cs typeface="Courier New" panose="02070309020205020404" pitchFamily="49" charset="0"/>
-              </a:rPr>
-              <a:t>);</a:t>
+              <a:t>(review);</a:t>
             </a:r>
             <a:br>
               <a:rPr kumimoji="0" lang="de-DE" altLang="de-DE" b="0" i="0" u="none" strike="noStrike" cap="none" normalizeH="0" baseline="0" dirty="0">
@@ -11385,90 +11248,7 @@
                 <a:latin typeface="Consolas" panose="020B0609020204030204" pitchFamily="49" charset="0"/>
                 <a:cs typeface="Courier New" panose="02070309020205020404" pitchFamily="49" charset="0"/>
               </a:rPr>
-              <a:t>            </a:t>
-            </a:r>
-            <a:r>
-              <a:rPr kumimoji="0" lang="de-DE" altLang="de-DE" b="1" i="0" u="none" strike="noStrike" cap="none" normalizeH="0" baseline="0" dirty="0" err="1">
-                <a:ln>
-                  <a:noFill/>
-                </a:ln>
-                <a:solidFill>
-                  <a:srgbClr val="000080"/>
-                </a:solidFill>
-                <a:effectLst/>
-                <a:latin typeface="Consolas" panose="020B0609020204030204" pitchFamily="49" charset="0"/>
-                <a:cs typeface="Courier New" panose="02070309020205020404" pitchFamily="49" charset="0"/>
-              </a:rPr>
-              <a:t>return</a:t>
-            </a:r>
-            <a:r>
-              <a:rPr kumimoji="0" lang="de-DE" altLang="de-DE" b="1" i="0" u="none" strike="noStrike" cap="none" normalizeH="0" baseline="0" dirty="0">
-                <a:ln>
-                  <a:noFill/>
-                </a:ln>
-                <a:solidFill>
-                  <a:srgbClr val="000080"/>
-                </a:solidFill>
-                <a:effectLst/>
-                <a:latin typeface="Consolas" panose="020B0609020204030204" pitchFamily="49" charset="0"/>
-                <a:cs typeface="Courier New" panose="02070309020205020404" pitchFamily="49" charset="0"/>
-              </a:rPr>
-              <a:t> </a:t>
-            </a:r>
-            <a:r>
-              <a:rPr kumimoji="0" lang="de-DE" altLang="de-DE" b="0" i="0" u="none" strike="noStrike" cap="none" normalizeH="0" baseline="0" dirty="0" err="1">
-                <a:ln>
-                  <a:noFill/>
-                </a:ln>
-                <a:solidFill>
-                  <a:srgbClr val="000000"/>
-                </a:solidFill>
-                <a:effectLst/>
-                <a:latin typeface="Consolas" panose="020B0609020204030204" pitchFamily="49" charset="0"/>
-                <a:cs typeface="Courier New" panose="02070309020205020404" pitchFamily="49" charset="0"/>
-              </a:rPr>
-              <a:t>chain.run</a:t>
-            </a:r>
-            <a:r>
-              <a:rPr kumimoji="0" lang="de-DE" altLang="de-DE" b="0" i="0" u="none" strike="noStrike" cap="none" normalizeH="0" baseline="0" dirty="0">
-                <a:ln>
-                  <a:noFill/>
-                </a:ln>
-                <a:solidFill>
-                  <a:srgbClr val="000000"/>
-                </a:solidFill>
-                <a:effectLst/>
-                <a:latin typeface="Consolas" panose="020B0609020204030204" pitchFamily="49" charset="0"/>
-                <a:cs typeface="Courier New" panose="02070309020205020404" pitchFamily="49" charset="0"/>
-              </a:rPr>
-              <a:t>(review);</a:t>
-            </a:r>
-            <a:br>
-              <a:rPr kumimoji="0" lang="de-DE" altLang="de-DE" b="0" i="0" u="none" strike="noStrike" cap="none" normalizeH="0" baseline="0" dirty="0">
-                <a:ln>
-                  <a:noFill/>
-                </a:ln>
-                <a:solidFill>
-                  <a:srgbClr val="000000"/>
-                </a:solidFill>
-                <a:effectLst/>
-                <a:latin typeface="Consolas" panose="020B0609020204030204" pitchFamily="49" charset="0"/>
-                <a:cs typeface="Courier New" panose="02070309020205020404" pitchFamily="49" charset="0"/>
-              </a:rPr>
-            </a:br>
-            <a:r>
-              <a:rPr kumimoji="0" lang="de-DE" altLang="de-DE" b="0" i="0" u="none" strike="noStrike" cap="none" normalizeH="0" baseline="0" dirty="0">
-                <a:ln>
-                  <a:noFill/>
-                </a:ln>
-                <a:solidFill>
-                  <a:srgbClr val="000000"/>
-                </a:solidFill>
-                <a:effectLst/>
-                <a:latin typeface="Consolas" panose="020B0609020204030204" pitchFamily="49" charset="0"/>
-                <a:cs typeface="Courier New" panose="02070309020205020404" pitchFamily="49" charset="0"/>
-              </a:rPr>
-              <a:t>        }</a:t>
+              <a:t>      }</a:t>
             </a:r>
             <a:br>
               <a:rPr kumimoji="0" lang="de-DE" altLang="de-DE" b="0" i="0" u="none" strike="noStrike" cap="none" normalizeH="0" baseline="0" dirty="0">
@@ -11510,8 +11290,8 @@
           </a:p>
         </p:txBody>
       </p:sp>
-      <mc:AlternateContent xmlns:mc="http://schemas.openxmlformats.org/markup-compatibility/2006">
-        <mc:Choice xmlns:a14="http://schemas.microsoft.com/office/drawing/2010/main" Requires="a14">
+      <mc:AlternateContent xmlns:mc="http://schemas.openxmlformats.org/markup-compatibility/2006" xmlns:a14="http://schemas.microsoft.com/office/drawing/2010/main">
+        <mc:Choice Requires="a14">
           <p:sp>
             <p:nvSpPr>
               <p:cNvPr id="5" name="Rectangle 4">
@@ -11526,15 +11306,15 @@
             </p:nvSpPr>
             <p:spPr>
               <a:xfrm>
-                <a:off x="2057400" y="1552502"/>
-                <a:ext cx="4572000" cy="1502976"/>
+                <a:off x="1295400" y="1552502"/>
+                <a:ext cx="6705600" cy="1502976"/>
               </a:xfrm>
               <a:prstGeom prst="rect">
                 <a:avLst/>
               </a:prstGeom>
             </p:spPr>
             <p:txBody>
-              <a:bodyPr>
+              <a:bodyPr wrap="square">
                 <a:spAutoFit/>
               </a:bodyPr>
               <a:lstStyle/>
@@ -11546,7 +11326,7 @@
                   <a:buFontTx/>
                   <a:buChar char="-"/>
                 </a:pPr>
-                <a:endParaRPr lang="en-US" b="1" spc="-150" dirty="0">
+                <a:endParaRPr lang="en-US" sz="2400" b="1" spc="-150" dirty="0">
                   <a:solidFill>
                     <a:schemeClr val="tx1">
                       <a:lumMod val="85000"/>
@@ -11565,7 +11345,7 @@
                   <a:buFontTx/>
                   <a:buChar char="-"/>
                 </a:pPr>
-                <a:endParaRPr lang="en-US" b="1" spc="-150" dirty="0">
+                <a:endParaRPr lang="en-US" sz="2400" b="1" spc="-150" dirty="0">
                   <a:solidFill>
                     <a:schemeClr val="tx1">
                       <a:lumMod val="85000"/>
@@ -11592,7 +11372,7 @@
                         <m:rPr>
                           <m:sty m:val="p"/>
                         </m:rPr>
-                        <a:rPr lang="de-CH" sz="2400" i="0" spc="-150">
+                        <a:rPr lang="de-CH" sz="2400" b="0" i="0" spc="-150" smtClean="0">
                           <a:solidFill>
                             <a:schemeClr val="tx1">
                               <a:lumMod val="85000"/>
@@ -11603,10 +11383,10 @@
                           <a:ea typeface="Verdana" panose="020B0604030504040204" pitchFamily="34" charset="0"/>
                           <a:cs typeface="Verdana" panose="020B0604030504040204" pitchFamily="34" charset="0"/>
                         </a:rPr>
-                        <m:t>F</m:t>
+                        <m:t>f</m:t>
                       </m:r>
                       <m:r>
-                        <a:rPr lang="de-CH" sz="2400" i="0" spc="-150">
+                        <a:rPr lang="de-CH" sz="2400" b="0" i="0" spc="-150" smtClean="0">
                           <a:solidFill>
                             <a:schemeClr val="tx1">
                               <a:lumMod val="85000"/>
@@ -11617,15 +11397,43 @@
                           <a:ea typeface="Verdana" panose="020B0604030504040204" pitchFamily="34" charset="0"/>
                           <a:cs typeface="Verdana" panose="020B0604030504040204" pitchFamily="34" charset="0"/>
                         </a:rPr>
-                        <m:t>=</m:t>
+                        <m:t>(</m:t>
                       </m:r>
-                      <m:nary>
-                        <m:naryPr>
-                          <m:chr m:val="∑"/>
-                          <m:limLoc m:val="subSup"/>
-                          <m:supHide m:val="on"/>
+                      <m:r>
+                        <m:rPr>
+                          <m:sty m:val="p"/>
+                        </m:rPr>
+                        <a:rPr lang="de-CH" sz="2400" b="0" i="0" spc="-150" smtClean="0">
+                          <a:solidFill>
+                            <a:schemeClr val="tx1">
+                              <a:lumMod val="85000"/>
+                              <a:lumOff val="15000"/>
+                            </a:schemeClr>
+                          </a:solidFill>
+                          <a:latin typeface="Cambria Math" panose="02040503050406030204" pitchFamily="18" charset="0"/>
+                          <a:ea typeface="Verdana" panose="020B0604030504040204" pitchFamily="34" charset="0"/>
+                          <a:cs typeface="Verdana" panose="020B0604030504040204" pitchFamily="34" charset="0"/>
+                        </a:rPr>
+                        <m:t>review</m:t>
+                      </m:r>
+                      <m:r>
+                        <a:rPr lang="de-CH" sz="2400" b="0" i="0" spc="-150" smtClean="0">
+                          <a:solidFill>
+                            <a:schemeClr val="tx1">
+                              <a:lumMod val="85000"/>
+                              <a:lumOff val="15000"/>
+                            </a:schemeClr>
+                          </a:solidFill>
+                          <a:latin typeface="Cambria Math" panose="02040503050406030204" pitchFamily="18" charset="0"/>
+                          <a:ea typeface="Verdana" panose="020B0604030504040204" pitchFamily="34" charset="0"/>
+                          <a:cs typeface="Verdana" panose="020B0604030504040204" pitchFamily="34" charset="0"/>
+                        </a:rPr>
+                        <m:t>)=</m:t>
+                      </m:r>
+                      <m:f>
+                        <m:fPr>
                           <m:ctrlPr>
-                            <a:rPr lang="de-CH" sz="2400" spc="-150">
+                            <a:rPr lang="de-CH" sz="2400" i="1" spc="-150" smtClean="0">
                               <a:solidFill>
                                 <a:schemeClr val="tx1">
                                   <a:lumMod val="85000"/>
@@ -11637,14 +11445,202 @@
                               <a:cs typeface="Verdana" panose="020B0604030504040204" pitchFamily="34" charset="0"/>
                             </a:rPr>
                           </m:ctrlPr>
-                        </m:naryPr>
-                        <m:sub>
+                        </m:fPr>
+                        <m:num>
+                          <m:nary>
+                            <m:naryPr>
+                              <m:chr m:val="∑"/>
+                              <m:limLoc m:val="subSup"/>
+                              <m:supHide m:val="on"/>
+                              <m:ctrlPr>
+                                <a:rPr lang="de-CH" sz="2400" i="1" spc="-150">
+                                  <a:solidFill>
+                                    <a:schemeClr val="tx1">
+                                      <a:lumMod val="85000"/>
+                                      <a:lumOff val="15000"/>
+                                    </a:schemeClr>
+                                  </a:solidFill>
+                                  <a:latin typeface="Cambria Math" panose="02040503050406030204" pitchFamily="18" charset="0"/>
+                                  <a:ea typeface="Verdana" panose="020B0604030504040204" pitchFamily="34" charset="0"/>
+                                  <a:cs typeface="Verdana" panose="020B0604030504040204" pitchFamily="34" charset="0"/>
+                                </a:rPr>
+                              </m:ctrlPr>
+                            </m:naryPr>
+                            <m:sub>
+                              <m:r>
+                                <m:rPr>
+                                  <m:sty m:val="p"/>
+                                  <m:brk m:alnAt="9"/>
+                                </m:rPr>
+                                <a:rPr lang="de-CH" sz="2400" spc="-150">
+                                  <a:solidFill>
+                                    <a:schemeClr val="tx1">
+                                      <a:lumMod val="85000"/>
+                                      <a:lumOff val="15000"/>
+                                    </a:schemeClr>
+                                  </a:solidFill>
+                                  <a:latin typeface="Cambria Math" panose="02040503050406030204" pitchFamily="18" charset="0"/>
+                                  <a:ea typeface="Verdana" panose="020B0604030504040204" pitchFamily="34" charset="0"/>
+                                  <a:cs typeface="Verdana" panose="020B0604030504040204" pitchFamily="34" charset="0"/>
+                                </a:rPr>
+                                <m:t>j</m:t>
+                              </m:r>
+                              <m:r>
+                                <a:rPr lang="de-CH" sz="2400" spc="-150">
+                                  <a:solidFill>
+                                    <a:schemeClr val="tx1">
+                                      <a:lumMod val="85000"/>
+                                      <a:lumOff val="15000"/>
+                                    </a:schemeClr>
+                                  </a:solidFill>
+                                  <a:latin typeface="Cambria Math" panose="02040503050406030204" pitchFamily="18" charset="0"/>
+                                  <a:ea typeface="Verdana" panose="020B0604030504040204" pitchFamily="34" charset="0"/>
+                                  <a:cs typeface="Verdana" panose="020B0604030504040204" pitchFamily="34" charset="0"/>
+                                </a:rPr>
+                                <m:t>=1..</m:t>
+                              </m:r>
+                              <m:r>
+                                <m:rPr>
+                                  <m:sty m:val="p"/>
+                                </m:rPr>
+                                <a:rPr lang="de-CH" sz="2400" spc="-150">
+                                  <a:solidFill>
+                                    <a:schemeClr val="tx1">
+                                      <a:lumMod val="85000"/>
+                                      <a:lumOff val="15000"/>
+                                    </a:schemeClr>
+                                  </a:solidFill>
+                                  <a:latin typeface="Cambria Math" panose="02040503050406030204" pitchFamily="18" charset="0"/>
+                                  <a:ea typeface="Verdana" panose="020B0604030504040204" pitchFamily="34" charset="0"/>
+                                  <a:cs typeface="Verdana" panose="020B0604030504040204" pitchFamily="34" charset="0"/>
+                                </a:rPr>
+                                <m:t>T</m:t>
+                              </m:r>
+                            </m:sub>
+                            <m:sup/>
+                            <m:e>
+                              <m:r>
+                                <m:rPr>
+                                  <m:sty m:val="p"/>
+                                </m:rPr>
+                                <a:rPr lang="de-CH" sz="2400" b="0" i="0" spc="-150" smtClean="0">
+                                  <a:solidFill>
+                                    <a:schemeClr val="tx1">
+                                      <a:lumMod val="85000"/>
+                                      <a:lumOff val="15000"/>
+                                    </a:schemeClr>
+                                  </a:solidFill>
+                                  <a:latin typeface="Cambria Math" panose="02040503050406030204" pitchFamily="18" charset="0"/>
+                                  <a:ea typeface="Verdana" panose="020B0604030504040204" pitchFamily="34" charset="0"/>
+                                  <a:cs typeface="Verdana" panose="020B0604030504040204" pitchFamily="34" charset="0"/>
+                                </a:rPr>
+                                <m:t>pol</m:t>
+                              </m:r>
+                              <m:r>
+                                <a:rPr lang="de-CH" sz="2400" b="0" i="0" spc="-150" smtClean="0">
+                                  <a:solidFill>
+                                    <a:schemeClr val="tx1">
+                                      <a:lumMod val="85000"/>
+                                      <a:lumOff val="15000"/>
+                                    </a:schemeClr>
+                                  </a:solidFill>
+                                  <a:latin typeface="Cambria Math" panose="02040503050406030204" pitchFamily="18" charset="0"/>
+                                  <a:ea typeface="Verdana" panose="020B0604030504040204" pitchFamily="34" charset="0"/>
+                                  <a:cs typeface="Verdana" panose="020B0604030504040204" pitchFamily="34" charset="0"/>
+                                </a:rPr>
+                                <m:t>(</m:t>
+                              </m:r>
+                              <m:sSub>
+                                <m:sSubPr>
+                                  <m:ctrlPr>
+                                    <a:rPr lang="de-CH" sz="2400" i="1" spc="-150">
+                                      <a:solidFill>
+                                        <a:schemeClr val="tx1">
+                                          <a:lumMod val="85000"/>
+                                          <a:lumOff val="15000"/>
+                                        </a:schemeClr>
+                                      </a:solidFill>
+                                      <a:latin typeface="Cambria Math" panose="02040503050406030204" pitchFamily="18" charset="0"/>
+                                      <a:ea typeface="Verdana" panose="020B0604030504040204" pitchFamily="34" charset="0"/>
+                                      <a:cs typeface="Verdana" panose="020B0604030504040204" pitchFamily="34" charset="0"/>
+                                    </a:rPr>
+                                  </m:ctrlPr>
+                                </m:sSubPr>
+                                <m:e>
+                                  <m:r>
+                                    <m:rPr>
+                                      <m:sty m:val="p"/>
+                                    </m:rPr>
+                                    <a:rPr lang="de-CH" sz="2400" spc="-150">
+                                      <a:solidFill>
+                                        <a:schemeClr val="tx1">
+                                          <a:lumMod val="85000"/>
+                                          <a:lumOff val="15000"/>
+                                        </a:schemeClr>
+                                      </a:solidFill>
+                                      <a:latin typeface="Cambria Math" panose="02040503050406030204" pitchFamily="18" charset="0"/>
+                                      <a:ea typeface="Verdana" panose="020B0604030504040204" pitchFamily="34" charset="0"/>
+                                      <a:cs typeface="Verdana" panose="020B0604030504040204" pitchFamily="34" charset="0"/>
+                                    </a:rPr>
+                                    <m:t>w</m:t>
+                                  </m:r>
+                                </m:e>
+                                <m:sub>
+                                  <m:r>
+                                    <m:rPr>
+                                      <m:sty m:val="p"/>
+                                    </m:rPr>
+                                    <a:rPr lang="de-CH" sz="2400" spc="-150">
+                                      <a:solidFill>
+                                        <a:schemeClr val="tx1">
+                                          <a:lumMod val="85000"/>
+                                          <a:lumOff val="15000"/>
+                                        </a:schemeClr>
+                                      </a:solidFill>
+                                      <a:latin typeface="Cambria Math" panose="02040503050406030204" pitchFamily="18" charset="0"/>
+                                      <a:ea typeface="Verdana" panose="020B0604030504040204" pitchFamily="34" charset="0"/>
+                                      <a:cs typeface="Verdana" panose="020B0604030504040204" pitchFamily="34" charset="0"/>
+                                    </a:rPr>
+                                    <m:t>j</m:t>
+                                  </m:r>
+                                </m:sub>
+                              </m:sSub>
+                              <m:r>
+                                <a:rPr lang="de-CH" sz="2400" spc="-150">
+                                  <a:solidFill>
+                                    <a:schemeClr val="tx1">
+                                      <a:lumMod val="85000"/>
+                                      <a:lumOff val="15000"/>
+                                    </a:schemeClr>
+                                  </a:solidFill>
+                                  <a:latin typeface="Cambria Math" panose="02040503050406030204" pitchFamily="18" charset="0"/>
+                                  <a:ea typeface="Verdana" panose="020B0604030504040204" pitchFamily="34" charset="0"/>
+                                  <a:cs typeface="Verdana" panose="020B0604030504040204" pitchFamily="34" charset="0"/>
+                                </a:rPr>
+                                <m:t>)</m:t>
+                              </m:r>
+                            </m:e>
+                          </m:nary>
                           <m:r>
                             <m:rPr>
-                              <m:sty m:val="p"/>
-                              <m:brk m:alnAt="9"/>
+                              <m:nor/>
                             </m:rPr>
-                            <a:rPr lang="de-CH" sz="2400" i="0" spc="-150">
+                            <a:rPr lang="en-US" sz="2400" spc="-150" dirty="0">
+                              <a:solidFill>
+                                <a:schemeClr val="tx1">
+                                  <a:lumMod val="85000"/>
+                                  <a:lumOff val="15000"/>
+                                </a:schemeClr>
+                              </a:solidFill>
+                              <a:ea typeface="Verdana" panose="020B0604030504040204" pitchFamily="34" charset="0"/>
+                              <a:cs typeface="Verdana" panose="020B0604030504040204" pitchFamily="34" charset="0"/>
+                            </a:rPr>
+                            <m:t> </m:t>
+                          </m:r>
+                        </m:num>
+                        <m:den>
+                          <m:r>
+                            <a:rPr lang="de-CH" sz="2400" b="0" i="1" spc="-150" smtClean="0">
                               <a:solidFill>
                                 <a:schemeClr val="tx1">
                                   <a:lumMod val="85000"/>
@@ -11655,61 +11651,10 @@
                               <a:ea typeface="Verdana" panose="020B0604030504040204" pitchFamily="34" charset="0"/>
                               <a:cs typeface="Verdana" panose="020B0604030504040204" pitchFamily="34" charset="0"/>
                             </a:rPr>
-                            <m:t>j</m:t>
+                            <m:t>𝑇</m:t>
                           </m:r>
                           <m:r>
-                            <a:rPr lang="de-CH" sz="2400" i="0" spc="-150">
-                              <a:solidFill>
-                                <a:schemeClr val="tx1">
-                                  <a:lumMod val="85000"/>
-                                  <a:lumOff val="15000"/>
-                                </a:schemeClr>
-                              </a:solidFill>
-                              <a:latin typeface="Cambria Math" panose="02040503050406030204" pitchFamily="18" charset="0"/>
-                              <a:ea typeface="Verdana" panose="020B0604030504040204" pitchFamily="34" charset="0"/>
-                              <a:cs typeface="Verdana" panose="020B0604030504040204" pitchFamily="34" charset="0"/>
-                            </a:rPr>
-                            <m:t>=1..</m:t>
-                          </m:r>
-                          <m:r>
-                            <m:rPr>
-                              <m:sty m:val="p"/>
-                            </m:rPr>
-                            <a:rPr lang="de-CH" sz="2400" i="0" spc="-150">
-                              <a:solidFill>
-                                <a:schemeClr val="tx1">
-                                  <a:lumMod val="85000"/>
-                                  <a:lumOff val="15000"/>
-                                </a:schemeClr>
-                              </a:solidFill>
-                              <a:latin typeface="Cambria Math" panose="02040503050406030204" pitchFamily="18" charset="0"/>
-                              <a:ea typeface="Verdana" panose="020B0604030504040204" pitchFamily="34" charset="0"/>
-                              <a:cs typeface="Verdana" panose="020B0604030504040204" pitchFamily="34" charset="0"/>
-                            </a:rPr>
-                            <m:t>T</m:t>
-                          </m:r>
-                        </m:sub>
-                        <m:sup/>
-                        <m:e>
-                          <m:r>
-                            <m:rPr>
-                              <m:sty m:val="p"/>
-                            </m:rPr>
-                            <a:rPr lang="de-CH" sz="2400" i="0" spc="-150">
-                              <a:solidFill>
-                                <a:schemeClr val="tx1">
-                                  <a:lumMod val="85000"/>
-                                  <a:lumOff val="15000"/>
-                                </a:schemeClr>
-                              </a:solidFill>
-                              <a:latin typeface="Cambria Math" panose="02040503050406030204" pitchFamily="18" charset="0"/>
-                              <a:ea typeface="Verdana" panose="020B0604030504040204" pitchFamily="34" charset="0"/>
-                              <a:cs typeface="Verdana" panose="020B0604030504040204" pitchFamily="34" charset="0"/>
-                            </a:rPr>
-                            <m:t>sentiWordNet</m:t>
-                          </m:r>
-                          <m:r>
-                            <a:rPr lang="de-CH" sz="2400" i="0" spc="-150">
+                            <a:rPr lang="de-CH" sz="2400" b="0" i="1" spc="-150" smtClean="0">
                               <a:solidFill>
                                 <a:schemeClr val="tx1">
                                   <a:lumMod val="85000"/>
@@ -11722,63 +11667,22 @@
                             </a:rPr>
                             <m:t>(</m:t>
                           </m:r>
-                          <m:sSub>
-                            <m:sSubPr>
-                              <m:ctrlPr>
-                                <a:rPr lang="de-CH" sz="2400" spc="-150">
-                                  <a:solidFill>
-                                    <a:schemeClr val="tx1">
-                                      <a:lumMod val="85000"/>
-                                      <a:lumOff val="15000"/>
-                                    </a:schemeClr>
-                                  </a:solidFill>
-                                  <a:latin typeface="Cambria Math" panose="02040503050406030204" pitchFamily="18" charset="0"/>
-                                  <a:ea typeface="Verdana" panose="020B0604030504040204" pitchFamily="34" charset="0"/>
-                                  <a:cs typeface="Verdana" panose="020B0604030504040204" pitchFamily="34" charset="0"/>
-                                </a:rPr>
-                              </m:ctrlPr>
-                            </m:sSubPr>
-                            <m:e>
-                              <m:r>
-                                <m:rPr>
-                                  <m:sty m:val="p"/>
-                                </m:rPr>
-                                <a:rPr lang="de-CH" sz="2400" i="0" spc="-150">
-                                  <a:solidFill>
-                                    <a:schemeClr val="tx1">
-                                      <a:lumMod val="85000"/>
-                                      <a:lumOff val="15000"/>
-                                    </a:schemeClr>
-                                  </a:solidFill>
-                                  <a:latin typeface="Cambria Math" panose="02040503050406030204" pitchFamily="18" charset="0"/>
-                                  <a:ea typeface="Verdana" panose="020B0604030504040204" pitchFamily="34" charset="0"/>
-                                  <a:cs typeface="Verdana" panose="020B0604030504040204" pitchFamily="34" charset="0"/>
-                                </a:rPr>
-                                <m:t>w</m:t>
-                              </m:r>
-                            </m:e>
-                            <m:sub>
-                              <m:r>
-                                <m:rPr>
-                                  <m:sty m:val="p"/>
-                                </m:rPr>
-                                <a:rPr lang="de-CH" sz="2400" i="0" spc="-150">
-                                  <a:solidFill>
-                                    <a:schemeClr val="tx1">
-                                      <a:lumMod val="85000"/>
-                                      <a:lumOff val="15000"/>
-                                    </a:schemeClr>
-                                  </a:solidFill>
-                                  <a:latin typeface="Cambria Math" panose="02040503050406030204" pitchFamily="18" charset="0"/>
-                                  <a:ea typeface="Verdana" panose="020B0604030504040204" pitchFamily="34" charset="0"/>
-                                  <a:cs typeface="Verdana" panose="020B0604030504040204" pitchFamily="34" charset="0"/>
-                                </a:rPr>
-                                <m:t>j</m:t>
-                              </m:r>
-                            </m:sub>
-                          </m:sSub>
                           <m:r>
-                            <a:rPr lang="de-CH" sz="2400" i="0" spc="-150">
+                            <a:rPr lang="de-CH" sz="2400" b="0" i="1" spc="-150" smtClean="0">
+                              <a:solidFill>
+                                <a:schemeClr val="tx1">
+                                  <a:lumMod val="85000"/>
+                                  <a:lumOff val="15000"/>
+                                </a:schemeClr>
+                              </a:solidFill>
+                              <a:latin typeface="Cambria Math" panose="02040503050406030204" pitchFamily="18" charset="0"/>
+                              <a:ea typeface="Verdana" panose="020B0604030504040204" pitchFamily="34" charset="0"/>
+                              <a:cs typeface="Verdana" panose="020B0604030504040204" pitchFamily="34" charset="0"/>
+                            </a:rPr>
+                            <m:t>𝑟𝑒𝑣𝑖𝑒𝑤</m:t>
+                          </m:r>
+                          <m:r>
+                            <a:rPr lang="de-CH" sz="2400" b="0" i="1" spc="-150" smtClean="0">
                               <a:solidFill>
                                 <a:schemeClr val="tx1">
                                   <a:lumMod val="85000"/>
@@ -11791,8 +11695,8 @@
                             </a:rPr>
                             <m:t>)</m:t>
                           </m:r>
-                        </m:e>
-                      </m:nary>
+                        </m:den>
+                      </m:f>
                     </m:oMath>
                   </m:oMathPara>
                 </a14:m>
@@ -11813,7 +11717,7 @@
                     <a:spcPts val="2200"/>
                   </a:lnSpc>
                 </a:pPr>
-                <a:endParaRPr lang="en-US" sz="2400" spc="-150" dirty="0">
+                <a:endParaRPr lang="en-US" sz="2000" spc="-150" dirty="0">
                   <a:solidFill>
                     <a:schemeClr val="tx1">
                       <a:lumMod val="85000"/>
@@ -11847,7 +11751,7 @@
             </p:txBody>
           </p:sp>
         </mc:Choice>
-        <mc:Fallback>
+        <mc:Fallback xmlns="">
           <p:sp>
             <p:nvSpPr>
               <p:cNvPr id="5" name="Rectangle 4">
@@ -11864,16 +11768,16 @@
             </p:nvSpPr>
             <p:spPr>
               <a:xfrm>
-                <a:off x="2057400" y="1552502"/>
-                <a:ext cx="4572000" cy="1502976"/>
+                <a:off x="1295400" y="1552502"/>
+                <a:ext cx="6705600" cy="1502976"/>
               </a:xfrm>
               <a:prstGeom prst="rect">
                 <a:avLst/>
               </a:prstGeom>
               <a:blipFill>
-                <a:blip r:embed="rId3"/>
+                <a:blip r:embed="rId4"/>
                 <a:stretch>
-                  <a:fillRect l="-3467" t="-75203" b="-95528"/>
+                  <a:fillRect l="-1000" t="-30081" b="-6504"/>
                 </a:stretch>
               </a:blipFill>
             </p:spPr>
@@ -12129,7 +12033,7 @@
         <p:spPr>
           <a:xfrm>
             <a:off x="533400" y="1308260"/>
-            <a:ext cx="8534400" cy="680827"/>
+            <a:ext cx="8534400" cy="4606389"/>
           </a:xfrm>
           <a:prstGeom prst="rect">
             <a:avLst/>
@@ -12141,6 +12045,27 @@
           </a:bodyPr>
           <a:lstStyle/>
           <a:p>
+            <a:pPr>
+              <a:lnSpc>
+                <a:spcPts val="2200"/>
+              </a:lnSpc>
+            </a:pPr>
+            <a:r>
+              <a:rPr lang="en-US" sz="2800" b="1" spc="-150" dirty="0">
+                <a:solidFill>
+                  <a:schemeClr val="tx1">
+                    <a:lumMod val="85000"/>
+                    <a:lumOff val="15000"/>
+                  </a:schemeClr>
+                </a:solidFill>
+                <a:latin typeface="+mj-lt"/>
+                <a:ea typeface="Verdana" panose="020B0604030504040204" pitchFamily="34" charset="0"/>
+                <a:cs typeface="Verdana" panose="020B0604030504040204" pitchFamily="34" charset="0"/>
+              </a:rPr>
+              <a:t>- Average review purity</a:t>
+            </a:r>
+          </a:p>
+          <a:p>
             <a:pPr marL="457200" indent="-457200">
               <a:lnSpc>
                 <a:spcPts val="2200"/>
@@ -12148,6 +12073,166 @@
               <a:buFontTx/>
               <a:buChar char="-"/>
             </a:pPr>
+            <a:endParaRPr lang="en-US" sz="2800" b="1" spc="-150" dirty="0">
+              <a:solidFill>
+                <a:schemeClr val="tx1">
+                  <a:lumMod val="85000"/>
+                  <a:lumOff val="15000"/>
+                </a:schemeClr>
+              </a:solidFill>
+              <a:latin typeface="+mj-lt"/>
+              <a:ea typeface="Verdana" panose="020B0604030504040204" pitchFamily="34" charset="0"/>
+              <a:cs typeface="Verdana" panose="020B0604030504040204" pitchFamily="34" charset="0"/>
+            </a:endParaRPr>
+          </a:p>
+          <a:p>
+            <a:pPr marL="457200" indent="-457200">
+              <a:lnSpc>
+                <a:spcPts val="2200"/>
+              </a:lnSpc>
+              <a:buFontTx/>
+              <a:buChar char="-"/>
+            </a:pPr>
+            <a:endParaRPr lang="en-US" sz="2800" b="1" spc="-150" dirty="0">
+              <a:solidFill>
+                <a:schemeClr val="tx1">
+                  <a:lumMod val="85000"/>
+                  <a:lumOff val="15000"/>
+                </a:schemeClr>
+              </a:solidFill>
+              <a:latin typeface="+mj-lt"/>
+              <a:ea typeface="Verdana" panose="020B0604030504040204" pitchFamily="34" charset="0"/>
+              <a:cs typeface="Verdana" panose="020B0604030504040204" pitchFamily="34" charset="0"/>
+            </a:endParaRPr>
+          </a:p>
+          <a:p>
+            <a:pPr marL="457200" indent="-457200">
+              <a:lnSpc>
+                <a:spcPts val="2200"/>
+              </a:lnSpc>
+              <a:buFontTx/>
+              <a:buChar char="-"/>
+            </a:pPr>
+            <a:endParaRPr lang="en-US" sz="2800" b="1" spc="-150" dirty="0">
+              <a:solidFill>
+                <a:schemeClr val="tx1">
+                  <a:lumMod val="85000"/>
+                  <a:lumOff val="15000"/>
+                </a:schemeClr>
+              </a:solidFill>
+              <a:latin typeface="+mj-lt"/>
+              <a:ea typeface="Verdana" panose="020B0604030504040204" pitchFamily="34" charset="0"/>
+              <a:cs typeface="Verdana" panose="020B0604030504040204" pitchFamily="34" charset="0"/>
+            </a:endParaRPr>
+          </a:p>
+          <a:p>
+            <a:pPr marL="457200" indent="-457200">
+              <a:lnSpc>
+                <a:spcPts val="2200"/>
+              </a:lnSpc>
+              <a:buFontTx/>
+              <a:buChar char="-"/>
+            </a:pPr>
+            <a:endParaRPr lang="en-US" sz="2800" b="1" spc="-150" dirty="0">
+              <a:solidFill>
+                <a:schemeClr val="tx1">
+                  <a:lumMod val="85000"/>
+                  <a:lumOff val="15000"/>
+                </a:schemeClr>
+              </a:solidFill>
+              <a:latin typeface="+mj-lt"/>
+              <a:ea typeface="Verdana" panose="020B0604030504040204" pitchFamily="34" charset="0"/>
+              <a:cs typeface="Verdana" panose="020B0604030504040204" pitchFamily="34" charset="0"/>
+            </a:endParaRPr>
+          </a:p>
+          <a:p>
+            <a:pPr marL="457200" indent="-457200">
+              <a:lnSpc>
+                <a:spcPts val="2200"/>
+              </a:lnSpc>
+              <a:buFontTx/>
+              <a:buChar char="-"/>
+            </a:pPr>
+            <a:endParaRPr lang="en-US" sz="2800" b="1" spc="-150" dirty="0">
+              <a:solidFill>
+                <a:schemeClr val="tx1">
+                  <a:lumMod val="85000"/>
+                  <a:lumOff val="15000"/>
+                </a:schemeClr>
+              </a:solidFill>
+              <a:latin typeface="+mj-lt"/>
+              <a:ea typeface="Verdana" panose="020B0604030504040204" pitchFamily="34" charset="0"/>
+              <a:cs typeface="Verdana" panose="020B0604030504040204" pitchFamily="34" charset="0"/>
+            </a:endParaRPr>
+          </a:p>
+          <a:p>
+            <a:pPr marL="457200" indent="-457200">
+              <a:lnSpc>
+                <a:spcPts val="2200"/>
+              </a:lnSpc>
+              <a:buFontTx/>
+              <a:buChar char="-"/>
+            </a:pPr>
+            <a:endParaRPr lang="en-US" sz="2800" b="1" spc="-150" dirty="0">
+              <a:solidFill>
+                <a:schemeClr val="tx1">
+                  <a:lumMod val="85000"/>
+                  <a:lumOff val="15000"/>
+                </a:schemeClr>
+              </a:solidFill>
+              <a:latin typeface="+mj-lt"/>
+              <a:ea typeface="Verdana" panose="020B0604030504040204" pitchFamily="34" charset="0"/>
+              <a:cs typeface="Verdana" panose="020B0604030504040204" pitchFamily="34" charset="0"/>
+            </a:endParaRPr>
+          </a:p>
+          <a:p>
+            <a:pPr marL="457200" indent="-457200">
+              <a:lnSpc>
+                <a:spcPts val="2200"/>
+              </a:lnSpc>
+              <a:buFontTx/>
+              <a:buChar char="-"/>
+            </a:pPr>
+            <a:endParaRPr lang="en-US" sz="2800" b="1" spc="-150" dirty="0">
+              <a:solidFill>
+                <a:schemeClr val="tx1">
+                  <a:lumMod val="85000"/>
+                  <a:lumOff val="15000"/>
+                </a:schemeClr>
+              </a:solidFill>
+              <a:latin typeface="+mj-lt"/>
+              <a:ea typeface="Verdana" panose="020B0604030504040204" pitchFamily="34" charset="0"/>
+              <a:cs typeface="Verdana" panose="020B0604030504040204" pitchFamily="34" charset="0"/>
+            </a:endParaRPr>
+          </a:p>
+          <a:p>
+            <a:pPr marL="457200" indent="-457200">
+              <a:lnSpc>
+                <a:spcPts val="2200"/>
+              </a:lnSpc>
+              <a:buFontTx/>
+              <a:buChar char="-"/>
+            </a:pPr>
+            <a:endParaRPr lang="en-US" sz="2800" b="1" spc="-150" dirty="0">
+              <a:solidFill>
+                <a:schemeClr val="tx1">
+                  <a:lumMod val="85000"/>
+                  <a:lumOff val="15000"/>
+                </a:schemeClr>
+              </a:solidFill>
+              <a:latin typeface="+mj-lt"/>
+              <a:ea typeface="Verdana" panose="020B0604030504040204" pitchFamily="34" charset="0"/>
+              <a:cs typeface="Verdana" panose="020B0604030504040204" pitchFamily="34" charset="0"/>
+            </a:endParaRPr>
+          </a:p>
+          <a:p>
+            <a:pPr marL="457200" indent="-457200">
+              <a:lnSpc>
+                <a:spcPts val="2200"/>
+              </a:lnSpc>
+              <a:buFontTx/>
+              <a:buChar char="-"/>
+            </a:pPr>
             <a:r>
               <a:rPr lang="en-US" sz="2800" b="1" spc="-150" dirty="0">
                 <a:solidFill>
@@ -12156,12 +12241,111 @@
                     <a:lumOff val="15000"/>
                   </a:schemeClr>
                 </a:solidFill>
-                <a:latin typeface="+mj-lt"/>
                 <a:ea typeface="Verdana" panose="020B0604030504040204" pitchFamily="34" charset="0"/>
                 <a:cs typeface="Verdana" panose="020B0604030504040204" pitchFamily="34" charset="0"/>
               </a:rPr>
-              <a:t>Average review purity</a:t>
-            </a:r>
+              <a:t>Review length</a:t>
+            </a:r>
+          </a:p>
+          <a:p>
+            <a:pPr marL="457200" indent="-457200">
+              <a:lnSpc>
+                <a:spcPts val="2200"/>
+              </a:lnSpc>
+              <a:buFontTx/>
+              <a:buChar char="-"/>
+            </a:pPr>
+            <a:endParaRPr lang="en-US" sz="2800" b="1" spc="-150" dirty="0">
+              <a:solidFill>
+                <a:schemeClr val="tx1">
+                  <a:lumMod val="85000"/>
+                  <a:lumOff val="15000"/>
+                </a:schemeClr>
+              </a:solidFill>
+              <a:ea typeface="Verdana" panose="020B0604030504040204" pitchFamily="34" charset="0"/>
+              <a:cs typeface="Verdana" panose="020B0604030504040204" pitchFamily="34" charset="0"/>
+            </a:endParaRPr>
+          </a:p>
+          <a:p>
+            <a:pPr marL="457200" indent="-457200">
+              <a:lnSpc>
+                <a:spcPts val="2200"/>
+              </a:lnSpc>
+              <a:buFontTx/>
+              <a:buChar char="-"/>
+            </a:pPr>
+            <a:r>
+              <a:rPr lang="en-US" sz="2800" b="1" spc="-150" dirty="0">
+                <a:solidFill>
+                  <a:schemeClr val="tx1">
+                    <a:lumMod val="85000"/>
+                    <a:lumOff val="15000"/>
+                  </a:schemeClr>
+                </a:solidFill>
+                <a:ea typeface="Verdana" panose="020B0604030504040204" pitchFamily="34" charset="0"/>
+                <a:cs typeface="Verdana" panose="020B0604030504040204" pitchFamily="34" charset="0"/>
+              </a:rPr>
+              <a:t>Occurrences of ! and ?</a:t>
+            </a:r>
+          </a:p>
+          <a:p>
+            <a:pPr marL="457200" indent="-457200">
+              <a:lnSpc>
+                <a:spcPts val="2200"/>
+              </a:lnSpc>
+              <a:buFontTx/>
+              <a:buChar char="-"/>
+            </a:pPr>
+            <a:endParaRPr lang="en-US" sz="2800" b="1" spc="-150" dirty="0">
+              <a:solidFill>
+                <a:schemeClr val="tx1">
+                  <a:lumMod val="85000"/>
+                  <a:lumOff val="15000"/>
+                </a:schemeClr>
+              </a:solidFill>
+              <a:ea typeface="Verdana" panose="020B0604030504040204" pitchFamily="34" charset="0"/>
+              <a:cs typeface="Verdana" panose="020B0604030504040204" pitchFamily="34" charset="0"/>
+            </a:endParaRPr>
+          </a:p>
+          <a:p>
+            <a:pPr marL="457200" indent="-457200">
+              <a:lnSpc>
+                <a:spcPts val="2200"/>
+              </a:lnSpc>
+              <a:buFontTx/>
+              <a:buChar char="-"/>
+            </a:pPr>
+            <a:r>
+              <a:rPr lang="en-US" sz="2800" b="1" spc="-150" dirty="0">
+                <a:solidFill>
+                  <a:schemeClr val="tx1">
+                    <a:lumMod val="85000"/>
+                    <a:lumOff val="15000"/>
+                  </a:schemeClr>
+                </a:solidFill>
+                <a:ea typeface="Verdana" panose="020B0604030504040204" pitchFamily="34" charset="0"/>
+                <a:cs typeface="Verdana" panose="020B0604030504040204" pitchFamily="34" charset="0"/>
+              </a:rPr>
+              <a:t>Average first sentence polarity, …</a:t>
+            </a:r>
+          </a:p>
+          <a:p>
+            <a:pPr>
+              <a:lnSpc>
+                <a:spcPts val="2200"/>
+              </a:lnSpc>
+            </a:pPr>
+            <a:endParaRPr lang="en-US" sz="2800" b="1" spc="-150" dirty="0">
+              <a:solidFill>
+                <a:schemeClr val="tx1">
+                  <a:lumMod val="85000"/>
+                  <a:lumOff val="15000"/>
+                </a:schemeClr>
+              </a:solidFill>
+              <a:latin typeface="+mj-lt"/>
+              <a:ea typeface="Verdana" panose="020B0604030504040204" pitchFamily="34" charset="0"/>
+              <a:cs typeface="Verdana" panose="020B0604030504040204" pitchFamily="34" charset="0"/>
+            </a:endParaRPr>
           </a:p>
           <a:p>
             <a:pPr marL="342900" indent="-342900">
@@ -12185,8 +12369,8 @@
           </a:p>
         </p:txBody>
       </p:sp>
-      <mc:AlternateContent xmlns:mc="http://schemas.openxmlformats.org/markup-compatibility/2006">
-        <mc:Choice xmlns:a14="http://schemas.microsoft.com/office/drawing/2010/main" Requires="a14">
+      <mc:AlternateContent xmlns:mc="http://schemas.openxmlformats.org/markup-compatibility/2006" xmlns:a14="http://schemas.microsoft.com/office/drawing/2010/main">
+        <mc:Choice Requires="a14">
           <p:sp>
             <p:nvSpPr>
               <p:cNvPr id="5" name="Rectangle 4">
@@ -12277,10 +12461,86 @@
                       <m:jc m:val="centerGroup"/>
                     </m:oMathParaPr>
                     <m:oMath xmlns:m="http://schemas.openxmlformats.org/officeDocument/2006/math">
+                      <m:r>
+                        <m:rPr>
+                          <m:sty m:val="p"/>
+                        </m:rPr>
+                        <a:rPr lang="de-CH" sz="2400" spc="-150">
+                          <a:solidFill>
+                            <a:schemeClr val="tx1">
+                              <a:lumMod val="85000"/>
+                              <a:lumOff val="15000"/>
+                            </a:schemeClr>
+                          </a:solidFill>
+                          <a:latin typeface="Cambria Math" panose="02040503050406030204" pitchFamily="18" charset="0"/>
+                          <a:ea typeface="Verdana" panose="020B0604030504040204" pitchFamily="34" charset="0"/>
+                          <a:cs typeface="Verdana" panose="020B0604030504040204" pitchFamily="34" charset="0"/>
+                        </a:rPr>
+                        <m:t>f</m:t>
+                      </m:r>
+                      <m:r>
+                        <a:rPr lang="de-CH" sz="2400" spc="-150">
+                          <a:solidFill>
+                            <a:schemeClr val="tx1">
+                              <a:lumMod val="85000"/>
+                              <a:lumOff val="15000"/>
+                            </a:schemeClr>
+                          </a:solidFill>
+                          <a:latin typeface="Cambria Math" panose="02040503050406030204" pitchFamily="18" charset="0"/>
+                          <a:ea typeface="Verdana" panose="020B0604030504040204" pitchFamily="34" charset="0"/>
+                          <a:cs typeface="Verdana" panose="020B0604030504040204" pitchFamily="34" charset="0"/>
+                        </a:rPr>
+                        <m:t>(</m:t>
+                      </m:r>
+                      <m:r>
+                        <m:rPr>
+                          <m:sty m:val="p"/>
+                        </m:rPr>
+                        <a:rPr lang="de-CH" sz="2400" spc="-150">
+                          <a:solidFill>
+                            <a:schemeClr val="tx1">
+                              <a:lumMod val="85000"/>
+                              <a:lumOff val="15000"/>
+                            </a:schemeClr>
+                          </a:solidFill>
+                          <a:latin typeface="Cambria Math" panose="02040503050406030204" pitchFamily="18" charset="0"/>
+                          <a:ea typeface="Verdana" panose="020B0604030504040204" pitchFamily="34" charset="0"/>
+                          <a:cs typeface="Verdana" panose="020B0604030504040204" pitchFamily="34" charset="0"/>
+                        </a:rPr>
+                        <m:t>review</m:t>
+                      </m:r>
+                      <m:r>
+                        <a:rPr lang="de-CH" sz="2400" spc="-150">
+                          <a:solidFill>
+                            <a:schemeClr val="tx1">
+                              <a:lumMod val="85000"/>
+                              <a:lumOff val="15000"/>
+                            </a:schemeClr>
+                          </a:solidFill>
+                          <a:latin typeface="Cambria Math" panose="02040503050406030204" pitchFamily="18" charset="0"/>
+                          <a:ea typeface="Verdana" panose="020B0604030504040204" pitchFamily="34" charset="0"/>
+                          <a:cs typeface="Verdana" panose="020B0604030504040204" pitchFamily="34" charset="0"/>
+                        </a:rPr>
+                        <m:t>)=</m:t>
+                      </m:r>
+                      <m:r>
+                        <a:rPr lang="de-CH" sz="2400" i="1" spc="-150">
+                          <a:solidFill>
+                            <a:schemeClr val="tx1">
+                              <a:lumMod val="85000"/>
+                              <a:lumOff val="15000"/>
+                            </a:schemeClr>
+                          </a:solidFill>
+                          <a:latin typeface="Cambria Math" panose="02040503050406030204" pitchFamily="18" charset="0"/>
+                          <a:ea typeface="Verdana" panose="020B0604030504040204" pitchFamily="34" charset="0"/>
+                          <a:cs typeface="Verdana" panose="020B0604030504040204" pitchFamily="34" charset="0"/>
+                        </a:rPr>
+                        <m:t> </m:t>
+                      </m:r>
                       <m:f>
                         <m:fPr>
                           <m:ctrlPr>
-                            <a:rPr lang="en-US" sz="2400" spc="-150" smtClean="0">
+                            <a:rPr lang="en-US" sz="2400" i="1" spc="-150" smtClean="0">
                               <a:solidFill>
                                 <a:schemeClr val="tx1">
                                   <a:lumMod val="85000"/>
@@ -12300,7 +12560,7 @@
                               <m:limLoc m:val="subSup"/>
                               <m:supHide m:val="on"/>
                               <m:ctrlPr>
-                                <a:rPr lang="en-US" sz="2400" spc="-150" smtClean="0">
+                                <a:rPr lang="en-US" sz="2400" i="1" spc="-150" smtClean="0">
                                   <a:solidFill>
                                     <a:schemeClr val="tx1">
                                       <a:lumMod val="85000"/>
@@ -12381,7 +12641,7 @@
                                   <a:ea typeface="Verdana" panose="020B0604030504040204" pitchFamily="34" charset="0"/>
                                   <a:cs typeface="Verdana" panose="020B0604030504040204" pitchFamily="34" charset="0"/>
                                 </a:rPr>
-                                <m:t>sentiWordNet</m:t>
+                                <m:t>pol</m:t>
                               </m:r>
                               <m:r>
                                 <a:rPr lang="de-CH" sz="2400" b="0" i="0" spc="-150" smtClean="0">
@@ -12400,7 +12660,7 @@
                               <m:sSub>
                                 <m:sSubPr>
                                   <m:ctrlPr>
-                                    <a:rPr lang="de-CH" sz="2400" spc="-150" smtClean="0">
+                                    <a:rPr lang="de-CH" sz="2400" i="1" spc="-150" smtClean="0">
                                       <a:solidFill>
                                         <a:schemeClr val="tx1">
                                           <a:lumMod val="85000"/>
@@ -12490,7 +12750,7 @@
                               <m:limLoc m:val="subSup"/>
                               <m:supHide m:val="on"/>
                               <m:ctrlPr>
-                                <a:rPr lang="en-US" sz="2400" spc="-150">
+                                <a:rPr lang="en-US" sz="2400" i="1" spc="-150">
                                   <a:solidFill>
                                     <a:schemeClr val="tx1">
                                       <a:lumMod val="85000"/>
@@ -12571,12 +12831,12 @@
                                   <a:ea typeface="Verdana" panose="020B0604030504040204" pitchFamily="34" charset="0"/>
                                   <a:cs typeface="Verdana" panose="020B0604030504040204" pitchFamily="34" charset="0"/>
                                 </a:rPr>
-                                <m:t>sentiWordNet</m:t>
+                                <m:t>pol</m:t>
                               </m:r>
                               <m:d>
                                 <m:dPr>
                                   <m:ctrlPr>
-                                    <a:rPr lang="de-CH" sz="2400" spc="-150">
+                                    <a:rPr lang="de-CH" sz="2400" i="1" spc="-150">
                                       <a:solidFill>
                                         <a:schemeClr val="tx1">
                                           <a:lumMod val="85000"/>
@@ -12593,7 +12853,7 @@
                                   <m:sSub>
                                     <m:sSubPr>
                                       <m:ctrlPr>
-                                        <a:rPr lang="de-CH" sz="2400" spc="-150">
+                                        <a:rPr lang="de-CH" sz="2400" i="1" spc="-150">
                                           <a:solidFill>
                                             <a:schemeClr val="tx1">
                                               <a:lumMod val="85000"/>
@@ -12719,7 +12979,7 @@
             </p:txBody>
           </p:sp>
         </mc:Choice>
-        <mc:Fallback>
+        <mc:Fallback xmlns="">
           <p:sp>
             <p:nvSpPr>
               <p:cNvPr id="5" name="Rectangle 4">
@@ -12743,7 +13003,7 @@
                 <a:avLst/>
               </a:prstGeom>
               <a:blipFill>
-                <a:blip r:embed="rId3"/>
+                <a:blip r:embed="rId4"/>
                 <a:stretch>
                   <a:fillRect l="-1467" t="-13356" b="-24315"/>
                 </a:stretch>
@@ -12935,7 +13195,7 @@
                 <a:ea typeface="Verdana" panose="020B0604030504040204" pitchFamily="34" charset="0"/>
                 <a:cs typeface="Arial" panose="020B0604020202020204" pitchFamily="34" charset="0"/>
               </a:rPr>
-              <a:t>Additional features</a:t>
+              <a:t>Conclusion</a:t>
             </a:r>
             <a:r>
               <a:rPr lang="en-US" sz="4400" b="1" spc="-300" dirty="0">
@@ -13001,7 +13261,7 @@
         <p:spPr>
           <a:xfrm>
             <a:off x="533400" y="1308260"/>
-            <a:ext cx="8534400" cy="1502976"/>
+            <a:ext cx="8534400" cy="4324261"/>
           </a:xfrm>
           <a:prstGeom prst="rect">
             <a:avLst/>
@@ -13029,18 +13289,25 @@
                 <a:latin typeface="+mj-lt"/>
                 <a:ea typeface="Verdana" panose="020B0604030504040204" pitchFamily="34" charset="0"/>
                 <a:cs typeface="Verdana" panose="020B0604030504040204" pitchFamily="34" charset="0"/>
-              </a:rPr>
-              <a:t>Review length, occurrences of ! and ?, average first sentence polarity, …</a:t>
-            </a:r>
-          </a:p>
-          <a:p>
-            <a:pPr marL="457200" indent="-457200">
-              <a:lnSpc>
-                <a:spcPts val="2200"/>
-              </a:lnSpc>
-              <a:buFontTx/>
-              <a:buChar char="-"/>
-            </a:pPr>
+                <a:sym typeface="Wingdings" panose="05000000000000000000" pitchFamily="2" charset="2"/>
+              </a:rPr>
+              <a:t> Overall score</a:t>
+            </a:r>
+            <a:r>
+              <a:rPr lang="en-US" sz="2800" b="1" spc="-150">
+                <a:solidFill>
+                  <a:schemeClr val="tx1">
+                    <a:lumMod val="85000"/>
+                    <a:lumOff val="15000"/>
+                  </a:schemeClr>
+                </a:solidFill>
+                <a:latin typeface="+mj-lt"/>
+                <a:ea typeface="Verdana" panose="020B0604030504040204" pitchFamily="34" charset="0"/>
+                <a:cs typeface="Verdana" panose="020B0604030504040204" pitchFamily="34" charset="0"/>
+                <a:sym typeface="Wingdings" panose="05000000000000000000" pitchFamily="2" charset="2"/>
+              </a:rPr>
+              <a:t>: 88.25%</a:t>
+            </a:r>
             <a:endParaRPr lang="en-US" sz="2800" b="1" spc="-150" dirty="0">
               <a:solidFill>
                 <a:schemeClr val="tx1">
@@ -13051,53 +13318,18 @@
               <a:latin typeface="+mj-lt"/>
               <a:ea typeface="Verdana" panose="020B0604030504040204" pitchFamily="34" charset="0"/>
               <a:cs typeface="Verdana" panose="020B0604030504040204" pitchFamily="34" charset="0"/>
+              <a:sym typeface="Wingdings" panose="05000000000000000000" pitchFamily="2" charset="2"/>
             </a:endParaRPr>
           </a:p>
           <a:p>
-            <a:pPr>
-              <a:lnSpc>
-                <a:spcPts val="2200"/>
-              </a:lnSpc>
-            </a:pPr>
-            <a:r>
-              <a:rPr lang="en-US" sz="2800" spc="-150" dirty="0">
-                <a:solidFill>
-                  <a:schemeClr val="tx1">
-                    <a:lumMod val="85000"/>
-                    <a:lumOff val="15000"/>
-                  </a:schemeClr>
-                </a:solidFill>
-                <a:latin typeface="+mj-lt"/>
-                <a:ea typeface="Verdana" panose="020B0604030504040204" pitchFamily="34" charset="0"/>
-                <a:cs typeface="Verdana" panose="020B0604030504040204" pitchFamily="34" charset="0"/>
-                <a:sym typeface="Wingdings" panose="05000000000000000000" pitchFamily="2" charset="2"/>
-              </a:rPr>
-              <a:t> </a:t>
-            </a:r>
-            <a:r>
-              <a:rPr lang="en-US" sz="2800" spc="-150" dirty="0">
-                <a:solidFill>
-                  <a:schemeClr val="tx1">
-                    <a:lumMod val="85000"/>
-                    <a:lumOff val="15000"/>
-                  </a:schemeClr>
-                </a:solidFill>
-                <a:latin typeface="+mj-lt"/>
-                <a:ea typeface="Verdana" panose="020B0604030504040204" pitchFamily="34" charset="0"/>
-                <a:cs typeface="Verdana" panose="020B0604030504040204" pitchFamily="34" charset="0"/>
-              </a:rPr>
-              <a:t>Useless so we removed them</a:t>
-            </a:r>
-          </a:p>
-          <a:p>
-            <a:pPr marL="342900" indent="-342900">
+            <a:pPr marL="457200" indent="-457200">
               <a:lnSpc>
                 <a:spcPts val="2200"/>
               </a:lnSpc>
               <a:buFontTx/>
               <a:buChar char="-"/>
             </a:pPr>
-            <a:endParaRPr lang="en-US" sz="2800" b="1" spc="-150" dirty="0">
+            <a:endParaRPr lang="en-US" sz="2800" spc="-150" dirty="0">
               <a:solidFill>
                 <a:schemeClr val="tx1">
                   <a:lumMod val="85000"/>
@@ -13107,14 +13339,288 @@
               <a:latin typeface="+mj-lt"/>
               <a:ea typeface="Verdana" panose="020B0604030504040204" pitchFamily="34" charset="0"/>
               <a:cs typeface="Verdana" panose="020B0604030504040204" pitchFamily="34" charset="0"/>
+              <a:sym typeface="Wingdings" panose="05000000000000000000" pitchFamily="2" charset="2"/>
             </a:endParaRPr>
+          </a:p>
+          <a:p>
+            <a:pPr>
+              <a:lnSpc>
+                <a:spcPts val="2200"/>
+              </a:lnSpc>
+            </a:pPr>
+            <a:r>
+              <a:rPr lang="en-US" sz="2800" spc="-150" dirty="0">
+                <a:solidFill>
+                  <a:schemeClr val="tx1">
+                    <a:lumMod val="85000"/>
+                    <a:lumOff val="15000"/>
+                  </a:schemeClr>
+                </a:solidFill>
+                <a:latin typeface="+mj-lt"/>
+                <a:ea typeface="Verdana" panose="020B0604030504040204" pitchFamily="34" charset="0"/>
+                <a:cs typeface="Verdana" panose="020B0604030504040204" pitchFamily="34" charset="0"/>
+                <a:sym typeface="Wingdings" panose="05000000000000000000" pitchFamily="2" charset="2"/>
+              </a:rPr>
+              <a:t>- Extra work, no real profit </a:t>
+            </a:r>
+          </a:p>
+          <a:p>
+            <a:pPr>
+              <a:lnSpc>
+                <a:spcPts val="2200"/>
+              </a:lnSpc>
+            </a:pPr>
+            <a:endParaRPr lang="en-US" sz="2800" spc="-150" dirty="0">
+              <a:solidFill>
+                <a:schemeClr val="tx1">
+                  <a:lumMod val="85000"/>
+                  <a:lumOff val="15000"/>
+                </a:schemeClr>
+              </a:solidFill>
+              <a:latin typeface="+mj-lt"/>
+              <a:ea typeface="Verdana" panose="020B0604030504040204" pitchFamily="34" charset="0"/>
+              <a:cs typeface="Verdana" panose="020B0604030504040204" pitchFamily="34" charset="0"/>
+              <a:sym typeface="Wingdings" panose="05000000000000000000" pitchFamily="2" charset="2"/>
+            </a:endParaRPr>
+          </a:p>
+          <a:p>
+            <a:pPr>
+              <a:lnSpc>
+                <a:spcPts val="2200"/>
+              </a:lnSpc>
+            </a:pPr>
+            <a:endParaRPr lang="en-US" sz="2800" spc="-150" dirty="0">
+              <a:solidFill>
+                <a:schemeClr val="tx1">
+                  <a:lumMod val="85000"/>
+                  <a:lumOff val="15000"/>
+                </a:schemeClr>
+              </a:solidFill>
+              <a:latin typeface="+mj-lt"/>
+              <a:ea typeface="Verdana" panose="020B0604030504040204" pitchFamily="34" charset="0"/>
+              <a:cs typeface="Verdana" panose="020B0604030504040204" pitchFamily="34" charset="0"/>
+              <a:sym typeface="Wingdings" panose="05000000000000000000" pitchFamily="2" charset="2"/>
+            </a:endParaRPr>
+          </a:p>
+          <a:p>
+            <a:pPr>
+              <a:lnSpc>
+                <a:spcPts val="2200"/>
+              </a:lnSpc>
+            </a:pPr>
+            <a:r>
+              <a:rPr lang="en-US" sz="2800" spc="-150" dirty="0">
+                <a:solidFill>
+                  <a:schemeClr val="tx1">
+                    <a:lumMod val="85000"/>
+                    <a:lumOff val="15000"/>
+                  </a:schemeClr>
+                </a:solidFill>
+                <a:latin typeface="+mj-lt"/>
+                <a:ea typeface="Verdana" panose="020B0604030504040204" pitchFamily="34" charset="0"/>
+                <a:cs typeface="Verdana" panose="020B0604030504040204" pitchFamily="34" charset="0"/>
+                <a:sym typeface="Wingdings" panose="05000000000000000000" pitchFamily="2" charset="2"/>
+              </a:rPr>
+              <a:t>Lessons learnt / Pitfalls: </a:t>
+            </a:r>
+          </a:p>
+          <a:p>
+            <a:pPr>
+              <a:lnSpc>
+                <a:spcPts val="2200"/>
+              </a:lnSpc>
+            </a:pPr>
+            <a:endParaRPr lang="en-US" sz="2800" spc="-150" dirty="0">
+              <a:solidFill>
+                <a:schemeClr val="tx1">
+                  <a:lumMod val="85000"/>
+                  <a:lumOff val="15000"/>
+                </a:schemeClr>
+              </a:solidFill>
+              <a:latin typeface="+mj-lt"/>
+              <a:ea typeface="Verdana" panose="020B0604030504040204" pitchFamily="34" charset="0"/>
+              <a:cs typeface="Verdana" panose="020B0604030504040204" pitchFamily="34" charset="0"/>
+              <a:sym typeface="Wingdings" panose="05000000000000000000" pitchFamily="2" charset="2"/>
+            </a:endParaRPr>
+          </a:p>
+          <a:p>
+            <a:pPr marL="457200" indent="-457200">
+              <a:lnSpc>
+                <a:spcPts val="2200"/>
+              </a:lnSpc>
+              <a:buFontTx/>
+              <a:buChar char="-"/>
+            </a:pPr>
+            <a:r>
+              <a:rPr lang="en-US" sz="2800" spc="-150" dirty="0">
+                <a:solidFill>
+                  <a:schemeClr val="tx1">
+                    <a:lumMod val="85000"/>
+                    <a:lumOff val="15000"/>
+                  </a:schemeClr>
+                </a:solidFill>
+                <a:latin typeface="+mj-lt"/>
+                <a:ea typeface="Verdana" panose="020B0604030504040204" pitchFamily="34" charset="0"/>
+                <a:cs typeface="Verdana" panose="020B0604030504040204" pitchFamily="34" charset="0"/>
+                <a:sym typeface="Wingdings" panose="05000000000000000000" pitchFamily="2" charset="2"/>
+              </a:rPr>
+              <a:t>Exclude test-dataset from generation of the </a:t>
+            </a:r>
+            <a:r>
+              <a:rPr lang="en-US" sz="2800" spc="-150" dirty="0" err="1">
+                <a:solidFill>
+                  <a:schemeClr val="tx1">
+                    <a:lumMod val="85000"/>
+                    <a:lumOff val="15000"/>
+                  </a:schemeClr>
+                </a:solidFill>
+                <a:latin typeface="+mj-lt"/>
+                <a:ea typeface="Verdana" panose="020B0604030504040204" pitchFamily="34" charset="0"/>
+                <a:cs typeface="Verdana" panose="020B0604030504040204" pitchFamily="34" charset="0"/>
+                <a:sym typeface="Wingdings" panose="05000000000000000000" pitchFamily="2" charset="2"/>
+              </a:rPr>
+              <a:t>BagOfWords</a:t>
+            </a:r>
+            <a:r>
+              <a:rPr lang="en-US" sz="2800" spc="-150" dirty="0">
+                <a:solidFill>
+                  <a:schemeClr val="tx1">
+                    <a:lumMod val="85000"/>
+                    <a:lumOff val="15000"/>
+                  </a:schemeClr>
+                </a:solidFill>
+                <a:latin typeface="+mj-lt"/>
+                <a:ea typeface="Verdana" panose="020B0604030504040204" pitchFamily="34" charset="0"/>
+                <a:cs typeface="Verdana" panose="020B0604030504040204" pitchFamily="34" charset="0"/>
+                <a:sym typeface="Wingdings" panose="05000000000000000000" pitchFamily="2" charset="2"/>
+              </a:rPr>
+              <a:t> vocabulary.</a:t>
+            </a:r>
+          </a:p>
+          <a:p>
+            <a:pPr>
+              <a:lnSpc>
+                <a:spcPts val="2200"/>
+              </a:lnSpc>
+            </a:pPr>
+            <a:endParaRPr lang="en-US" sz="2800" spc="-150" dirty="0">
+              <a:solidFill>
+                <a:schemeClr val="tx1">
+                  <a:lumMod val="85000"/>
+                  <a:lumOff val="15000"/>
+                </a:schemeClr>
+              </a:solidFill>
+              <a:latin typeface="+mj-lt"/>
+              <a:ea typeface="Verdana" panose="020B0604030504040204" pitchFamily="34" charset="0"/>
+              <a:cs typeface="Verdana" panose="020B0604030504040204" pitchFamily="34" charset="0"/>
+              <a:sym typeface="Wingdings" panose="05000000000000000000" pitchFamily="2" charset="2"/>
+            </a:endParaRPr>
+          </a:p>
+          <a:p>
+            <a:pPr marL="457200" indent="-457200">
+              <a:lnSpc>
+                <a:spcPts val="2200"/>
+              </a:lnSpc>
+              <a:buFontTx/>
+              <a:buChar char="-"/>
+            </a:pPr>
+            <a:r>
+              <a:rPr lang="en-US" sz="2800" spc="-150" dirty="0">
+                <a:solidFill>
+                  <a:schemeClr val="tx1">
+                    <a:lumMod val="85000"/>
+                    <a:lumOff val="15000"/>
+                  </a:schemeClr>
+                </a:solidFill>
+                <a:latin typeface="+mj-lt"/>
+                <a:ea typeface="Verdana" panose="020B0604030504040204" pitchFamily="34" charset="0"/>
+                <a:cs typeface="Verdana" panose="020B0604030504040204" pitchFamily="34" charset="0"/>
+                <a:sym typeface="Wingdings" panose="05000000000000000000" pitchFamily="2" charset="2"/>
+              </a:rPr>
+              <a:t>Build separate vocabularies for every sentiment class and merge them.</a:t>
+            </a:r>
+          </a:p>
+          <a:p>
+            <a:pPr marL="457200" indent="-457200">
+              <a:lnSpc>
+                <a:spcPts val="2200"/>
+              </a:lnSpc>
+              <a:buFontTx/>
+              <a:buChar char="-"/>
+            </a:pPr>
+            <a:endParaRPr lang="en-US" sz="2800" spc="-150" dirty="0">
+              <a:solidFill>
+                <a:schemeClr val="tx1">
+                  <a:lumMod val="85000"/>
+                  <a:lumOff val="15000"/>
+                </a:schemeClr>
+              </a:solidFill>
+              <a:latin typeface="+mj-lt"/>
+              <a:ea typeface="Verdana" panose="020B0604030504040204" pitchFamily="34" charset="0"/>
+              <a:cs typeface="Verdana" panose="020B0604030504040204" pitchFamily="34" charset="0"/>
+              <a:sym typeface="Wingdings" panose="05000000000000000000" pitchFamily="2" charset="2"/>
+            </a:endParaRPr>
+          </a:p>
+          <a:p>
+            <a:pPr marL="457200" indent="-457200">
+              <a:lnSpc>
+                <a:spcPts val="2200"/>
+              </a:lnSpc>
+              <a:buFontTx/>
+              <a:buChar char="-"/>
+            </a:pPr>
+            <a:r>
+              <a:rPr lang="en-US" sz="2800" spc="-150" dirty="0">
+                <a:solidFill>
+                  <a:schemeClr val="tx1">
+                    <a:lumMod val="85000"/>
+                    <a:lumOff val="15000"/>
+                  </a:schemeClr>
+                </a:solidFill>
+                <a:latin typeface="+mj-lt"/>
+                <a:ea typeface="Verdana" panose="020B0604030504040204" pitchFamily="34" charset="0"/>
+                <a:cs typeface="Verdana" panose="020B0604030504040204" pitchFamily="34" charset="0"/>
+                <a:sym typeface="Wingdings" panose="05000000000000000000" pitchFamily="2" charset="2"/>
+              </a:rPr>
+              <a:t>Performance issues: </a:t>
+            </a:r>
+            <a:r>
+              <a:rPr lang="en-US" sz="2800" spc="-150" dirty="0" err="1">
+                <a:solidFill>
+                  <a:schemeClr val="tx1">
+                    <a:lumMod val="85000"/>
+                    <a:lumOff val="15000"/>
+                  </a:schemeClr>
+                </a:solidFill>
+                <a:latin typeface="+mj-lt"/>
+                <a:ea typeface="Verdana" panose="020B0604030504040204" pitchFamily="34" charset="0"/>
+                <a:cs typeface="Verdana" panose="020B0604030504040204" pitchFamily="34" charset="0"/>
+                <a:sym typeface="Wingdings" panose="05000000000000000000" pitchFamily="2" charset="2"/>
+              </a:rPr>
+              <a:t>parallelStream</a:t>
+            </a:r>
+            <a:r>
+              <a:rPr lang="en-US" sz="2800" spc="-150" dirty="0">
+                <a:solidFill>
+                  <a:schemeClr val="tx1">
+                    <a:lumMod val="85000"/>
+                    <a:lumOff val="15000"/>
+                  </a:schemeClr>
+                </a:solidFill>
+                <a:latin typeface="+mj-lt"/>
+                <a:ea typeface="Verdana" panose="020B0604030504040204" pitchFamily="34" charset="0"/>
+                <a:cs typeface="Verdana" panose="020B0604030504040204" pitchFamily="34" charset="0"/>
+                <a:sym typeface="Wingdings" panose="05000000000000000000" pitchFamily="2" charset="2"/>
+              </a:rPr>
+              <a:t>(), caches for pre-processing steps etc.</a:t>
+            </a:r>
           </a:p>
         </p:txBody>
       </p:sp>
     </p:spTree>
     <p:extLst>
       <p:ext uri="{BB962C8B-B14F-4D97-AF65-F5344CB8AC3E}">
-        <p14:creationId xmlns:p14="http://schemas.microsoft.com/office/powerpoint/2010/main" val="207724814"/>
+        <p14:creationId xmlns:p14="http://schemas.microsoft.com/office/powerpoint/2010/main" val="1918675494"/>
       </p:ext>
     </p:extLst>
   </p:cSld>
@@ -13250,57 +13756,6 @@
           <a:chExt cx="0" cy="0"/>
         </a:xfrm>
       </p:grpSpPr>
-      <p:sp>
-        <p:nvSpPr>
-          <p:cNvPr id="14" name="TextBox 13"/>
-          <p:cNvSpPr txBox="1"/>
-          <p:nvPr/>
-        </p:nvSpPr>
-        <p:spPr>
-          <a:xfrm>
-            <a:off x="3505200" y="152400"/>
-            <a:ext cx="5715001" cy="769441"/>
-          </a:xfrm>
-          <a:prstGeom prst="rect">
-            <a:avLst/>
-          </a:prstGeom>
-          <a:noFill/>
-        </p:spPr>
-        <p:txBody>
-          <a:bodyPr wrap="square" rtlCol="0">
-            <a:spAutoFit/>
-          </a:bodyPr>
-          <a:lstStyle/>
-          <a:p>
-            <a:pPr algn="ctr"/>
-            <a:r>
-              <a:rPr lang="en-US" sz="4400" b="1" spc="-300" dirty="0">
-                <a:solidFill>
-                  <a:srgbClr val="CCC7A8"/>
-                </a:solidFill>
-                <a:latin typeface="Arial" panose="020B0604020202020204" pitchFamily="34" charset="0"/>
-                <a:ea typeface="Verdana" panose="020B0604030504040204" pitchFamily="34" charset="0"/>
-                <a:cs typeface="Arial" panose="020B0604020202020204" pitchFamily="34" charset="0"/>
-              </a:rPr>
-              <a:t>Conclusion</a:t>
-            </a:r>
-            <a:r>
-              <a:rPr lang="en-US" sz="4400" b="1" spc="-300" dirty="0">
-                <a:solidFill>
-                  <a:schemeClr val="tx1">
-                    <a:lumMod val="85000"/>
-                    <a:lumOff val="15000"/>
-                  </a:schemeClr>
-                </a:solidFill>
-                <a:latin typeface="Arial" panose="020B0604020202020204" pitchFamily="34" charset="0"/>
-                <a:ea typeface="Verdana" panose="020B0604030504040204" pitchFamily="34" charset="0"/>
-                <a:cs typeface="Arial" panose="020B0604020202020204" pitchFamily="34" charset="0"/>
-              </a:rPr>
-              <a:t>.</a:t>
-            </a:r>
-          </a:p>
-        </p:txBody>
-      </p:sp>
       <p:cxnSp>
         <p:nvCxnSpPr>
           <p:cNvPr id="24" name="Straight Connector 23"/>
@@ -13341,548 +13796,6 @@
       </p:cxnSp>
       <p:sp>
         <p:nvSpPr>
-          <p:cNvPr id="2" name="Rectangle 1"/>
-          <p:cNvSpPr/>
-          <p:nvPr/>
-        </p:nvSpPr>
-        <p:spPr>
-          <a:xfrm>
-            <a:off x="533400" y="1308260"/>
-            <a:ext cx="8534400" cy="4324261"/>
-          </a:xfrm>
-          <a:prstGeom prst="rect">
-            <a:avLst/>
-          </a:prstGeom>
-        </p:spPr>
-        <p:txBody>
-          <a:bodyPr wrap="square">
-            <a:spAutoFit/>
-          </a:bodyPr>
-          <a:lstStyle/>
-          <a:p>
-            <a:pPr>
-              <a:lnSpc>
-                <a:spcPts val="2200"/>
-              </a:lnSpc>
-            </a:pPr>
-            <a:r>
-              <a:rPr lang="en-US" sz="2800" b="1" spc="-150" dirty="0">
-                <a:solidFill>
-                  <a:schemeClr val="tx1">
-                    <a:lumMod val="85000"/>
-                    <a:lumOff val="15000"/>
-                  </a:schemeClr>
-                </a:solidFill>
-                <a:latin typeface="+mj-lt"/>
-                <a:ea typeface="Verdana" panose="020B0604030504040204" pitchFamily="34" charset="0"/>
-                <a:cs typeface="Verdana" panose="020B0604030504040204" pitchFamily="34" charset="0"/>
-                <a:sym typeface="Wingdings" panose="05000000000000000000" pitchFamily="2" charset="2"/>
-              </a:rPr>
-              <a:t> Overall score: +- 85%</a:t>
-            </a:r>
-          </a:p>
-          <a:p>
-            <a:pPr marL="457200" indent="-457200">
-              <a:lnSpc>
-                <a:spcPts val="2200"/>
-              </a:lnSpc>
-              <a:buFontTx/>
-              <a:buChar char="-"/>
-            </a:pPr>
-            <a:endParaRPr lang="en-US" sz="2800" spc="-150" dirty="0">
-              <a:solidFill>
-                <a:schemeClr val="tx1">
-                  <a:lumMod val="85000"/>
-                  <a:lumOff val="15000"/>
-                </a:schemeClr>
-              </a:solidFill>
-              <a:latin typeface="+mj-lt"/>
-              <a:ea typeface="Verdana" panose="020B0604030504040204" pitchFamily="34" charset="0"/>
-              <a:cs typeface="Verdana" panose="020B0604030504040204" pitchFamily="34" charset="0"/>
-              <a:sym typeface="Wingdings" panose="05000000000000000000" pitchFamily="2" charset="2"/>
-            </a:endParaRPr>
-          </a:p>
-          <a:p>
-            <a:pPr>
-              <a:lnSpc>
-                <a:spcPts val="2200"/>
-              </a:lnSpc>
-            </a:pPr>
-            <a:r>
-              <a:rPr lang="en-US" sz="2800" spc="-150" dirty="0">
-                <a:solidFill>
-                  <a:schemeClr val="tx1">
-                    <a:lumMod val="85000"/>
-                    <a:lumOff val="15000"/>
-                  </a:schemeClr>
-                </a:solidFill>
-                <a:latin typeface="+mj-lt"/>
-                <a:ea typeface="Verdana" panose="020B0604030504040204" pitchFamily="34" charset="0"/>
-                <a:cs typeface="Verdana" panose="020B0604030504040204" pitchFamily="34" charset="0"/>
-                <a:sym typeface="Wingdings" panose="05000000000000000000" pitchFamily="2" charset="2"/>
-              </a:rPr>
-              <a:t>- Extra work, no </a:t>
-            </a:r>
-            <a:r>
-              <a:rPr lang="en-US" sz="2800" spc="-150">
-                <a:solidFill>
-                  <a:schemeClr val="tx1">
-                    <a:lumMod val="85000"/>
-                    <a:lumOff val="15000"/>
-                  </a:schemeClr>
-                </a:solidFill>
-                <a:latin typeface="+mj-lt"/>
-                <a:ea typeface="Verdana" panose="020B0604030504040204" pitchFamily="34" charset="0"/>
-                <a:cs typeface="Verdana" panose="020B0604030504040204" pitchFamily="34" charset="0"/>
-                <a:sym typeface="Wingdings" panose="05000000000000000000" pitchFamily="2" charset="2"/>
-              </a:rPr>
-              <a:t>real profit </a:t>
-            </a:r>
-            <a:endParaRPr lang="en-US" sz="2800" spc="-150" dirty="0">
-              <a:solidFill>
-                <a:schemeClr val="tx1">
-                  <a:lumMod val="85000"/>
-                  <a:lumOff val="15000"/>
-                </a:schemeClr>
-              </a:solidFill>
-              <a:latin typeface="+mj-lt"/>
-              <a:ea typeface="Verdana" panose="020B0604030504040204" pitchFamily="34" charset="0"/>
-              <a:cs typeface="Verdana" panose="020B0604030504040204" pitchFamily="34" charset="0"/>
-              <a:sym typeface="Wingdings" panose="05000000000000000000" pitchFamily="2" charset="2"/>
-            </a:endParaRPr>
-          </a:p>
-          <a:p>
-            <a:pPr>
-              <a:lnSpc>
-                <a:spcPts val="2200"/>
-              </a:lnSpc>
-            </a:pPr>
-            <a:endParaRPr lang="en-US" sz="2800" spc="-150" dirty="0">
-              <a:solidFill>
-                <a:schemeClr val="tx1">
-                  <a:lumMod val="85000"/>
-                  <a:lumOff val="15000"/>
-                </a:schemeClr>
-              </a:solidFill>
-              <a:latin typeface="+mj-lt"/>
-              <a:ea typeface="Verdana" panose="020B0604030504040204" pitchFamily="34" charset="0"/>
-              <a:cs typeface="Verdana" panose="020B0604030504040204" pitchFamily="34" charset="0"/>
-              <a:sym typeface="Wingdings" panose="05000000000000000000" pitchFamily="2" charset="2"/>
-            </a:endParaRPr>
-          </a:p>
-          <a:p>
-            <a:pPr>
-              <a:lnSpc>
-                <a:spcPts val="2200"/>
-              </a:lnSpc>
-            </a:pPr>
-            <a:endParaRPr lang="en-US" sz="2800" spc="-150" dirty="0">
-              <a:solidFill>
-                <a:schemeClr val="tx1">
-                  <a:lumMod val="85000"/>
-                  <a:lumOff val="15000"/>
-                </a:schemeClr>
-              </a:solidFill>
-              <a:latin typeface="+mj-lt"/>
-              <a:ea typeface="Verdana" panose="020B0604030504040204" pitchFamily="34" charset="0"/>
-              <a:cs typeface="Verdana" panose="020B0604030504040204" pitchFamily="34" charset="0"/>
-              <a:sym typeface="Wingdings" panose="05000000000000000000" pitchFamily="2" charset="2"/>
-            </a:endParaRPr>
-          </a:p>
-          <a:p>
-            <a:pPr>
-              <a:lnSpc>
-                <a:spcPts val="2200"/>
-              </a:lnSpc>
-            </a:pPr>
-            <a:r>
-              <a:rPr lang="en-US" sz="2800" spc="-150" dirty="0">
-                <a:solidFill>
-                  <a:schemeClr val="tx1">
-                    <a:lumMod val="85000"/>
-                    <a:lumOff val="15000"/>
-                  </a:schemeClr>
-                </a:solidFill>
-                <a:latin typeface="+mj-lt"/>
-                <a:ea typeface="Verdana" panose="020B0604030504040204" pitchFamily="34" charset="0"/>
-                <a:cs typeface="Verdana" panose="020B0604030504040204" pitchFamily="34" charset="0"/>
-                <a:sym typeface="Wingdings" panose="05000000000000000000" pitchFamily="2" charset="2"/>
-              </a:rPr>
-              <a:t>Pitfalls: </a:t>
-            </a:r>
-          </a:p>
-          <a:p>
-            <a:pPr>
-              <a:lnSpc>
-                <a:spcPts val="2200"/>
-              </a:lnSpc>
-            </a:pPr>
-            <a:endParaRPr lang="en-US" sz="2800" spc="-150" dirty="0">
-              <a:solidFill>
-                <a:schemeClr val="tx1">
-                  <a:lumMod val="85000"/>
-                  <a:lumOff val="15000"/>
-                </a:schemeClr>
-              </a:solidFill>
-              <a:latin typeface="+mj-lt"/>
-              <a:ea typeface="Verdana" panose="020B0604030504040204" pitchFamily="34" charset="0"/>
-              <a:cs typeface="Verdana" panose="020B0604030504040204" pitchFamily="34" charset="0"/>
-              <a:sym typeface="Wingdings" panose="05000000000000000000" pitchFamily="2" charset="2"/>
-            </a:endParaRPr>
-          </a:p>
-          <a:p>
-            <a:pPr marL="457200" indent="-457200">
-              <a:lnSpc>
-                <a:spcPts val="2200"/>
-              </a:lnSpc>
-              <a:buFontTx/>
-              <a:buChar char="-"/>
-            </a:pPr>
-            <a:r>
-              <a:rPr lang="en-US" sz="2800" spc="-150" dirty="0">
-                <a:solidFill>
-                  <a:schemeClr val="tx1">
-                    <a:lumMod val="85000"/>
-                    <a:lumOff val="15000"/>
-                  </a:schemeClr>
-                </a:solidFill>
-                <a:latin typeface="+mj-lt"/>
-                <a:ea typeface="Verdana" panose="020B0604030504040204" pitchFamily="34" charset="0"/>
-                <a:cs typeface="Verdana" panose="020B0604030504040204" pitchFamily="34" charset="0"/>
-                <a:sym typeface="Wingdings" panose="05000000000000000000" pitchFamily="2" charset="2"/>
-              </a:rPr>
-              <a:t>Exclude test-dataset from generation of the </a:t>
-            </a:r>
-            <a:r>
-              <a:rPr lang="en-US" sz="2800" spc="-150" dirty="0" err="1">
-                <a:solidFill>
-                  <a:schemeClr val="tx1">
-                    <a:lumMod val="85000"/>
-                    <a:lumOff val="15000"/>
-                  </a:schemeClr>
-                </a:solidFill>
-                <a:latin typeface="+mj-lt"/>
-                <a:ea typeface="Verdana" panose="020B0604030504040204" pitchFamily="34" charset="0"/>
-                <a:cs typeface="Verdana" panose="020B0604030504040204" pitchFamily="34" charset="0"/>
-                <a:sym typeface="Wingdings" panose="05000000000000000000" pitchFamily="2" charset="2"/>
-              </a:rPr>
-              <a:t>BagOfWords</a:t>
-            </a:r>
-            <a:r>
-              <a:rPr lang="en-US" sz="2800" spc="-150" dirty="0">
-                <a:solidFill>
-                  <a:schemeClr val="tx1">
-                    <a:lumMod val="85000"/>
-                    <a:lumOff val="15000"/>
-                  </a:schemeClr>
-                </a:solidFill>
-                <a:latin typeface="+mj-lt"/>
-                <a:ea typeface="Verdana" panose="020B0604030504040204" pitchFamily="34" charset="0"/>
-                <a:cs typeface="Verdana" panose="020B0604030504040204" pitchFamily="34" charset="0"/>
-                <a:sym typeface="Wingdings" panose="05000000000000000000" pitchFamily="2" charset="2"/>
-              </a:rPr>
-              <a:t> vocabulary.</a:t>
-            </a:r>
-          </a:p>
-          <a:p>
-            <a:pPr>
-              <a:lnSpc>
-                <a:spcPts val="2200"/>
-              </a:lnSpc>
-            </a:pPr>
-            <a:endParaRPr lang="en-US" sz="2800" spc="-150" dirty="0">
-              <a:solidFill>
-                <a:schemeClr val="tx1">
-                  <a:lumMod val="85000"/>
-                  <a:lumOff val="15000"/>
-                </a:schemeClr>
-              </a:solidFill>
-              <a:latin typeface="+mj-lt"/>
-              <a:ea typeface="Verdana" panose="020B0604030504040204" pitchFamily="34" charset="0"/>
-              <a:cs typeface="Verdana" panose="020B0604030504040204" pitchFamily="34" charset="0"/>
-              <a:sym typeface="Wingdings" panose="05000000000000000000" pitchFamily="2" charset="2"/>
-            </a:endParaRPr>
-          </a:p>
-          <a:p>
-            <a:pPr marL="457200" indent="-457200">
-              <a:lnSpc>
-                <a:spcPts val="2200"/>
-              </a:lnSpc>
-              <a:buFontTx/>
-              <a:buChar char="-"/>
-            </a:pPr>
-            <a:r>
-              <a:rPr lang="en-US" sz="2800" spc="-150" dirty="0">
-                <a:solidFill>
-                  <a:schemeClr val="tx1">
-                    <a:lumMod val="85000"/>
-                    <a:lumOff val="15000"/>
-                  </a:schemeClr>
-                </a:solidFill>
-                <a:latin typeface="+mj-lt"/>
-                <a:ea typeface="Verdana" panose="020B0604030504040204" pitchFamily="34" charset="0"/>
-                <a:cs typeface="Verdana" panose="020B0604030504040204" pitchFamily="34" charset="0"/>
-                <a:sym typeface="Wingdings" panose="05000000000000000000" pitchFamily="2" charset="2"/>
-              </a:rPr>
-              <a:t>Build separate vocabularies for every sentiment class and merge them.</a:t>
-            </a:r>
-          </a:p>
-          <a:p>
-            <a:pPr marL="457200" indent="-457200">
-              <a:lnSpc>
-                <a:spcPts val="2200"/>
-              </a:lnSpc>
-              <a:buFontTx/>
-              <a:buChar char="-"/>
-            </a:pPr>
-            <a:endParaRPr lang="en-US" sz="2800" spc="-150" dirty="0">
-              <a:solidFill>
-                <a:schemeClr val="tx1">
-                  <a:lumMod val="85000"/>
-                  <a:lumOff val="15000"/>
-                </a:schemeClr>
-              </a:solidFill>
-              <a:latin typeface="+mj-lt"/>
-              <a:ea typeface="Verdana" panose="020B0604030504040204" pitchFamily="34" charset="0"/>
-              <a:cs typeface="Verdana" panose="020B0604030504040204" pitchFamily="34" charset="0"/>
-              <a:sym typeface="Wingdings" panose="05000000000000000000" pitchFamily="2" charset="2"/>
-            </a:endParaRPr>
-          </a:p>
-          <a:p>
-            <a:pPr marL="457200" indent="-457200">
-              <a:lnSpc>
-                <a:spcPts val="2200"/>
-              </a:lnSpc>
-              <a:buFontTx/>
-              <a:buChar char="-"/>
-            </a:pPr>
-            <a:r>
-              <a:rPr lang="en-US" sz="2800" spc="-150" dirty="0">
-                <a:solidFill>
-                  <a:schemeClr val="tx1">
-                    <a:lumMod val="85000"/>
-                    <a:lumOff val="15000"/>
-                  </a:schemeClr>
-                </a:solidFill>
-                <a:latin typeface="+mj-lt"/>
-                <a:ea typeface="Verdana" panose="020B0604030504040204" pitchFamily="34" charset="0"/>
-                <a:cs typeface="Verdana" panose="020B0604030504040204" pitchFamily="34" charset="0"/>
-                <a:sym typeface="Wingdings" panose="05000000000000000000" pitchFamily="2" charset="2"/>
-              </a:rPr>
-              <a:t>Performance issues: Vectorization is slow, even with </a:t>
-            </a:r>
-            <a:r>
-              <a:rPr lang="en-US" sz="2800" spc="-150" dirty="0" err="1">
-                <a:solidFill>
-                  <a:schemeClr val="tx1">
-                    <a:lumMod val="85000"/>
-                    <a:lumOff val="15000"/>
-                  </a:schemeClr>
-                </a:solidFill>
-                <a:latin typeface="+mj-lt"/>
-                <a:ea typeface="Verdana" panose="020B0604030504040204" pitchFamily="34" charset="0"/>
-                <a:cs typeface="Verdana" panose="020B0604030504040204" pitchFamily="34" charset="0"/>
-                <a:sym typeface="Wingdings" panose="05000000000000000000" pitchFamily="2" charset="2"/>
-              </a:rPr>
-              <a:t>parallelStream</a:t>
-            </a:r>
-            <a:r>
-              <a:rPr lang="en-US" sz="2800" spc="-150" dirty="0">
-                <a:solidFill>
-                  <a:schemeClr val="tx1">
-                    <a:lumMod val="85000"/>
-                    <a:lumOff val="15000"/>
-                  </a:schemeClr>
-                </a:solidFill>
-                <a:latin typeface="+mj-lt"/>
-                <a:ea typeface="Verdana" panose="020B0604030504040204" pitchFamily="34" charset="0"/>
-                <a:cs typeface="Verdana" panose="020B0604030504040204" pitchFamily="34" charset="0"/>
-                <a:sym typeface="Wingdings" panose="05000000000000000000" pitchFamily="2" charset="2"/>
-              </a:rPr>
-              <a:t>(), caches for pre-processing steps etc.</a:t>
-            </a:r>
-          </a:p>
-        </p:txBody>
-      </p:sp>
-    </p:spTree>
-    <p:extLst>
-      <p:ext uri="{BB962C8B-B14F-4D97-AF65-F5344CB8AC3E}">
-        <p14:creationId xmlns:p14="http://schemas.microsoft.com/office/powerpoint/2010/main" val="1918675494"/>
-      </p:ext>
-    </p:extLst>
-  </p:cSld>
-  <p:clrMapOvr>
-    <a:masterClrMapping/>
-  </p:clrMapOvr>
-  <mc:AlternateContent xmlns:mc="http://schemas.openxmlformats.org/markup-compatibility/2006" xmlns:p14="http://schemas.microsoft.com/office/powerpoint/2010/main">
-    <mc:Choice Requires="p14">
-      <p:transition spd="med" p14:dur="700">
-        <p:fade/>
-      </p:transition>
-    </mc:Choice>
-    <mc:Fallback xmlns="">
-      <p:transition spd="med">
-        <p:fade/>
-      </p:transition>
-    </mc:Fallback>
-  </mc:AlternateContent>
-  <p:timing>
-    <p:tnLst>
-      <p:par>
-        <p:cTn id="1" dur="indefinite" restart="never" nodeType="tmRoot">
-          <p:childTnLst>
-            <p:seq concurrent="1" nextAc="seek">
-              <p:cTn id="2" dur="indefinite" nodeType="mainSeq">
-                <p:childTnLst>
-                  <p:par>
-                    <p:cTn id="3" fill="hold">
-                      <p:stCondLst>
-                        <p:cond delay="indefinite"/>
-                        <p:cond evt="onBegin" delay="0">
-                          <p:tn val="2"/>
-                        </p:cond>
-                      </p:stCondLst>
-                      <p:childTnLst>
-                        <p:par>
-                          <p:cTn id="4" fill="hold">
-                            <p:stCondLst>
-                              <p:cond delay="0"/>
-                            </p:stCondLst>
-                            <p:childTnLst>
-                              <p:par>
-                                <p:cTn id="5" presetID="10" presetClass="entr" presetSubtype="0" fill="hold" grpId="0" nodeType="withEffect">
-                                  <p:stCondLst>
-                                    <p:cond delay="250"/>
-                                  </p:stCondLst>
-                                  <p:childTnLst>
-                                    <p:set>
-                                      <p:cBhvr>
-                                        <p:cTn id="6" dur="1" fill="hold">
-                                          <p:stCondLst>
-                                            <p:cond delay="0"/>
-                                          </p:stCondLst>
-                                        </p:cTn>
-                                        <p:tgtEl>
-                                          <p:spTgt spid="2"/>
-                                        </p:tgtEl>
-                                        <p:attrNameLst>
-                                          <p:attrName>style.visibility</p:attrName>
-                                        </p:attrNameLst>
-                                      </p:cBhvr>
-                                      <p:to>
-                                        <p:strVal val="visible"/>
-                                      </p:to>
-                                    </p:set>
-                                    <p:animEffect transition="in" filter="fade">
-                                      <p:cBhvr>
-                                        <p:cTn id="7" dur="500"/>
-                                        <p:tgtEl>
-                                          <p:spTgt spid="2"/>
-                                        </p:tgtEl>
-                                      </p:cBhvr>
-                                    </p:animEffect>
-                                  </p:childTnLst>
-                                </p:cTn>
-                              </p:par>
-                            </p:childTnLst>
-                          </p:cTn>
-                        </p:par>
-                      </p:childTnLst>
-                    </p:cTn>
-                  </p:par>
-                </p:childTnLst>
-              </p:cTn>
-              <p:prevCondLst>
-                <p:cond evt="onPrev" delay="0">
-                  <p:tgtEl>
-                    <p:sldTgt/>
-                  </p:tgtEl>
-                </p:cond>
-              </p:prevCondLst>
-              <p:nextCondLst>
-                <p:cond evt="onNext" delay="0">
-                  <p:tgtEl>
-                    <p:sldTgt/>
-                  </p:tgtEl>
-                </p:cond>
-              </p:nextCondLst>
-            </p:seq>
-          </p:childTnLst>
-        </p:cTn>
-      </p:par>
-    </p:tnLst>
-    <p:bldLst>
-      <p:bldP spid="2" grpId="0"/>
-    </p:bldLst>
-  </p:timing>
-</p:sld>
-</file>
-
-<file path=ppt/slides/slide8.xml><?xml version="1.0" encoding="utf-8"?>
-<p:sld xmlns:a="http://schemas.openxmlformats.org/drawingml/2006/main" xmlns:r="http://schemas.openxmlformats.org/officeDocument/2006/relationships" xmlns:p="http://schemas.openxmlformats.org/presentationml/2006/main">
-  <p:cSld>
-    <p:bg>
-      <p:bgPr>
-        <a:solidFill>
-          <a:srgbClr val="F6F5F0"/>
-        </a:solidFill>
-        <a:effectLst/>
-      </p:bgPr>
-    </p:bg>
-    <p:spTree>
-      <p:nvGrpSpPr>
-        <p:cNvPr id="1" name=""/>
-        <p:cNvGrpSpPr/>
-        <p:nvPr/>
-      </p:nvGrpSpPr>
-      <p:grpSpPr>
-        <a:xfrm>
-          <a:off x="0" y="0"/>
-          <a:ext cx="0" cy="0"/>
-          <a:chOff x="0" y="0"/>
-          <a:chExt cx="0" cy="0"/>
-        </a:xfrm>
-      </p:grpSpPr>
-      <p:cxnSp>
-        <p:nvCxnSpPr>
-          <p:cNvPr id="24" name="Straight Connector 23"/>
-          <p:cNvCxnSpPr/>
-          <p:nvPr/>
-        </p:nvCxnSpPr>
-        <p:spPr>
-          <a:xfrm>
-            <a:off x="0" y="36000"/>
-            <a:ext cx="9144000" cy="0"/>
-          </a:xfrm>
-          <a:prstGeom prst="line">
-            <a:avLst/>
-          </a:prstGeom>
-          <a:ln w="85725">
-            <a:solidFill>
-              <a:schemeClr val="tx1">
-                <a:lumMod val="85000"/>
-                <a:lumOff val="15000"/>
-              </a:schemeClr>
-            </a:solidFill>
-          </a:ln>
-        </p:spPr>
-        <p:style>
-          <a:lnRef idx="1">
-            <a:schemeClr val="accent1"/>
-          </a:lnRef>
-          <a:fillRef idx="0">
-            <a:schemeClr val="accent1"/>
-          </a:fillRef>
-          <a:effectRef idx="0">
-            <a:schemeClr val="accent1"/>
-          </a:effectRef>
-          <a:fontRef idx="minor">
-            <a:schemeClr val="tx1"/>
-          </a:fontRef>
-        </p:style>
-      </p:cxnSp>
-      <p:sp>
-        <p:nvSpPr>
           <p:cNvPr id="3" name="Rectangle 1">
             <a:extLst>
               <a:ext uri="{FF2B5EF4-FFF2-40B4-BE49-F238E27FC236}">
@@ -13897,8 +13810,8 @@
         </p:nvSpPr>
         <p:spPr bwMode="auto">
           <a:xfrm>
-            <a:off x="304800" y="533400"/>
-            <a:ext cx="8534400" cy="5755422"/>
+            <a:off x="304800" y="410290"/>
+            <a:ext cx="8763000" cy="6001643"/>
           </a:xfrm>
           <a:prstGeom prst="rect">
             <a:avLst/>
@@ -14025,1138 +13938,7 @@
                 <a:latin typeface="Courier New" panose="02070309020205020404" pitchFamily="49" charset="0"/>
                 <a:cs typeface="Courier New" panose="02070309020205020404" pitchFamily="49" charset="0"/>
               </a:rPr>
-              <a:t>((review) -&gt; {</a:t>
-            </a:r>
-          </a:p>
-          <a:p>
-            <a:pPr lvl="0" eaLnBrk="0" fontAlgn="base" hangingPunct="0">
-              <a:spcBef>
-                <a:spcPct val="0"/>
-              </a:spcBef>
-              <a:spcAft>
-                <a:spcPct val="0"/>
-              </a:spcAft>
-            </a:pPr>
-            <a:r>
-              <a:rPr lang="de-DE" altLang="de-DE" sz="1600" dirty="0">
-                <a:solidFill>
-                  <a:srgbClr val="000000"/>
-                </a:solidFill>
-                <a:latin typeface="Courier New" panose="02070309020205020404" pitchFamily="49" charset="0"/>
-                <a:cs typeface="Courier New" panose="02070309020205020404" pitchFamily="49" charset="0"/>
-              </a:rPr>
-              <a:t>    List&lt;String&gt; </a:t>
-            </a:r>
-            <a:r>
-              <a:rPr lang="de-DE" altLang="de-DE" sz="1600" dirty="0" err="1">
-                <a:solidFill>
-                  <a:srgbClr val="000000"/>
-                </a:solidFill>
-                <a:latin typeface="Courier New" panose="02070309020205020404" pitchFamily="49" charset="0"/>
-                <a:cs typeface="Courier New" panose="02070309020205020404" pitchFamily="49" charset="0"/>
-              </a:rPr>
-              <a:t>tokens</a:t>
-            </a:r>
-            <a:r>
-              <a:rPr lang="de-DE" altLang="de-DE" sz="1600" dirty="0">
-                <a:solidFill>
-                  <a:srgbClr val="000000"/>
-                </a:solidFill>
-                <a:latin typeface="Courier New" panose="02070309020205020404" pitchFamily="49" charset="0"/>
-                <a:cs typeface="Courier New" panose="02070309020205020404" pitchFamily="49" charset="0"/>
-              </a:rPr>
-              <a:t> = _</a:t>
-            </a:r>
-            <a:r>
-              <a:rPr lang="de-DE" altLang="de-DE" sz="1600" dirty="0" err="1">
-                <a:solidFill>
-                  <a:srgbClr val="000000"/>
-                </a:solidFill>
-                <a:latin typeface="Courier New" panose="02070309020205020404" pitchFamily="49" charset="0"/>
-                <a:cs typeface="Courier New" panose="02070309020205020404" pitchFamily="49" charset="0"/>
-              </a:rPr>
-              <a:t>cache.getOrDefault</a:t>
-            </a:r>
-            <a:r>
-              <a:rPr lang="de-DE" altLang="de-DE" sz="1600" dirty="0">
-                <a:solidFill>
-                  <a:srgbClr val="000000"/>
-                </a:solidFill>
-                <a:latin typeface="Courier New" panose="02070309020205020404" pitchFamily="49" charset="0"/>
-                <a:cs typeface="Courier New" panose="02070309020205020404" pitchFamily="49" charset="0"/>
-              </a:rPr>
-              <a:t>(review, null);</a:t>
-            </a:r>
-          </a:p>
-          <a:p>
-            <a:pPr lvl="0" eaLnBrk="0" fontAlgn="base" hangingPunct="0">
-              <a:spcBef>
-                <a:spcPct val="0"/>
-              </a:spcBef>
-              <a:spcAft>
-                <a:spcPct val="0"/>
-              </a:spcAft>
-            </a:pPr>
-            <a:r>
-              <a:rPr lang="de-DE" altLang="de-DE" sz="1600" dirty="0">
-                <a:solidFill>
-                  <a:srgbClr val="000000"/>
-                </a:solidFill>
-                <a:latin typeface="Courier New" panose="02070309020205020404" pitchFamily="49" charset="0"/>
-                <a:cs typeface="Courier New" panose="02070309020205020404" pitchFamily="49" charset="0"/>
-              </a:rPr>
-              <a:t>    </a:t>
-            </a:r>
-            <a:r>
-              <a:rPr lang="de-DE" altLang="de-DE" sz="1600" dirty="0" err="1">
-                <a:solidFill>
-                  <a:srgbClr val="000000"/>
-                </a:solidFill>
-                <a:latin typeface="Courier New" panose="02070309020205020404" pitchFamily="49" charset="0"/>
-                <a:cs typeface="Courier New" panose="02070309020205020404" pitchFamily="49" charset="0"/>
-              </a:rPr>
-              <a:t>if</a:t>
-            </a:r>
-            <a:r>
-              <a:rPr lang="de-DE" altLang="de-DE" sz="1600" dirty="0">
-                <a:solidFill>
-                  <a:srgbClr val="000000"/>
-                </a:solidFill>
-                <a:latin typeface="Courier New" panose="02070309020205020404" pitchFamily="49" charset="0"/>
-                <a:cs typeface="Courier New" panose="02070309020205020404" pitchFamily="49" charset="0"/>
-              </a:rPr>
               <a:t>(</a:t>
-            </a:r>
-            <a:r>
-              <a:rPr lang="de-DE" altLang="de-DE" sz="1600" dirty="0" err="1">
-                <a:solidFill>
-                  <a:srgbClr val="000000"/>
-                </a:solidFill>
-                <a:latin typeface="Courier New" panose="02070309020205020404" pitchFamily="49" charset="0"/>
-                <a:cs typeface="Courier New" panose="02070309020205020404" pitchFamily="49" charset="0"/>
-              </a:rPr>
-              <a:t>tokens</a:t>
-            </a:r>
-            <a:r>
-              <a:rPr lang="de-DE" altLang="de-DE" sz="1600" dirty="0">
-                <a:solidFill>
-                  <a:srgbClr val="000000"/>
-                </a:solidFill>
-                <a:latin typeface="Courier New" panose="02070309020205020404" pitchFamily="49" charset="0"/>
-                <a:cs typeface="Courier New" panose="02070309020205020404" pitchFamily="49" charset="0"/>
-              </a:rPr>
-              <a:t> == null) {</a:t>
-            </a:r>
-          </a:p>
-          <a:p>
-            <a:pPr lvl="0" eaLnBrk="0" fontAlgn="base" hangingPunct="0">
-              <a:spcBef>
-                <a:spcPct val="0"/>
-              </a:spcBef>
-              <a:spcAft>
-                <a:spcPct val="0"/>
-              </a:spcAft>
-            </a:pPr>
-            <a:r>
-              <a:rPr lang="de-DE" altLang="de-DE" sz="1600" dirty="0">
-                <a:solidFill>
-                  <a:srgbClr val="000000"/>
-                </a:solidFill>
-                <a:latin typeface="Courier New" panose="02070309020205020404" pitchFamily="49" charset="0"/>
-                <a:cs typeface="Courier New" panose="02070309020205020404" pitchFamily="49" charset="0"/>
-              </a:rPr>
-              <a:t>        </a:t>
-            </a:r>
-            <a:r>
-              <a:rPr lang="de-DE" altLang="de-DE" sz="1600" dirty="0" err="1">
-                <a:solidFill>
-                  <a:srgbClr val="000000"/>
-                </a:solidFill>
-                <a:latin typeface="Courier New" panose="02070309020205020404" pitchFamily="49" charset="0"/>
-                <a:cs typeface="Courier New" panose="02070309020205020404" pitchFamily="49" charset="0"/>
-              </a:rPr>
-              <a:t>tokens</a:t>
-            </a:r>
-            <a:r>
-              <a:rPr lang="de-DE" altLang="de-DE" sz="1600" dirty="0">
-                <a:solidFill>
-                  <a:srgbClr val="000000"/>
-                </a:solidFill>
-                <a:latin typeface="Courier New" panose="02070309020205020404" pitchFamily="49" charset="0"/>
-                <a:cs typeface="Courier New" panose="02070309020205020404" pitchFamily="49" charset="0"/>
-              </a:rPr>
-              <a:t> = </a:t>
-            </a:r>
-            <a:r>
-              <a:rPr lang="de-DE" altLang="de-DE" sz="1600" dirty="0" err="1">
-                <a:solidFill>
-                  <a:srgbClr val="000000"/>
-                </a:solidFill>
-                <a:latin typeface="Courier New" panose="02070309020205020404" pitchFamily="49" charset="0"/>
-                <a:cs typeface="Courier New" panose="02070309020205020404" pitchFamily="49" charset="0"/>
-              </a:rPr>
-              <a:t>PipelineFactory</a:t>
-            </a:r>
-            <a:endParaRPr lang="de-DE" altLang="de-DE" sz="1600" dirty="0">
-              <a:solidFill>
-                <a:srgbClr val="000000"/>
-              </a:solidFill>
-              <a:latin typeface="Courier New" panose="02070309020205020404" pitchFamily="49" charset="0"/>
-              <a:cs typeface="Courier New" panose="02070309020205020404" pitchFamily="49" charset="0"/>
-            </a:endParaRPr>
-          </a:p>
-          <a:p>
-            <a:pPr lvl="0" eaLnBrk="0" fontAlgn="base" hangingPunct="0">
-              <a:spcBef>
-                <a:spcPct val="0"/>
-              </a:spcBef>
-              <a:spcAft>
-                <a:spcPct val="0"/>
-              </a:spcAft>
-            </a:pPr>
-            <a:r>
-              <a:rPr lang="de-DE" altLang="de-DE" sz="1600" dirty="0">
-                <a:solidFill>
-                  <a:srgbClr val="000000"/>
-                </a:solidFill>
-                <a:latin typeface="Courier New" panose="02070309020205020404" pitchFamily="49" charset="0"/>
-                <a:cs typeface="Courier New" panose="02070309020205020404" pitchFamily="49" charset="0"/>
-              </a:rPr>
-              <a:t>            .</a:t>
-            </a:r>
-            <a:r>
-              <a:rPr lang="de-DE" altLang="de-DE" sz="1600" dirty="0" err="1">
-                <a:solidFill>
-                  <a:srgbClr val="000000"/>
-                </a:solidFill>
-                <a:latin typeface="Courier New" panose="02070309020205020404" pitchFamily="49" charset="0"/>
-                <a:cs typeface="Courier New" panose="02070309020205020404" pitchFamily="49" charset="0"/>
-              </a:rPr>
-              <a:t>start</a:t>
-            </a:r>
-            <a:r>
-              <a:rPr lang="de-DE" altLang="de-DE" sz="1600" dirty="0">
-                <a:solidFill>
-                  <a:srgbClr val="000000"/>
-                </a:solidFill>
-                <a:latin typeface="Courier New" panose="02070309020205020404" pitchFamily="49" charset="0"/>
-                <a:cs typeface="Courier New" panose="02070309020205020404" pitchFamily="49" charset="0"/>
-              </a:rPr>
-              <a:t>(</a:t>
-            </a:r>
-            <a:r>
-              <a:rPr lang="de-DE" altLang="de-DE" sz="1600" dirty="0" err="1">
-                <a:solidFill>
-                  <a:srgbClr val="000000"/>
-                </a:solidFill>
-                <a:latin typeface="Courier New" panose="02070309020205020404" pitchFamily="49" charset="0"/>
-                <a:cs typeface="Courier New" panose="02070309020205020404" pitchFamily="49" charset="0"/>
-              </a:rPr>
-              <a:t>this.tokenizer</a:t>
-            </a:r>
-            <a:r>
-              <a:rPr lang="de-DE" altLang="de-DE" sz="1600" dirty="0">
-                <a:solidFill>
-                  <a:srgbClr val="000000"/>
-                </a:solidFill>
-                <a:latin typeface="Courier New" panose="02070309020205020404" pitchFamily="49" charset="0"/>
-                <a:cs typeface="Courier New" panose="02070309020205020404" pitchFamily="49" charset="0"/>
-              </a:rPr>
-              <a:t>)</a:t>
-            </a:r>
-          </a:p>
-          <a:p>
-            <a:pPr lvl="0" eaLnBrk="0" fontAlgn="base" hangingPunct="0">
-              <a:spcBef>
-                <a:spcPct val="0"/>
-              </a:spcBef>
-              <a:spcAft>
-                <a:spcPct val="0"/>
-              </a:spcAft>
-            </a:pPr>
-            <a:r>
-              <a:rPr lang="de-DE" altLang="de-DE" sz="1600" dirty="0">
-                <a:solidFill>
-                  <a:srgbClr val="000000"/>
-                </a:solidFill>
-                <a:latin typeface="Courier New" panose="02070309020205020404" pitchFamily="49" charset="0"/>
-                <a:cs typeface="Courier New" panose="02070309020205020404" pitchFamily="49" charset="0"/>
-              </a:rPr>
-              <a:t>            .</a:t>
-            </a:r>
-            <a:r>
-              <a:rPr lang="de-DE" altLang="de-DE" sz="1600" dirty="0" err="1">
-                <a:solidFill>
-                  <a:srgbClr val="000000"/>
-                </a:solidFill>
-                <a:latin typeface="Courier New" panose="02070309020205020404" pitchFamily="49" charset="0"/>
-                <a:cs typeface="Courier New" panose="02070309020205020404" pitchFamily="49" charset="0"/>
-              </a:rPr>
-              <a:t>append</a:t>
-            </a:r>
-            <a:r>
-              <a:rPr lang="de-DE" altLang="de-DE" sz="1600" dirty="0">
-                <a:solidFill>
-                  <a:srgbClr val="000000"/>
-                </a:solidFill>
-                <a:latin typeface="Courier New" panose="02070309020205020404" pitchFamily="49" charset="0"/>
-                <a:cs typeface="Courier New" panose="02070309020205020404" pitchFamily="49" charset="0"/>
-              </a:rPr>
-              <a:t>(</a:t>
-            </a:r>
-            <a:r>
-              <a:rPr lang="de-DE" altLang="de-DE" sz="1600" dirty="0" err="1">
-                <a:solidFill>
-                  <a:srgbClr val="000000"/>
-                </a:solidFill>
-                <a:latin typeface="Courier New" panose="02070309020205020404" pitchFamily="49" charset="0"/>
-                <a:cs typeface="Courier New" panose="02070309020205020404" pitchFamily="49" charset="0"/>
-              </a:rPr>
-              <a:t>Preprocessing.stopwordFilter</a:t>
-            </a:r>
-            <a:r>
-              <a:rPr lang="de-DE" altLang="de-DE" sz="1600" dirty="0">
-                <a:solidFill>
-                  <a:srgbClr val="000000"/>
-                </a:solidFill>
-                <a:latin typeface="Courier New" panose="02070309020205020404" pitchFamily="49" charset="0"/>
-                <a:cs typeface="Courier New" panose="02070309020205020404" pitchFamily="49" charset="0"/>
-              </a:rPr>
-              <a:t>)</a:t>
-            </a:r>
-          </a:p>
-          <a:p>
-            <a:pPr lvl="0" eaLnBrk="0" fontAlgn="base" hangingPunct="0">
-              <a:spcBef>
-                <a:spcPct val="0"/>
-              </a:spcBef>
-              <a:spcAft>
-                <a:spcPct val="0"/>
-              </a:spcAft>
-            </a:pPr>
-            <a:r>
-              <a:rPr lang="de-DE" altLang="de-DE" sz="1600" dirty="0">
-                <a:solidFill>
-                  <a:srgbClr val="000000"/>
-                </a:solidFill>
-                <a:latin typeface="Courier New" panose="02070309020205020404" pitchFamily="49" charset="0"/>
-                <a:cs typeface="Courier New" panose="02070309020205020404" pitchFamily="49" charset="0"/>
-              </a:rPr>
-              <a:t>            .</a:t>
-            </a:r>
-            <a:r>
-              <a:rPr lang="de-DE" altLang="de-DE" sz="1600" dirty="0" err="1">
-                <a:solidFill>
-                  <a:srgbClr val="000000"/>
-                </a:solidFill>
-                <a:latin typeface="Courier New" panose="02070309020205020404" pitchFamily="49" charset="0"/>
-                <a:cs typeface="Courier New" panose="02070309020205020404" pitchFamily="49" charset="0"/>
-              </a:rPr>
-              <a:t>run</a:t>
-            </a:r>
-            <a:r>
-              <a:rPr lang="de-DE" altLang="de-DE" sz="1600" dirty="0">
-                <a:solidFill>
-                  <a:srgbClr val="000000"/>
-                </a:solidFill>
-                <a:latin typeface="Courier New" panose="02070309020205020404" pitchFamily="49" charset="0"/>
-                <a:cs typeface="Courier New" panose="02070309020205020404" pitchFamily="49" charset="0"/>
-              </a:rPr>
-              <a:t>(review);</a:t>
-            </a:r>
-          </a:p>
-          <a:p>
-            <a:pPr lvl="0" eaLnBrk="0" fontAlgn="base" hangingPunct="0">
-              <a:spcBef>
-                <a:spcPct val="0"/>
-              </a:spcBef>
-              <a:spcAft>
-                <a:spcPct val="0"/>
-              </a:spcAft>
-            </a:pPr>
-            <a:r>
-              <a:rPr lang="de-DE" altLang="de-DE" sz="1600" dirty="0">
-                <a:solidFill>
-                  <a:srgbClr val="000000"/>
-                </a:solidFill>
-                <a:latin typeface="Courier New" panose="02070309020205020404" pitchFamily="49" charset="0"/>
-                <a:cs typeface="Courier New" panose="02070309020205020404" pitchFamily="49" charset="0"/>
-              </a:rPr>
-              <a:t>    }</a:t>
-            </a:r>
-          </a:p>
-          <a:p>
-            <a:pPr lvl="0" eaLnBrk="0" fontAlgn="base" hangingPunct="0">
-              <a:spcBef>
-                <a:spcPct val="0"/>
-              </a:spcBef>
-              <a:spcAft>
-                <a:spcPct val="0"/>
-              </a:spcAft>
-            </a:pPr>
-            <a:endParaRPr lang="de-DE" altLang="de-DE" sz="1600" dirty="0">
-              <a:solidFill>
-                <a:srgbClr val="000000"/>
-              </a:solidFill>
-              <a:latin typeface="Courier New" panose="02070309020205020404" pitchFamily="49" charset="0"/>
-              <a:cs typeface="Courier New" panose="02070309020205020404" pitchFamily="49" charset="0"/>
-            </a:endParaRPr>
-          </a:p>
-          <a:p>
-            <a:pPr lvl="0" eaLnBrk="0" fontAlgn="base" hangingPunct="0">
-              <a:spcBef>
-                <a:spcPct val="0"/>
-              </a:spcBef>
-              <a:spcAft>
-                <a:spcPct val="0"/>
-              </a:spcAft>
-            </a:pPr>
-            <a:r>
-              <a:rPr lang="de-DE" altLang="de-DE" sz="1600" dirty="0">
-                <a:solidFill>
-                  <a:srgbClr val="000000"/>
-                </a:solidFill>
-                <a:latin typeface="Courier New" panose="02070309020205020404" pitchFamily="49" charset="0"/>
-                <a:cs typeface="Courier New" panose="02070309020205020404" pitchFamily="49" charset="0"/>
-              </a:rPr>
-              <a:t>    </a:t>
-            </a:r>
-            <a:r>
-              <a:rPr lang="de-DE" altLang="de-DE" sz="1600" dirty="0" err="1">
-                <a:solidFill>
-                  <a:srgbClr val="000000"/>
-                </a:solidFill>
-                <a:latin typeface="Courier New" panose="02070309020205020404" pitchFamily="49" charset="0"/>
-                <a:cs typeface="Courier New" panose="02070309020205020404" pitchFamily="49" charset="0"/>
-              </a:rPr>
-              <a:t>HashMap</a:t>
-            </a:r>
-            <a:r>
-              <a:rPr lang="de-DE" altLang="de-DE" sz="1600" dirty="0">
-                <a:solidFill>
-                  <a:srgbClr val="000000"/>
-                </a:solidFill>
-                <a:latin typeface="Courier New" panose="02070309020205020404" pitchFamily="49" charset="0"/>
-                <a:cs typeface="Courier New" panose="02070309020205020404" pitchFamily="49" charset="0"/>
-              </a:rPr>
-              <a:t>&lt;String, Integer&gt; </a:t>
-            </a:r>
-            <a:r>
-              <a:rPr lang="de-DE" altLang="de-DE" sz="1600" dirty="0" err="1">
-                <a:solidFill>
-                  <a:srgbClr val="000000"/>
-                </a:solidFill>
-                <a:latin typeface="Courier New" panose="02070309020205020404" pitchFamily="49" charset="0"/>
-                <a:cs typeface="Courier New" panose="02070309020205020404" pitchFamily="49" charset="0"/>
-              </a:rPr>
-              <a:t>wordVector</a:t>
-            </a:r>
-            <a:r>
-              <a:rPr lang="de-DE" altLang="de-DE" sz="1600" dirty="0">
-                <a:solidFill>
-                  <a:srgbClr val="000000"/>
-                </a:solidFill>
-                <a:latin typeface="Courier New" panose="02070309020205020404" pitchFamily="49" charset="0"/>
-                <a:cs typeface="Courier New" panose="02070309020205020404" pitchFamily="49" charset="0"/>
-              </a:rPr>
-              <a:t> = </a:t>
-            </a:r>
-            <a:r>
-              <a:rPr lang="de-DE" altLang="de-DE" sz="1600" dirty="0" err="1">
-                <a:solidFill>
-                  <a:srgbClr val="000000"/>
-                </a:solidFill>
-                <a:latin typeface="Courier New" panose="02070309020205020404" pitchFamily="49" charset="0"/>
-                <a:cs typeface="Courier New" panose="02070309020205020404" pitchFamily="49" charset="0"/>
-              </a:rPr>
-              <a:t>new</a:t>
-            </a:r>
-            <a:r>
-              <a:rPr lang="de-DE" altLang="de-DE" sz="1600" dirty="0">
-                <a:solidFill>
-                  <a:srgbClr val="000000"/>
-                </a:solidFill>
-                <a:latin typeface="Courier New" panose="02070309020205020404" pitchFamily="49" charset="0"/>
-                <a:cs typeface="Courier New" panose="02070309020205020404" pitchFamily="49" charset="0"/>
-              </a:rPr>
-              <a:t> </a:t>
-            </a:r>
-            <a:r>
-              <a:rPr lang="de-DE" altLang="de-DE" sz="1600" dirty="0" err="1">
-                <a:solidFill>
-                  <a:srgbClr val="000000"/>
-                </a:solidFill>
-                <a:latin typeface="Courier New" panose="02070309020205020404" pitchFamily="49" charset="0"/>
-                <a:cs typeface="Courier New" panose="02070309020205020404" pitchFamily="49" charset="0"/>
-              </a:rPr>
-              <a:t>HashMap</a:t>
-            </a:r>
-            <a:r>
-              <a:rPr lang="de-DE" altLang="de-DE" sz="1600" dirty="0">
-                <a:solidFill>
-                  <a:srgbClr val="000000"/>
-                </a:solidFill>
-                <a:latin typeface="Courier New" panose="02070309020205020404" pitchFamily="49" charset="0"/>
-                <a:cs typeface="Courier New" panose="02070309020205020404" pitchFamily="49" charset="0"/>
-              </a:rPr>
-              <a:t>();</a:t>
-            </a:r>
-          </a:p>
-          <a:p>
-            <a:pPr lvl="0" eaLnBrk="0" fontAlgn="base" hangingPunct="0">
-              <a:spcBef>
-                <a:spcPct val="0"/>
-              </a:spcBef>
-              <a:spcAft>
-                <a:spcPct val="0"/>
-              </a:spcAft>
-            </a:pPr>
-            <a:endParaRPr lang="de-DE" altLang="de-DE" sz="1600" dirty="0">
-              <a:solidFill>
-                <a:srgbClr val="000000"/>
-              </a:solidFill>
-              <a:latin typeface="Courier New" panose="02070309020205020404" pitchFamily="49" charset="0"/>
-              <a:cs typeface="Courier New" panose="02070309020205020404" pitchFamily="49" charset="0"/>
-            </a:endParaRPr>
-          </a:p>
-          <a:p>
-            <a:pPr lvl="0" eaLnBrk="0" fontAlgn="base" hangingPunct="0">
-              <a:spcBef>
-                <a:spcPct val="0"/>
-              </a:spcBef>
-              <a:spcAft>
-                <a:spcPct val="0"/>
-              </a:spcAft>
-            </a:pPr>
-            <a:r>
-              <a:rPr lang="de-DE" altLang="de-DE" sz="1600" dirty="0">
-                <a:solidFill>
-                  <a:srgbClr val="000000"/>
-                </a:solidFill>
-                <a:latin typeface="Courier New" panose="02070309020205020404" pitchFamily="49" charset="0"/>
-                <a:cs typeface="Courier New" panose="02070309020205020404" pitchFamily="49" charset="0"/>
-              </a:rPr>
-              <a:t>    Iterator </a:t>
-            </a:r>
-            <a:r>
-              <a:rPr lang="de-DE" altLang="de-DE" sz="1600" dirty="0" err="1">
-                <a:solidFill>
-                  <a:srgbClr val="000000"/>
-                </a:solidFill>
-                <a:latin typeface="Courier New" panose="02070309020205020404" pitchFamily="49" charset="0"/>
-                <a:cs typeface="Courier New" panose="02070309020205020404" pitchFamily="49" charset="0"/>
-              </a:rPr>
-              <a:t>it</a:t>
-            </a:r>
-            <a:r>
-              <a:rPr lang="de-DE" altLang="de-DE" sz="1600" dirty="0">
-                <a:solidFill>
-                  <a:srgbClr val="000000"/>
-                </a:solidFill>
-                <a:latin typeface="Courier New" panose="02070309020205020404" pitchFamily="49" charset="0"/>
-                <a:cs typeface="Courier New" panose="02070309020205020404" pitchFamily="49" charset="0"/>
-              </a:rPr>
-              <a:t> = </a:t>
-            </a:r>
-            <a:r>
-              <a:rPr lang="de-DE" altLang="de-DE" sz="1600" dirty="0" err="1">
-                <a:solidFill>
-                  <a:srgbClr val="000000"/>
-                </a:solidFill>
-                <a:latin typeface="Courier New" panose="02070309020205020404" pitchFamily="49" charset="0"/>
-                <a:cs typeface="Courier New" panose="02070309020205020404" pitchFamily="49" charset="0"/>
-              </a:rPr>
-              <a:t>this.vocabulary.keySet</a:t>
-            </a:r>
-            <a:r>
-              <a:rPr lang="de-DE" altLang="de-DE" sz="1600" dirty="0">
-                <a:solidFill>
-                  <a:srgbClr val="000000"/>
-                </a:solidFill>
-                <a:latin typeface="Courier New" panose="02070309020205020404" pitchFamily="49" charset="0"/>
-                <a:cs typeface="Courier New" panose="02070309020205020404" pitchFamily="49" charset="0"/>
-              </a:rPr>
-              <a:t>().</a:t>
-            </a:r>
-            <a:r>
-              <a:rPr lang="de-DE" altLang="de-DE" sz="1600" dirty="0" err="1">
-                <a:solidFill>
-                  <a:srgbClr val="000000"/>
-                </a:solidFill>
-                <a:latin typeface="Courier New" panose="02070309020205020404" pitchFamily="49" charset="0"/>
-                <a:cs typeface="Courier New" panose="02070309020205020404" pitchFamily="49" charset="0"/>
-              </a:rPr>
-              <a:t>iterator</a:t>
-            </a:r>
-            <a:r>
-              <a:rPr lang="de-DE" altLang="de-DE" sz="1600" dirty="0">
-                <a:solidFill>
-                  <a:srgbClr val="000000"/>
-                </a:solidFill>
-                <a:latin typeface="Courier New" panose="02070309020205020404" pitchFamily="49" charset="0"/>
-                <a:cs typeface="Courier New" panose="02070309020205020404" pitchFamily="49" charset="0"/>
-              </a:rPr>
-              <a:t>();</a:t>
-            </a:r>
-          </a:p>
-          <a:p>
-            <a:pPr lvl="0" eaLnBrk="0" fontAlgn="base" hangingPunct="0">
-              <a:spcBef>
-                <a:spcPct val="0"/>
-              </a:spcBef>
-              <a:spcAft>
-                <a:spcPct val="0"/>
-              </a:spcAft>
-            </a:pPr>
-            <a:r>
-              <a:rPr lang="de-DE" altLang="de-DE" sz="1600" dirty="0">
-                <a:solidFill>
-                  <a:srgbClr val="000000"/>
-                </a:solidFill>
-                <a:latin typeface="Courier New" panose="02070309020205020404" pitchFamily="49" charset="0"/>
-                <a:cs typeface="Courier New" panose="02070309020205020404" pitchFamily="49" charset="0"/>
-              </a:rPr>
-              <a:t>    </a:t>
-            </a:r>
-            <a:r>
-              <a:rPr lang="de-DE" altLang="de-DE" sz="1600" dirty="0" err="1">
-                <a:solidFill>
-                  <a:srgbClr val="000000"/>
-                </a:solidFill>
-                <a:latin typeface="Courier New" panose="02070309020205020404" pitchFamily="49" charset="0"/>
-                <a:cs typeface="Courier New" panose="02070309020205020404" pitchFamily="49" charset="0"/>
-              </a:rPr>
-              <a:t>while</a:t>
-            </a:r>
-            <a:r>
-              <a:rPr lang="de-DE" altLang="de-DE" sz="1600" dirty="0">
-                <a:solidFill>
-                  <a:srgbClr val="000000"/>
-                </a:solidFill>
-                <a:latin typeface="Courier New" panose="02070309020205020404" pitchFamily="49" charset="0"/>
-                <a:cs typeface="Courier New" panose="02070309020205020404" pitchFamily="49" charset="0"/>
-              </a:rPr>
-              <a:t> (</a:t>
-            </a:r>
-            <a:r>
-              <a:rPr lang="de-DE" altLang="de-DE" sz="1600" dirty="0" err="1">
-                <a:solidFill>
-                  <a:srgbClr val="000000"/>
-                </a:solidFill>
-                <a:latin typeface="Courier New" panose="02070309020205020404" pitchFamily="49" charset="0"/>
-                <a:cs typeface="Courier New" panose="02070309020205020404" pitchFamily="49" charset="0"/>
-              </a:rPr>
-              <a:t>it.hasNext</a:t>
-            </a:r>
-            <a:r>
-              <a:rPr lang="de-DE" altLang="de-DE" sz="1600" dirty="0">
-                <a:solidFill>
-                  <a:srgbClr val="000000"/>
-                </a:solidFill>
-                <a:latin typeface="Courier New" panose="02070309020205020404" pitchFamily="49" charset="0"/>
-                <a:cs typeface="Courier New" panose="02070309020205020404" pitchFamily="49" charset="0"/>
-              </a:rPr>
-              <a:t>()) {</a:t>
-            </a:r>
-          </a:p>
-          <a:p>
-            <a:pPr lvl="0" eaLnBrk="0" fontAlgn="base" hangingPunct="0">
-              <a:spcBef>
-                <a:spcPct val="0"/>
-              </a:spcBef>
-              <a:spcAft>
-                <a:spcPct val="0"/>
-              </a:spcAft>
-            </a:pPr>
-            <a:r>
-              <a:rPr lang="de-DE" altLang="de-DE" sz="1600" dirty="0">
-                <a:solidFill>
-                  <a:srgbClr val="000000"/>
-                </a:solidFill>
-                <a:latin typeface="Courier New" panose="02070309020205020404" pitchFamily="49" charset="0"/>
-                <a:cs typeface="Courier New" panose="02070309020205020404" pitchFamily="49" charset="0"/>
-              </a:rPr>
-              <a:t>        String </a:t>
-            </a:r>
-            <a:r>
-              <a:rPr lang="de-DE" altLang="de-DE" sz="1600" dirty="0" err="1">
-                <a:solidFill>
-                  <a:srgbClr val="000000"/>
-                </a:solidFill>
-                <a:latin typeface="Courier New" panose="02070309020205020404" pitchFamily="49" charset="0"/>
-                <a:cs typeface="Courier New" panose="02070309020205020404" pitchFamily="49" charset="0"/>
-              </a:rPr>
-              <a:t>word</a:t>
-            </a:r>
-            <a:r>
-              <a:rPr lang="de-DE" altLang="de-DE" sz="1600" dirty="0">
-                <a:solidFill>
-                  <a:srgbClr val="000000"/>
-                </a:solidFill>
-                <a:latin typeface="Courier New" panose="02070309020205020404" pitchFamily="49" charset="0"/>
-                <a:cs typeface="Courier New" panose="02070309020205020404" pitchFamily="49" charset="0"/>
-              </a:rPr>
-              <a:t> = (String)</a:t>
-            </a:r>
-            <a:r>
-              <a:rPr lang="de-DE" altLang="de-DE" sz="1600" dirty="0" err="1">
-                <a:solidFill>
-                  <a:srgbClr val="000000"/>
-                </a:solidFill>
-                <a:latin typeface="Courier New" panose="02070309020205020404" pitchFamily="49" charset="0"/>
-                <a:cs typeface="Courier New" panose="02070309020205020404" pitchFamily="49" charset="0"/>
-              </a:rPr>
-              <a:t>it.next</a:t>
-            </a:r>
-            <a:r>
-              <a:rPr lang="de-DE" altLang="de-DE" sz="1600" dirty="0">
-                <a:solidFill>
-                  <a:srgbClr val="000000"/>
-                </a:solidFill>
-                <a:latin typeface="Courier New" panose="02070309020205020404" pitchFamily="49" charset="0"/>
-                <a:cs typeface="Courier New" panose="02070309020205020404" pitchFamily="49" charset="0"/>
-              </a:rPr>
-              <a:t>();</a:t>
-            </a:r>
-          </a:p>
-          <a:p>
-            <a:pPr lvl="0" eaLnBrk="0" fontAlgn="base" hangingPunct="0">
-              <a:spcBef>
-                <a:spcPct val="0"/>
-              </a:spcBef>
-              <a:spcAft>
-                <a:spcPct val="0"/>
-              </a:spcAft>
-            </a:pPr>
-            <a:r>
-              <a:rPr lang="de-DE" altLang="de-DE" sz="1600" dirty="0">
-                <a:solidFill>
-                  <a:srgbClr val="000000"/>
-                </a:solidFill>
-                <a:latin typeface="Courier New" panose="02070309020205020404" pitchFamily="49" charset="0"/>
-                <a:cs typeface="Courier New" panose="02070309020205020404" pitchFamily="49" charset="0"/>
-              </a:rPr>
-              <a:t>        </a:t>
-            </a:r>
-            <a:r>
-              <a:rPr lang="de-DE" altLang="de-DE" sz="1600" dirty="0" err="1">
-                <a:solidFill>
-                  <a:srgbClr val="000000"/>
-                </a:solidFill>
-                <a:latin typeface="Courier New" panose="02070309020205020404" pitchFamily="49" charset="0"/>
-                <a:cs typeface="Courier New" panose="02070309020205020404" pitchFamily="49" charset="0"/>
-              </a:rPr>
-              <a:t>Map</a:t>
-            </a:r>
-            <a:r>
-              <a:rPr lang="de-DE" altLang="de-DE" sz="1600" dirty="0">
-                <a:solidFill>
-                  <a:srgbClr val="000000"/>
-                </a:solidFill>
-                <a:latin typeface="Courier New" panose="02070309020205020404" pitchFamily="49" charset="0"/>
-                <a:cs typeface="Courier New" panose="02070309020205020404" pitchFamily="49" charset="0"/>
-              </a:rPr>
-              <a:t>&lt;String, Long&gt; </a:t>
-            </a:r>
-            <a:r>
-              <a:rPr lang="de-DE" altLang="de-DE" sz="1600" dirty="0" err="1">
-                <a:solidFill>
-                  <a:srgbClr val="000000"/>
-                </a:solidFill>
-                <a:latin typeface="Courier New" panose="02070309020205020404" pitchFamily="49" charset="0"/>
-                <a:cs typeface="Courier New" panose="02070309020205020404" pitchFamily="49" charset="0"/>
-              </a:rPr>
-              <a:t>wordCount</a:t>
-            </a:r>
-            <a:r>
-              <a:rPr lang="de-DE" altLang="de-DE" sz="1600" dirty="0">
-                <a:solidFill>
-                  <a:srgbClr val="000000"/>
-                </a:solidFill>
-                <a:latin typeface="Courier New" panose="02070309020205020404" pitchFamily="49" charset="0"/>
-                <a:cs typeface="Courier New" panose="02070309020205020404" pitchFamily="49" charset="0"/>
-              </a:rPr>
-              <a:t> = </a:t>
-            </a:r>
-            <a:r>
-              <a:rPr lang="de-DE" altLang="de-DE" sz="1600" dirty="0" err="1">
-                <a:solidFill>
-                  <a:srgbClr val="000000"/>
-                </a:solidFill>
-                <a:latin typeface="Courier New" panose="02070309020205020404" pitchFamily="49" charset="0"/>
-                <a:cs typeface="Courier New" panose="02070309020205020404" pitchFamily="49" charset="0"/>
-              </a:rPr>
-              <a:t>tokens.stream</a:t>
-            </a:r>
-            <a:r>
-              <a:rPr lang="de-DE" altLang="de-DE" sz="1600" dirty="0">
-                <a:solidFill>
-                  <a:srgbClr val="000000"/>
-                </a:solidFill>
-                <a:latin typeface="Courier New" panose="02070309020205020404" pitchFamily="49" charset="0"/>
-                <a:cs typeface="Courier New" panose="02070309020205020404" pitchFamily="49" charset="0"/>
-              </a:rPr>
-              <a:t>().</a:t>
-            </a:r>
-            <a:r>
-              <a:rPr lang="de-DE" altLang="de-DE" sz="1600" dirty="0" err="1">
-                <a:solidFill>
-                  <a:srgbClr val="000000"/>
-                </a:solidFill>
-                <a:latin typeface="Courier New" panose="02070309020205020404" pitchFamily="49" charset="0"/>
-                <a:cs typeface="Courier New" panose="02070309020205020404" pitchFamily="49" charset="0"/>
-              </a:rPr>
-              <a:t>collect</a:t>
-            </a:r>
-            <a:r>
-              <a:rPr lang="de-DE" altLang="de-DE" sz="1600" dirty="0">
-                <a:solidFill>
-                  <a:srgbClr val="000000"/>
-                </a:solidFill>
-                <a:latin typeface="Courier New" panose="02070309020205020404" pitchFamily="49" charset="0"/>
-                <a:cs typeface="Courier New" panose="02070309020205020404" pitchFamily="49" charset="0"/>
-              </a:rPr>
-              <a:t>(</a:t>
-            </a:r>
-          </a:p>
-          <a:p>
-            <a:pPr lvl="0" eaLnBrk="0" fontAlgn="base" hangingPunct="0">
-              <a:spcBef>
-                <a:spcPct val="0"/>
-              </a:spcBef>
-              <a:spcAft>
-                <a:spcPct val="0"/>
-              </a:spcAft>
-            </a:pPr>
-            <a:r>
-              <a:rPr lang="de-DE" altLang="de-DE" sz="1600" dirty="0">
-                <a:solidFill>
-                  <a:srgbClr val="000000"/>
-                </a:solidFill>
-                <a:latin typeface="Courier New" panose="02070309020205020404" pitchFamily="49" charset="0"/>
-                <a:cs typeface="Courier New" panose="02070309020205020404" pitchFamily="49" charset="0"/>
-              </a:rPr>
-              <a:t>           </a:t>
-            </a:r>
-            <a:r>
-              <a:rPr lang="de-DE" altLang="de-DE" sz="1600" dirty="0" err="1">
-                <a:solidFill>
-                  <a:srgbClr val="000000"/>
-                </a:solidFill>
-                <a:latin typeface="Courier New" panose="02070309020205020404" pitchFamily="49" charset="0"/>
-                <a:cs typeface="Courier New" panose="02070309020205020404" pitchFamily="49" charset="0"/>
-              </a:rPr>
-              <a:t>Collectors.groupingBy</a:t>
-            </a:r>
-            <a:r>
-              <a:rPr lang="de-DE" altLang="de-DE" sz="1600" dirty="0">
-                <a:solidFill>
-                  <a:srgbClr val="000000"/>
-                </a:solidFill>
-                <a:latin typeface="Courier New" panose="02070309020205020404" pitchFamily="49" charset="0"/>
-                <a:cs typeface="Courier New" panose="02070309020205020404" pitchFamily="49" charset="0"/>
-              </a:rPr>
-              <a:t>(</a:t>
-            </a:r>
-            <a:r>
-              <a:rPr lang="de-DE" altLang="de-DE" sz="1600" dirty="0" err="1">
-                <a:solidFill>
-                  <a:srgbClr val="000000"/>
-                </a:solidFill>
-                <a:latin typeface="Courier New" panose="02070309020205020404" pitchFamily="49" charset="0"/>
-                <a:cs typeface="Courier New" panose="02070309020205020404" pitchFamily="49" charset="0"/>
-              </a:rPr>
-              <a:t>Function.identity</a:t>
-            </a:r>
-            <a:r>
-              <a:rPr lang="de-DE" altLang="de-DE" sz="1600" dirty="0">
-                <a:solidFill>
-                  <a:srgbClr val="000000"/>
-                </a:solidFill>
-                <a:latin typeface="Courier New" panose="02070309020205020404" pitchFamily="49" charset="0"/>
-                <a:cs typeface="Courier New" panose="02070309020205020404" pitchFamily="49" charset="0"/>
-              </a:rPr>
-              <a:t>(),              </a:t>
-            </a:r>
-          </a:p>
-          <a:p>
-            <a:pPr lvl="0" eaLnBrk="0" fontAlgn="base" hangingPunct="0">
-              <a:spcBef>
-                <a:spcPct val="0"/>
-              </a:spcBef>
-              <a:spcAft>
-                <a:spcPct val="0"/>
-              </a:spcAft>
-            </a:pPr>
-            <a:r>
-              <a:rPr lang="de-DE" altLang="de-DE" sz="1600" dirty="0">
-                <a:solidFill>
-                  <a:srgbClr val="000000"/>
-                </a:solidFill>
-                <a:latin typeface="Courier New" panose="02070309020205020404" pitchFamily="49" charset="0"/>
-                <a:cs typeface="Courier New" panose="02070309020205020404" pitchFamily="49" charset="0"/>
-              </a:rPr>
-              <a:t>           </a:t>
-            </a:r>
-            <a:r>
-              <a:rPr lang="de-DE" altLang="de-DE" sz="1600" dirty="0" err="1">
-                <a:solidFill>
-                  <a:srgbClr val="000000"/>
-                </a:solidFill>
-                <a:latin typeface="Courier New" panose="02070309020205020404" pitchFamily="49" charset="0"/>
-                <a:cs typeface="Courier New" panose="02070309020205020404" pitchFamily="49" charset="0"/>
-              </a:rPr>
-              <a:t>Collectors.counting</a:t>
-            </a:r>
-            <a:r>
-              <a:rPr lang="de-DE" altLang="de-DE" sz="1600" dirty="0">
-                <a:solidFill>
-                  <a:srgbClr val="000000"/>
-                </a:solidFill>
-                <a:latin typeface="Courier New" panose="02070309020205020404" pitchFamily="49" charset="0"/>
-                <a:cs typeface="Courier New" panose="02070309020205020404" pitchFamily="49" charset="0"/>
-              </a:rPr>
-              <a:t>())</a:t>
-            </a:r>
-          </a:p>
-          <a:p>
-            <a:pPr lvl="0" eaLnBrk="0" fontAlgn="base" hangingPunct="0">
-              <a:spcBef>
-                <a:spcPct val="0"/>
-              </a:spcBef>
-              <a:spcAft>
-                <a:spcPct val="0"/>
-              </a:spcAft>
-            </a:pPr>
-            <a:r>
-              <a:rPr lang="de-DE" altLang="de-DE" sz="1600" dirty="0">
-                <a:solidFill>
-                  <a:srgbClr val="000000"/>
-                </a:solidFill>
-                <a:latin typeface="Courier New" panose="02070309020205020404" pitchFamily="49" charset="0"/>
-                <a:cs typeface="Courier New" panose="02070309020205020404" pitchFamily="49" charset="0"/>
-              </a:rPr>
-              <a:t>        );</a:t>
-            </a:r>
-          </a:p>
-          <a:p>
-            <a:pPr lvl="0" eaLnBrk="0" fontAlgn="base" hangingPunct="0">
-              <a:spcBef>
-                <a:spcPct val="0"/>
-              </a:spcBef>
-              <a:spcAft>
-                <a:spcPct val="0"/>
-              </a:spcAft>
-            </a:pPr>
-            <a:r>
-              <a:rPr lang="de-DE" altLang="de-DE" sz="1600" dirty="0">
-                <a:solidFill>
-                  <a:srgbClr val="000000"/>
-                </a:solidFill>
-                <a:latin typeface="Courier New" panose="02070309020205020404" pitchFamily="49" charset="0"/>
-                <a:cs typeface="Courier New" panose="02070309020205020404" pitchFamily="49" charset="0"/>
-              </a:rPr>
-              <a:t>        </a:t>
-            </a:r>
-            <a:r>
-              <a:rPr lang="de-DE" altLang="de-DE" sz="1600" dirty="0" err="1">
-                <a:solidFill>
-                  <a:srgbClr val="000000"/>
-                </a:solidFill>
-                <a:latin typeface="Courier New" panose="02070309020205020404" pitchFamily="49" charset="0"/>
-                <a:cs typeface="Courier New" panose="02070309020205020404" pitchFamily="49" charset="0"/>
-              </a:rPr>
-              <a:t>int</a:t>
-            </a:r>
-            <a:r>
-              <a:rPr lang="de-DE" altLang="de-DE" sz="1600" dirty="0">
-                <a:solidFill>
-                  <a:srgbClr val="000000"/>
-                </a:solidFill>
-                <a:latin typeface="Courier New" panose="02070309020205020404" pitchFamily="49" charset="0"/>
-                <a:cs typeface="Courier New" panose="02070309020205020404" pitchFamily="49" charset="0"/>
-              </a:rPr>
-              <a:t> </a:t>
-            </a:r>
-            <a:r>
-              <a:rPr lang="de-DE" altLang="de-DE" sz="1600" dirty="0" err="1">
-                <a:solidFill>
-                  <a:srgbClr val="000000"/>
-                </a:solidFill>
-                <a:latin typeface="Courier New" panose="02070309020205020404" pitchFamily="49" charset="0"/>
-                <a:cs typeface="Courier New" panose="02070309020205020404" pitchFamily="49" charset="0"/>
-              </a:rPr>
-              <a:t>count</a:t>
-            </a:r>
-            <a:r>
-              <a:rPr lang="de-DE" altLang="de-DE" sz="1600" dirty="0">
-                <a:solidFill>
-                  <a:srgbClr val="000000"/>
-                </a:solidFill>
-                <a:latin typeface="Courier New" panose="02070309020205020404" pitchFamily="49" charset="0"/>
-                <a:cs typeface="Courier New" panose="02070309020205020404" pitchFamily="49" charset="0"/>
-              </a:rPr>
-              <a:t> = </a:t>
-            </a:r>
-            <a:r>
-              <a:rPr lang="de-DE" altLang="de-DE" sz="1600" dirty="0" err="1">
-                <a:solidFill>
-                  <a:srgbClr val="000000"/>
-                </a:solidFill>
-                <a:latin typeface="Courier New" panose="02070309020205020404" pitchFamily="49" charset="0"/>
-                <a:cs typeface="Courier New" panose="02070309020205020404" pitchFamily="49" charset="0"/>
-              </a:rPr>
-              <a:t>wordCount.getOrDefault</a:t>
-            </a:r>
-            <a:r>
-              <a:rPr lang="de-DE" altLang="de-DE" sz="1600" dirty="0">
-                <a:solidFill>
-                  <a:srgbClr val="000000"/>
-                </a:solidFill>
-                <a:latin typeface="Courier New" panose="02070309020205020404" pitchFamily="49" charset="0"/>
-                <a:cs typeface="Courier New" panose="02070309020205020404" pitchFamily="49" charset="0"/>
-              </a:rPr>
-              <a:t>(</a:t>
-            </a:r>
-            <a:r>
-              <a:rPr lang="de-DE" altLang="de-DE" sz="1600" dirty="0" err="1">
-                <a:solidFill>
-                  <a:srgbClr val="000000"/>
-                </a:solidFill>
-                <a:latin typeface="Courier New" panose="02070309020205020404" pitchFamily="49" charset="0"/>
-                <a:cs typeface="Courier New" panose="02070309020205020404" pitchFamily="49" charset="0"/>
-              </a:rPr>
-              <a:t>word</a:t>
-            </a:r>
-            <a:r>
-              <a:rPr lang="de-DE" altLang="de-DE" sz="1600" dirty="0">
-                <a:solidFill>
-                  <a:srgbClr val="000000"/>
-                </a:solidFill>
-                <a:latin typeface="Courier New" panose="02070309020205020404" pitchFamily="49" charset="0"/>
-                <a:cs typeface="Courier New" panose="02070309020205020404" pitchFamily="49" charset="0"/>
-              </a:rPr>
-              <a:t>, 0L).</a:t>
-            </a:r>
-            <a:r>
-              <a:rPr lang="de-DE" altLang="de-DE" sz="1600" dirty="0" err="1">
-                <a:solidFill>
-                  <a:srgbClr val="000000"/>
-                </a:solidFill>
-                <a:latin typeface="Courier New" panose="02070309020205020404" pitchFamily="49" charset="0"/>
-                <a:cs typeface="Courier New" panose="02070309020205020404" pitchFamily="49" charset="0"/>
-              </a:rPr>
-              <a:t>intValue</a:t>
-            </a:r>
-            <a:r>
-              <a:rPr lang="de-DE" altLang="de-DE" sz="1600" dirty="0">
-                <a:solidFill>
-                  <a:srgbClr val="000000"/>
-                </a:solidFill>
-                <a:latin typeface="Courier New" panose="02070309020205020404" pitchFamily="49" charset="0"/>
-                <a:cs typeface="Courier New" panose="02070309020205020404" pitchFamily="49" charset="0"/>
-              </a:rPr>
-              <a:t>();</a:t>
-            </a:r>
-          </a:p>
-          <a:p>
-            <a:pPr lvl="0" eaLnBrk="0" fontAlgn="base" hangingPunct="0">
-              <a:spcBef>
-                <a:spcPct val="0"/>
-              </a:spcBef>
-              <a:spcAft>
-                <a:spcPct val="0"/>
-              </a:spcAft>
-            </a:pPr>
-            <a:r>
-              <a:rPr lang="de-DE" altLang="de-DE" sz="1600" dirty="0">
-                <a:solidFill>
-                  <a:srgbClr val="000000"/>
-                </a:solidFill>
-                <a:latin typeface="Courier New" panose="02070309020205020404" pitchFamily="49" charset="0"/>
-                <a:cs typeface="Courier New" panose="02070309020205020404" pitchFamily="49" charset="0"/>
-              </a:rPr>
-              <a:t>        </a:t>
-            </a:r>
-            <a:r>
-              <a:rPr lang="de-DE" altLang="de-DE" sz="1600" dirty="0" err="1">
-                <a:solidFill>
-                  <a:srgbClr val="000000"/>
-                </a:solidFill>
-                <a:latin typeface="Courier New" panose="02070309020205020404" pitchFamily="49" charset="0"/>
-                <a:cs typeface="Courier New" panose="02070309020205020404" pitchFamily="49" charset="0"/>
-              </a:rPr>
-              <a:t>vec.put</a:t>
-            </a:r>
-            <a:r>
-              <a:rPr lang="de-DE" altLang="de-DE" sz="1600" dirty="0">
-                <a:solidFill>
-                  <a:srgbClr val="000000"/>
-                </a:solidFill>
-                <a:latin typeface="Courier New" panose="02070309020205020404" pitchFamily="49" charset="0"/>
-                <a:cs typeface="Courier New" panose="02070309020205020404" pitchFamily="49" charset="0"/>
-              </a:rPr>
-              <a:t>(</a:t>
-            </a:r>
-            <a:r>
-              <a:rPr lang="de-DE" altLang="de-DE" sz="1600" dirty="0" err="1">
-                <a:solidFill>
-                  <a:srgbClr val="000000"/>
-                </a:solidFill>
-                <a:latin typeface="Courier New" panose="02070309020205020404" pitchFamily="49" charset="0"/>
-                <a:cs typeface="Courier New" panose="02070309020205020404" pitchFamily="49" charset="0"/>
-              </a:rPr>
-              <a:t>word</a:t>
-            </a:r>
-            <a:r>
-              <a:rPr lang="de-DE" altLang="de-DE" sz="1600" dirty="0">
-                <a:solidFill>
-                  <a:srgbClr val="000000"/>
-                </a:solidFill>
-                <a:latin typeface="Courier New" panose="02070309020205020404" pitchFamily="49" charset="0"/>
-                <a:cs typeface="Courier New" panose="02070309020205020404" pitchFamily="49" charset="0"/>
-              </a:rPr>
-              <a:t>, </a:t>
-            </a:r>
-            <a:r>
-              <a:rPr lang="de-DE" altLang="de-DE" sz="1600" dirty="0" err="1">
-                <a:solidFill>
-                  <a:srgbClr val="000000"/>
-                </a:solidFill>
-                <a:latin typeface="Courier New" panose="02070309020205020404" pitchFamily="49" charset="0"/>
-                <a:cs typeface="Courier New" panose="02070309020205020404" pitchFamily="49" charset="0"/>
-              </a:rPr>
-              <a:t>count</a:t>
-            </a:r>
-            <a:r>
-              <a:rPr lang="de-DE" altLang="de-DE" sz="1600" dirty="0">
-                <a:solidFill>
-                  <a:srgbClr val="000000"/>
-                </a:solidFill>
-                <a:latin typeface="Courier New" panose="02070309020205020404" pitchFamily="49" charset="0"/>
-                <a:cs typeface="Courier New" panose="02070309020205020404" pitchFamily="49" charset="0"/>
-              </a:rPr>
-              <a:t>);</a:t>
-            </a:r>
-          </a:p>
-          <a:p>
-            <a:pPr lvl="0" eaLnBrk="0" fontAlgn="base" hangingPunct="0">
-              <a:spcBef>
-                <a:spcPct val="0"/>
-              </a:spcBef>
-              <a:spcAft>
-                <a:spcPct val="0"/>
-              </a:spcAft>
-            </a:pPr>
-            <a:r>
-              <a:rPr lang="de-DE" altLang="de-DE" sz="1600" dirty="0">
-                <a:solidFill>
-                  <a:srgbClr val="000000"/>
-                </a:solidFill>
-                <a:latin typeface="Courier New" panose="02070309020205020404" pitchFamily="49" charset="0"/>
-                <a:cs typeface="Courier New" panose="02070309020205020404" pitchFamily="49" charset="0"/>
-              </a:rPr>
-              <a:t>    }</a:t>
             </a:r>
           </a:p>
           <a:p>
@@ -15177,6 +13959,16 @@
               <a:tabLst/>
             </a:pPr>
             <a:r>
+              <a:rPr lang="de-DE" altLang="de-DE" sz="1600" dirty="0">
+                <a:solidFill>
+                  <a:srgbClr val="000000"/>
+                </a:solidFill>
+                <a:latin typeface="Courier New" panose="02070309020205020404" pitchFamily="49" charset="0"/>
+                <a:cs typeface="Courier New" panose="02070309020205020404" pitchFamily="49" charset="0"/>
+              </a:rPr>
+              <a:t>  </a:t>
+            </a:r>
+            <a:r>
               <a:rPr kumimoji="0" lang="de-DE" altLang="de-DE" sz="1600" b="0" i="0" u="none" strike="noStrike" cap="none" normalizeH="0" baseline="0" dirty="0">
                 <a:ln>
                   <a:noFill/>
@@ -15188,25 +13980,17 @@
                 <a:latin typeface="Courier New" panose="02070309020205020404" pitchFamily="49" charset="0"/>
                 <a:cs typeface="Courier New" panose="02070309020205020404" pitchFamily="49" charset="0"/>
               </a:rPr>
-              <a:t>       </a:t>
-            </a:r>
-          </a:p>
-          <a:p>
-            <a:pPr marL="0" marR="0" lvl="0" indent="0" algn="l" defTabSz="914400" rtl="0" eaLnBrk="0" fontAlgn="base" latinLnBrk="0" hangingPunct="0">
-              <a:lnSpc>
-                <a:spcPct val="100000"/>
-              </a:lnSpc>
+              <a:t>(review) -&gt; {</a:t>
+            </a:r>
+          </a:p>
+          <a:p>
+            <a:pPr lvl="1" eaLnBrk="0" fontAlgn="base" hangingPunct="0">
               <a:spcBef>
                 <a:spcPct val="0"/>
               </a:spcBef>
               <a:spcAft>
                 <a:spcPct val="0"/>
               </a:spcAft>
-              <a:buClrTx/>
-              <a:buSzTx/>
-              <a:buFontTx/>
-              <a:buNone/>
-              <a:tabLst/>
             </a:pPr>
             <a:r>
               <a:rPr lang="de-DE" altLang="de-DE" sz="1600" dirty="0">
@@ -15216,7 +14000,1277 @@
                 <a:latin typeface="Courier New" panose="02070309020205020404" pitchFamily="49" charset="0"/>
                 <a:cs typeface="Courier New" panose="02070309020205020404" pitchFamily="49" charset="0"/>
               </a:rPr>
-              <a:t>    </a:t>
+              <a:t>  List&lt;String&gt; </a:t>
+            </a:r>
+            <a:r>
+              <a:rPr lang="de-DE" altLang="de-DE" sz="1600" dirty="0" err="1">
+                <a:solidFill>
+                  <a:srgbClr val="000000"/>
+                </a:solidFill>
+                <a:latin typeface="Courier New" panose="02070309020205020404" pitchFamily="49" charset="0"/>
+                <a:cs typeface="Courier New" panose="02070309020205020404" pitchFamily="49" charset="0"/>
+              </a:rPr>
+              <a:t>tokens</a:t>
+            </a:r>
+            <a:r>
+              <a:rPr lang="de-DE" altLang="de-DE" sz="1600" dirty="0">
+                <a:solidFill>
+                  <a:srgbClr val="000000"/>
+                </a:solidFill>
+                <a:latin typeface="Courier New" panose="02070309020205020404" pitchFamily="49" charset="0"/>
+                <a:cs typeface="Courier New" panose="02070309020205020404" pitchFamily="49" charset="0"/>
+              </a:rPr>
+              <a:t> = _</a:t>
+            </a:r>
+            <a:r>
+              <a:rPr lang="de-DE" altLang="de-DE" sz="1600" dirty="0" err="1">
+                <a:solidFill>
+                  <a:srgbClr val="000000"/>
+                </a:solidFill>
+                <a:latin typeface="Courier New" panose="02070309020205020404" pitchFamily="49" charset="0"/>
+                <a:cs typeface="Courier New" panose="02070309020205020404" pitchFamily="49" charset="0"/>
+              </a:rPr>
+              <a:t>cache.getOrDefault</a:t>
+            </a:r>
+            <a:r>
+              <a:rPr lang="de-DE" altLang="de-DE" sz="1600" dirty="0">
+                <a:solidFill>
+                  <a:srgbClr val="000000"/>
+                </a:solidFill>
+                <a:latin typeface="Courier New" panose="02070309020205020404" pitchFamily="49" charset="0"/>
+                <a:cs typeface="Courier New" panose="02070309020205020404" pitchFamily="49" charset="0"/>
+              </a:rPr>
+              <a:t>(review, null);</a:t>
+            </a:r>
+          </a:p>
+          <a:p>
+            <a:pPr lvl="1" eaLnBrk="0" fontAlgn="base" hangingPunct="0">
+              <a:spcBef>
+                <a:spcPct val="0"/>
+              </a:spcBef>
+              <a:spcAft>
+                <a:spcPct val="0"/>
+              </a:spcAft>
+            </a:pPr>
+            <a:r>
+              <a:rPr lang="de-DE" altLang="de-DE" sz="1600" dirty="0">
+                <a:solidFill>
+                  <a:srgbClr val="000000"/>
+                </a:solidFill>
+                <a:latin typeface="Courier New" panose="02070309020205020404" pitchFamily="49" charset="0"/>
+                <a:cs typeface="Courier New" panose="02070309020205020404" pitchFamily="49" charset="0"/>
+              </a:rPr>
+              <a:t>  </a:t>
+            </a:r>
+            <a:r>
+              <a:rPr lang="de-DE" altLang="de-DE" sz="1600" dirty="0" err="1">
+                <a:solidFill>
+                  <a:srgbClr val="000000"/>
+                </a:solidFill>
+                <a:latin typeface="Courier New" panose="02070309020205020404" pitchFamily="49" charset="0"/>
+                <a:cs typeface="Courier New" panose="02070309020205020404" pitchFamily="49" charset="0"/>
+              </a:rPr>
+              <a:t>if</a:t>
+            </a:r>
+            <a:r>
+              <a:rPr lang="de-DE" altLang="de-DE" sz="1600" dirty="0">
+                <a:solidFill>
+                  <a:srgbClr val="000000"/>
+                </a:solidFill>
+                <a:latin typeface="Courier New" panose="02070309020205020404" pitchFamily="49" charset="0"/>
+                <a:cs typeface="Courier New" panose="02070309020205020404" pitchFamily="49" charset="0"/>
+              </a:rPr>
+              <a:t>(</a:t>
+            </a:r>
+            <a:r>
+              <a:rPr lang="de-DE" altLang="de-DE" sz="1600" dirty="0" err="1">
+                <a:solidFill>
+                  <a:srgbClr val="000000"/>
+                </a:solidFill>
+                <a:latin typeface="Courier New" panose="02070309020205020404" pitchFamily="49" charset="0"/>
+                <a:cs typeface="Courier New" panose="02070309020205020404" pitchFamily="49" charset="0"/>
+              </a:rPr>
+              <a:t>tokens</a:t>
+            </a:r>
+            <a:r>
+              <a:rPr lang="de-DE" altLang="de-DE" sz="1600" dirty="0">
+                <a:solidFill>
+                  <a:srgbClr val="000000"/>
+                </a:solidFill>
+                <a:latin typeface="Courier New" panose="02070309020205020404" pitchFamily="49" charset="0"/>
+                <a:cs typeface="Courier New" panose="02070309020205020404" pitchFamily="49" charset="0"/>
+              </a:rPr>
+              <a:t> == null) {</a:t>
+            </a:r>
+          </a:p>
+          <a:p>
+            <a:pPr lvl="1" eaLnBrk="0" fontAlgn="base" hangingPunct="0">
+              <a:spcBef>
+                <a:spcPct val="0"/>
+              </a:spcBef>
+              <a:spcAft>
+                <a:spcPct val="0"/>
+              </a:spcAft>
+            </a:pPr>
+            <a:r>
+              <a:rPr lang="de-DE" altLang="de-DE" sz="1600" dirty="0">
+                <a:solidFill>
+                  <a:srgbClr val="000000"/>
+                </a:solidFill>
+                <a:latin typeface="Courier New" panose="02070309020205020404" pitchFamily="49" charset="0"/>
+                <a:cs typeface="Courier New" panose="02070309020205020404" pitchFamily="49" charset="0"/>
+              </a:rPr>
+              <a:t>      </a:t>
+            </a:r>
+            <a:r>
+              <a:rPr lang="de-DE" altLang="de-DE" sz="1600" dirty="0" err="1">
+                <a:solidFill>
+                  <a:srgbClr val="000000"/>
+                </a:solidFill>
+                <a:latin typeface="Courier New" panose="02070309020205020404" pitchFamily="49" charset="0"/>
+                <a:cs typeface="Courier New" panose="02070309020205020404" pitchFamily="49" charset="0"/>
+              </a:rPr>
+              <a:t>tokens</a:t>
+            </a:r>
+            <a:r>
+              <a:rPr lang="de-DE" altLang="de-DE" sz="1600" dirty="0">
+                <a:solidFill>
+                  <a:srgbClr val="000000"/>
+                </a:solidFill>
+                <a:latin typeface="Courier New" panose="02070309020205020404" pitchFamily="49" charset="0"/>
+                <a:cs typeface="Courier New" panose="02070309020205020404" pitchFamily="49" charset="0"/>
+              </a:rPr>
+              <a:t> = </a:t>
+            </a:r>
+            <a:r>
+              <a:rPr lang="de-DE" altLang="de-DE" sz="1600" dirty="0" err="1">
+                <a:solidFill>
+                  <a:srgbClr val="000000"/>
+                </a:solidFill>
+                <a:latin typeface="Courier New" panose="02070309020205020404" pitchFamily="49" charset="0"/>
+                <a:cs typeface="Courier New" panose="02070309020205020404" pitchFamily="49" charset="0"/>
+              </a:rPr>
+              <a:t>PipelineFactory</a:t>
+            </a:r>
+            <a:endParaRPr lang="de-DE" altLang="de-DE" sz="1600" dirty="0">
+              <a:solidFill>
+                <a:srgbClr val="000000"/>
+              </a:solidFill>
+              <a:latin typeface="Courier New" panose="02070309020205020404" pitchFamily="49" charset="0"/>
+              <a:cs typeface="Courier New" panose="02070309020205020404" pitchFamily="49" charset="0"/>
+            </a:endParaRPr>
+          </a:p>
+          <a:p>
+            <a:pPr lvl="1" eaLnBrk="0" fontAlgn="base" hangingPunct="0">
+              <a:spcBef>
+                <a:spcPct val="0"/>
+              </a:spcBef>
+              <a:spcAft>
+                <a:spcPct val="0"/>
+              </a:spcAft>
+            </a:pPr>
+            <a:r>
+              <a:rPr lang="de-DE" altLang="de-DE" sz="1600" dirty="0">
+                <a:solidFill>
+                  <a:srgbClr val="000000"/>
+                </a:solidFill>
+                <a:latin typeface="Courier New" panose="02070309020205020404" pitchFamily="49" charset="0"/>
+                <a:cs typeface="Courier New" panose="02070309020205020404" pitchFamily="49" charset="0"/>
+              </a:rPr>
+              <a:t>          .</a:t>
+            </a:r>
+            <a:r>
+              <a:rPr lang="de-DE" altLang="de-DE" sz="1600" dirty="0" err="1">
+                <a:solidFill>
+                  <a:srgbClr val="000000"/>
+                </a:solidFill>
+                <a:latin typeface="Courier New" panose="02070309020205020404" pitchFamily="49" charset="0"/>
+                <a:cs typeface="Courier New" panose="02070309020205020404" pitchFamily="49" charset="0"/>
+              </a:rPr>
+              <a:t>start</a:t>
+            </a:r>
+            <a:r>
+              <a:rPr lang="de-DE" altLang="de-DE" sz="1600" dirty="0">
+                <a:solidFill>
+                  <a:srgbClr val="000000"/>
+                </a:solidFill>
+                <a:latin typeface="Courier New" panose="02070309020205020404" pitchFamily="49" charset="0"/>
+                <a:cs typeface="Courier New" panose="02070309020205020404" pitchFamily="49" charset="0"/>
+              </a:rPr>
+              <a:t>(</a:t>
+            </a:r>
+            <a:r>
+              <a:rPr lang="fr-CH" altLang="de-DE" sz="1600" dirty="0" err="1">
+                <a:solidFill>
+                  <a:srgbClr val="000000"/>
+                </a:solidFill>
+                <a:latin typeface="Courier New" panose="02070309020205020404" pitchFamily="49" charset="0"/>
+                <a:cs typeface="Courier New" panose="02070309020205020404" pitchFamily="49" charset="0"/>
+              </a:rPr>
+              <a:t>Preprocessing</a:t>
+            </a:r>
+            <a:r>
+              <a:rPr lang="fr-CH" altLang="de-DE" sz="1600" dirty="0">
+                <a:solidFill>
+                  <a:srgbClr val="000000"/>
+                </a:solidFill>
+                <a:latin typeface="Courier New" panose="02070309020205020404" pitchFamily="49" charset="0"/>
+                <a:cs typeface="Courier New" panose="02070309020205020404" pitchFamily="49" charset="0"/>
+              </a:rPr>
+              <a:t>.</a:t>
+            </a:r>
+            <a:r>
+              <a:rPr lang="de-DE" altLang="de-DE" sz="1600" b="1" dirty="0" err="1">
+                <a:solidFill>
+                  <a:srgbClr val="660E7A"/>
+                </a:solidFill>
+                <a:latin typeface="Courier New" panose="02070309020205020404" pitchFamily="49" charset="0"/>
+                <a:cs typeface="Courier New" panose="02070309020205020404" pitchFamily="49" charset="0"/>
+              </a:rPr>
+              <a:t>negationFilter</a:t>
+            </a:r>
+            <a:r>
+              <a:rPr lang="de-DE" altLang="de-DE" sz="1600" dirty="0">
+                <a:solidFill>
+                  <a:srgbClr val="000000"/>
+                </a:solidFill>
+                <a:latin typeface="Courier New" panose="02070309020205020404" pitchFamily="49" charset="0"/>
+                <a:cs typeface="Courier New" panose="02070309020205020404" pitchFamily="49" charset="0"/>
+              </a:rPr>
+              <a:t>)</a:t>
+            </a:r>
+          </a:p>
+          <a:p>
+            <a:pPr lvl="1" eaLnBrk="0" fontAlgn="base" hangingPunct="0">
+              <a:spcBef>
+                <a:spcPct val="0"/>
+              </a:spcBef>
+              <a:spcAft>
+                <a:spcPct val="0"/>
+              </a:spcAft>
+            </a:pPr>
+            <a:r>
+              <a:rPr lang="de-DE" altLang="de-DE" sz="1600" dirty="0">
+                <a:solidFill>
+                  <a:srgbClr val="000000"/>
+                </a:solidFill>
+                <a:latin typeface="Courier New" panose="02070309020205020404" pitchFamily="49" charset="0"/>
+                <a:cs typeface="Courier New" panose="02070309020205020404" pitchFamily="49" charset="0"/>
+              </a:rPr>
+              <a:t>          .</a:t>
+            </a:r>
+            <a:r>
+              <a:rPr lang="de-DE" altLang="de-DE" sz="1600" dirty="0" err="1">
+                <a:solidFill>
+                  <a:srgbClr val="000000"/>
+                </a:solidFill>
+                <a:latin typeface="Courier New" panose="02070309020205020404" pitchFamily="49" charset="0"/>
+                <a:cs typeface="Courier New" panose="02070309020205020404" pitchFamily="49" charset="0"/>
+              </a:rPr>
+              <a:t>append</a:t>
+            </a:r>
+            <a:r>
+              <a:rPr lang="de-DE" altLang="de-DE" sz="1600" dirty="0">
+                <a:solidFill>
+                  <a:srgbClr val="000000"/>
+                </a:solidFill>
+                <a:latin typeface="Courier New" panose="02070309020205020404" pitchFamily="49" charset="0"/>
+                <a:cs typeface="Courier New" panose="02070309020205020404" pitchFamily="49" charset="0"/>
+              </a:rPr>
+              <a:t>(</a:t>
+            </a:r>
+            <a:r>
+              <a:rPr lang="fr-CH" altLang="de-DE" sz="1600" dirty="0" err="1">
+                <a:solidFill>
+                  <a:srgbClr val="000000"/>
+                </a:solidFill>
+                <a:latin typeface="Courier New" panose="02070309020205020404" pitchFamily="49" charset="0"/>
+                <a:cs typeface="Courier New" panose="02070309020205020404" pitchFamily="49" charset="0"/>
+              </a:rPr>
+              <a:t>Preprocessing</a:t>
+            </a:r>
+            <a:r>
+              <a:rPr lang="fr-CH" altLang="de-DE" sz="1600" dirty="0">
+                <a:solidFill>
+                  <a:srgbClr val="000000"/>
+                </a:solidFill>
+                <a:latin typeface="Courier New" panose="02070309020205020404" pitchFamily="49" charset="0"/>
+                <a:cs typeface="Courier New" panose="02070309020205020404" pitchFamily="49" charset="0"/>
+              </a:rPr>
+              <a:t>.</a:t>
+            </a:r>
+            <a:r>
+              <a:rPr lang="de-DE" altLang="de-DE" sz="1600" b="1" dirty="0" err="1">
+                <a:solidFill>
+                  <a:srgbClr val="660E7A"/>
+                </a:solidFill>
+                <a:latin typeface="Courier New" panose="02070309020205020404" pitchFamily="49" charset="0"/>
+                <a:cs typeface="Courier New" panose="02070309020205020404" pitchFamily="49" charset="0"/>
+              </a:rPr>
+              <a:t>nGramTokenizer</a:t>
+            </a:r>
+            <a:r>
+              <a:rPr lang="de-DE" altLang="de-DE" sz="1600" dirty="0">
+                <a:solidFill>
+                  <a:srgbClr val="000000"/>
+                </a:solidFill>
+                <a:latin typeface="Courier New" panose="02070309020205020404" pitchFamily="49" charset="0"/>
+                <a:cs typeface="Courier New" panose="02070309020205020404" pitchFamily="49" charset="0"/>
+              </a:rPr>
+              <a:t>)</a:t>
+            </a:r>
+          </a:p>
+          <a:p>
+            <a:pPr lvl="1" eaLnBrk="0" fontAlgn="base" hangingPunct="0">
+              <a:spcBef>
+                <a:spcPct val="0"/>
+              </a:spcBef>
+              <a:spcAft>
+                <a:spcPct val="0"/>
+              </a:spcAft>
+            </a:pPr>
+            <a:r>
+              <a:rPr lang="de-DE" altLang="de-DE" sz="1600" dirty="0">
+                <a:solidFill>
+                  <a:srgbClr val="000000"/>
+                </a:solidFill>
+                <a:latin typeface="Courier New" panose="02070309020205020404" pitchFamily="49" charset="0"/>
+                <a:cs typeface="Courier New" panose="02070309020205020404" pitchFamily="49" charset="0"/>
+              </a:rPr>
+              <a:t>          .</a:t>
+            </a:r>
+            <a:r>
+              <a:rPr lang="de-DE" altLang="de-DE" sz="1600" dirty="0" err="1">
+                <a:solidFill>
+                  <a:srgbClr val="000000"/>
+                </a:solidFill>
+                <a:latin typeface="Courier New" panose="02070309020205020404" pitchFamily="49" charset="0"/>
+                <a:cs typeface="Courier New" panose="02070309020205020404" pitchFamily="49" charset="0"/>
+              </a:rPr>
+              <a:t>append</a:t>
+            </a:r>
+            <a:r>
+              <a:rPr lang="de-DE" altLang="de-DE" sz="1600" dirty="0">
+                <a:solidFill>
+                  <a:srgbClr val="000000"/>
+                </a:solidFill>
+                <a:latin typeface="Courier New" panose="02070309020205020404" pitchFamily="49" charset="0"/>
+                <a:cs typeface="Courier New" panose="02070309020205020404" pitchFamily="49" charset="0"/>
+              </a:rPr>
+              <a:t>(</a:t>
+            </a:r>
+            <a:r>
+              <a:rPr lang="de-DE" altLang="de-DE" sz="1600" dirty="0" err="1">
+                <a:solidFill>
+                  <a:srgbClr val="000000"/>
+                </a:solidFill>
+                <a:latin typeface="Courier New" panose="02070309020205020404" pitchFamily="49" charset="0"/>
+                <a:cs typeface="Courier New" panose="02070309020205020404" pitchFamily="49" charset="0"/>
+              </a:rPr>
+              <a:t>Preprocessing.</a:t>
+            </a:r>
+            <a:r>
+              <a:rPr lang="de-DE" altLang="de-DE" sz="1600" b="1" dirty="0" err="1">
+                <a:solidFill>
+                  <a:srgbClr val="660E7A"/>
+                </a:solidFill>
+                <a:latin typeface="Courier New" panose="02070309020205020404" pitchFamily="49" charset="0"/>
+                <a:cs typeface="Courier New" panose="02070309020205020404" pitchFamily="49" charset="0"/>
+              </a:rPr>
+              <a:t>stopwordFilter</a:t>
+            </a:r>
+            <a:r>
+              <a:rPr lang="de-DE" altLang="de-DE" sz="1600" dirty="0">
+                <a:solidFill>
+                  <a:srgbClr val="000000"/>
+                </a:solidFill>
+                <a:latin typeface="Courier New" panose="02070309020205020404" pitchFamily="49" charset="0"/>
+                <a:cs typeface="Courier New" panose="02070309020205020404" pitchFamily="49" charset="0"/>
+              </a:rPr>
+              <a:t>)</a:t>
+            </a:r>
+          </a:p>
+          <a:p>
+            <a:pPr lvl="1" eaLnBrk="0" fontAlgn="base" hangingPunct="0">
+              <a:spcBef>
+                <a:spcPct val="0"/>
+              </a:spcBef>
+              <a:spcAft>
+                <a:spcPct val="0"/>
+              </a:spcAft>
+            </a:pPr>
+            <a:r>
+              <a:rPr lang="de-DE" altLang="de-DE" sz="1600" dirty="0">
+                <a:solidFill>
+                  <a:srgbClr val="000000"/>
+                </a:solidFill>
+                <a:latin typeface="Courier New" panose="02070309020205020404" pitchFamily="49" charset="0"/>
+                <a:cs typeface="Courier New" panose="02070309020205020404" pitchFamily="49" charset="0"/>
+              </a:rPr>
+              <a:t>          .</a:t>
+            </a:r>
+            <a:r>
+              <a:rPr lang="de-DE" altLang="de-DE" sz="1600" dirty="0" err="1">
+                <a:solidFill>
+                  <a:srgbClr val="000000"/>
+                </a:solidFill>
+                <a:latin typeface="Courier New" panose="02070309020205020404" pitchFamily="49" charset="0"/>
+                <a:cs typeface="Courier New" panose="02070309020205020404" pitchFamily="49" charset="0"/>
+              </a:rPr>
+              <a:t>run</a:t>
+            </a:r>
+            <a:r>
+              <a:rPr lang="de-DE" altLang="de-DE" sz="1600" dirty="0">
+                <a:solidFill>
+                  <a:srgbClr val="000000"/>
+                </a:solidFill>
+                <a:latin typeface="Courier New" panose="02070309020205020404" pitchFamily="49" charset="0"/>
+                <a:cs typeface="Courier New" panose="02070309020205020404" pitchFamily="49" charset="0"/>
+              </a:rPr>
+              <a:t>(review);</a:t>
+            </a:r>
+          </a:p>
+          <a:p>
+            <a:pPr lvl="1" eaLnBrk="0" fontAlgn="base" hangingPunct="0">
+              <a:spcBef>
+                <a:spcPct val="0"/>
+              </a:spcBef>
+              <a:spcAft>
+                <a:spcPct val="0"/>
+              </a:spcAft>
+            </a:pPr>
+            <a:r>
+              <a:rPr lang="de-DE" altLang="de-DE" sz="1600" dirty="0">
+                <a:solidFill>
+                  <a:srgbClr val="000000"/>
+                </a:solidFill>
+                <a:latin typeface="Courier New" panose="02070309020205020404" pitchFamily="49" charset="0"/>
+                <a:cs typeface="Courier New" panose="02070309020205020404" pitchFamily="49" charset="0"/>
+              </a:rPr>
+              <a:t>  }</a:t>
+            </a:r>
+          </a:p>
+          <a:p>
+            <a:pPr lvl="1" eaLnBrk="0" fontAlgn="base" hangingPunct="0">
+              <a:spcBef>
+                <a:spcPct val="0"/>
+              </a:spcBef>
+              <a:spcAft>
+                <a:spcPct val="0"/>
+              </a:spcAft>
+            </a:pPr>
+            <a:endParaRPr lang="de-DE" altLang="de-DE" sz="1600" dirty="0">
+              <a:solidFill>
+                <a:srgbClr val="000000"/>
+              </a:solidFill>
+              <a:latin typeface="Courier New" panose="02070309020205020404" pitchFamily="49" charset="0"/>
+              <a:cs typeface="Courier New" panose="02070309020205020404" pitchFamily="49" charset="0"/>
+            </a:endParaRPr>
+          </a:p>
+          <a:p>
+            <a:pPr lvl="1" eaLnBrk="0" fontAlgn="base" hangingPunct="0">
+              <a:spcBef>
+                <a:spcPct val="0"/>
+              </a:spcBef>
+              <a:spcAft>
+                <a:spcPct val="0"/>
+              </a:spcAft>
+            </a:pPr>
+            <a:r>
+              <a:rPr lang="de-DE" altLang="de-DE" sz="1600" dirty="0">
+                <a:solidFill>
+                  <a:srgbClr val="000000"/>
+                </a:solidFill>
+                <a:latin typeface="Courier New" panose="02070309020205020404" pitchFamily="49" charset="0"/>
+                <a:cs typeface="Courier New" panose="02070309020205020404" pitchFamily="49" charset="0"/>
+              </a:rPr>
+              <a:t>  </a:t>
+            </a:r>
+            <a:r>
+              <a:rPr lang="de-DE" altLang="de-DE" sz="1600" dirty="0" err="1">
+                <a:solidFill>
+                  <a:srgbClr val="000000"/>
+                </a:solidFill>
+                <a:latin typeface="Courier New" panose="02070309020205020404" pitchFamily="49" charset="0"/>
+                <a:cs typeface="Courier New" panose="02070309020205020404" pitchFamily="49" charset="0"/>
+              </a:rPr>
+              <a:t>HashMap</a:t>
+            </a:r>
+            <a:r>
+              <a:rPr lang="de-DE" altLang="de-DE" sz="1600" dirty="0">
+                <a:solidFill>
+                  <a:srgbClr val="000000"/>
+                </a:solidFill>
+                <a:latin typeface="Courier New" panose="02070309020205020404" pitchFamily="49" charset="0"/>
+                <a:cs typeface="Courier New" panose="02070309020205020404" pitchFamily="49" charset="0"/>
+              </a:rPr>
+              <a:t>&lt;String, Integer&gt; </a:t>
+            </a:r>
+            <a:r>
+              <a:rPr lang="de-DE" altLang="de-DE" sz="1600" dirty="0" err="1">
+                <a:solidFill>
+                  <a:srgbClr val="000000"/>
+                </a:solidFill>
+                <a:latin typeface="Courier New" panose="02070309020205020404" pitchFamily="49" charset="0"/>
+                <a:cs typeface="Courier New" panose="02070309020205020404" pitchFamily="49" charset="0"/>
+              </a:rPr>
+              <a:t>wordVector</a:t>
+            </a:r>
+            <a:r>
+              <a:rPr lang="de-DE" altLang="de-DE" sz="1600" dirty="0">
+                <a:solidFill>
+                  <a:srgbClr val="000000"/>
+                </a:solidFill>
+                <a:latin typeface="Courier New" panose="02070309020205020404" pitchFamily="49" charset="0"/>
+                <a:cs typeface="Courier New" panose="02070309020205020404" pitchFamily="49" charset="0"/>
+              </a:rPr>
+              <a:t> = </a:t>
+            </a:r>
+            <a:r>
+              <a:rPr lang="de-DE" altLang="de-DE" sz="1600" dirty="0" err="1">
+                <a:solidFill>
+                  <a:srgbClr val="000000"/>
+                </a:solidFill>
+                <a:latin typeface="Courier New" panose="02070309020205020404" pitchFamily="49" charset="0"/>
+                <a:cs typeface="Courier New" panose="02070309020205020404" pitchFamily="49" charset="0"/>
+              </a:rPr>
+              <a:t>new</a:t>
+            </a:r>
+            <a:r>
+              <a:rPr lang="de-DE" altLang="de-DE" sz="1600" dirty="0">
+                <a:solidFill>
+                  <a:srgbClr val="000000"/>
+                </a:solidFill>
+                <a:latin typeface="Courier New" panose="02070309020205020404" pitchFamily="49" charset="0"/>
+                <a:cs typeface="Courier New" panose="02070309020205020404" pitchFamily="49" charset="0"/>
+              </a:rPr>
+              <a:t> </a:t>
+            </a:r>
+            <a:r>
+              <a:rPr lang="de-DE" altLang="de-DE" sz="1600" dirty="0" err="1">
+                <a:solidFill>
+                  <a:srgbClr val="000000"/>
+                </a:solidFill>
+                <a:latin typeface="Courier New" panose="02070309020205020404" pitchFamily="49" charset="0"/>
+                <a:cs typeface="Courier New" panose="02070309020205020404" pitchFamily="49" charset="0"/>
+              </a:rPr>
+              <a:t>HashMap</a:t>
+            </a:r>
+            <a:r>
+              <a:rPr lang="de-DE" altLang="de-DE" sz="1600" dirty="0">
+                <a:solidFill>
+                  <a:srgbClr val="000000"/>
+                </a:solidFill>
+                <a:latin typeface="Courier New" panose="02070309020205020404" pitchFamily="49" charset="0"/>
+                <a:cs typeface="Courier New" panose="02070309020205020404" pitchFamily="49" charset="0"/>
+              </a:rPr>
+              <a:t>();</a:t>
+            </a:r>
+          </a:p>
+          <a:p>
+            <a:pPr lvl="1" eaLnBrk="0" fontAlgn="base" hangingPunct="0">
+              <a:spcBef>
+                <a:spcPct val="0"/>
+              </a:spcBef>
+              <a:spcAft>
+                <a:spcPct val="0"/>
+              </a:spcAft>
+            </a:pPr>
+            <a:r>
+              <a:rPr lang="de-DE" altLang="de-DE" sz="1600" dirty="0">
+                <a:solidFill>
+                  <a:srgbClr val="000000"/>
+                </a:solidFill>
+                <a:latin typeface="Courier New" panose="02070309020205020404" pitchFamily="49" charset="0"/>
+                <a:cs typeface="Courier New" panose="02070309020205020404" pitchFamily="49" charset="0"/>
+              </a:rPr>
+              <a:t>  </a:t>
+            </a:r>
+            <a:r>
+              <a:rPr lang="de-DE" altLang="de-DE" sz="1600" dirty="0" err="1">
+                <a:solidFill>
+                  <a:srgbClr val="000000"/>
+                </a:solidFill>
+                <a:latin typeface="Courier New" panose="02070309020205020404" pitchFamily="49" charset="0"/>
+                <a:cs typeface="Courier New" panose="02070309020205020404" pitchFamily="49" charset="0"/>
+              </a:rPr>
+              <a:t>Map</a:t>
+            </a:r>
+            <a:r>
+              <a:rPr lang="de-DE" altLang="de-DE" sz="1600" dirty="0">
+                <a:solidFill>
+                  <a:srgbClr val="000000"/>
+                </a:solidFill>
+                <a:latin typeface="Courier New" panose="02070309020205020404" pitchFamily="49" charset="0"/>
+                <a:cs typeface="Courier New" panose="02070309020205020404" pitchFamily="49" charset="0"/>
+              </a:rPr>
+              <a:t>&lt;String, Long&gt; </a:t>
+            </a:r>
+            <a:r>
+              <a:rPr lang="de-DE" altLang="de-DE" sz="1600" dirty="0" err="1">
+                <a:solidFill>
+                  <a:srgbClr val="000000"/>
+                </a:solidFill>
+                <a:latin typeface="Courier New" panose="02070309020205020404" pitchFamily="49" charset="0"/>
+                <a:cs typeface="Courier New" panose="02070309020205020404" pitchFamily="49" charset="0"/>
+              </a:rPr>
+              <a:t>wordCount</a:t>
+            </a:r>
+            <a:r>
+              <a:rPr lang="de-DE" altLang="de-DE" sz="1600" dirty="0">
+                <a:solidFill>
+                  <a:srgbClr val="000000"/>
+                </a:solidFill>
+                <a:latin typeface="Courier New" panose="02070309020205020404" pitchFamily="49" charset="0"/>
+                <a:cs typeface="Courier New" panose="02070309020205020404" pitchFamily="49" charset="0"/>
+              </a:rPr>
+              <a:t> = </a:t>
+            </a:r>
+            <a:r>
+              <a:rPr lang="de-DE" altLang="de-DE" sz="1600" dirty="0" err="1">
+                <a:solidFill>
+                  <a:srgbClr val="000000"/>
+                </a:solidFill>
+                <a:latin typeface="Courier New" panose="02070309020205020404" pitchFamily="49" charset="0"/>
+                <a:cs typeface="Courier New" panose="02070309020205020404" pitchFamily="49" charset="0"/>
+              </a:rPr>
+              <a:t>tokens.stream</a:t>
+            </a:r>
+            <a:r>
+              <a:rPr lang="de-DE" altLang="de-DE" sz="1600" dirty="0">
+                <a:solidFill>
+                  <a:srgbClr val="000000"/>
+                </a:solidFill>
+                <a:latin typeface="Courier New" panose="02070309020205020404" pitchFamily="49" charset="0"/>
+                <a:cs typeface="Courier New" panose="02070309020205020404" pitchFamily="49" charset="0"/>
+              </a:rPr>
+              <a:t>().</a:t>
+            </a:r>
+            <a:r>
+              <a:rPr lang="de-DE" altLang="de-DE" sz="1600" dirty="0" err="1">
+                <a:solidFill>
+                  <a:srgbClr val="000000"/>
+                </a:solidFill>
+                <a:latin typeface="Courier New" panose="02070309020205020404" pitchFamily="49" charset="0"/>
+                <a:cs typeface="Courier New" panose="02070309020205020404" pitchFamily="49" charset="0"/>
+              </a:rPr>
+              <a:t>collect</a:t>
+            </a:r>
+            <a:r>
+              <a:rPr lang="de-DE" altLang="de-DE" sz="1600" dirty="0">
+                <a:solidFill>
+                  <a:srgbClr val="000000"/>
+                </a:solidFill>
+                <a:latin typeface="Courier New" panose="02070309020205020404" pitchFamily="49" charset="0"/>
+                <a:cs typeface="Courier New" panose="02070309020205020404" pitchFamily="49" charset="0"/>
+              </a:rPr>
+              <a:t>(</a:t>
+            </a:r>
+          </a:p>
+          <a:p>
+            <a:pPr lvl="1" eaLnBrk="0" fontAlgn="base" hangingPunct="0">
+              <a:spcBef>
+                <a:spcPct val="0"/>
+              </a:spcBef>
+              <a:spcAft>
+                <a:spcPct val="0"/>
+              </a:spcAft>
+            </a:pPr>
+            <a:r>
+              <a:rPr lang="de-DE" altLang="de-DE" sz="1600" dirty="0">
+                <a:solidFill>
+                  <a:srgbClr val="000000"/>
+                </a:solidFill>
+                <a:latin typeface="Courier New" panose="02070309020205020404" pitchFamily="49" charset="0"/>
+                <a:cs typeface="Courier New" panose="02070309020205020404" pitchFamily="49" charset="0"/>
+              </a:rPr>
+              <a:t>         </a:t>
+            </a:r>
+            <a:r>
+              <a:rPr lang="de-DE" altLang="de-DE" sz="1600" dirty="0" err="1">
+                <a:solidFill>
+                  <a:srgbClr val="000000"/>
+                </a:solidFill>
+                <a:latin typeface="Courier New" panose="02070309020205020404" pitchFamily="49" charset="0"/>
+                <a:cs typeface="Courier New" panose="02070309020205020404" pitchFamily="49" charset="0"/>
+              </a:rPr>
+              <a:t>Collectors.groupingBy</a:t>
+            </a:r>
+            <a:r>
+              <a:rPr lang="de-DE" altLang="de-DE" sz="1600" dirty="0">
+                <a:solidFill>
+                  <a:srgbClr val="000000"/>
+                </a:solidFill>
+                <a:latin typeface="Courier New" panose="02070309020205020404" pitchFamily="49" charset="0"/>
+                <a:cs typeface="Courier New" panose="02070309020205020404" pitchFamily="49" charset="0"/>
+              </a:rPr>
+              <a:t>(</a:t>
+            </a:r>
+            <a:r>
+              <a:rPr lang="de-DE" altLang="de-DE" sz="1600" dirty="0" err="1">
+                <a:solidFill>
+                  <a:srgbClr val="000000"/>
+                </a:solidFill>
+                <a:latin typeface="Courier New" panose="02070309020205020404" pitchFamily="49" charset="0"/>
+                <a:cs typeface="Courier New" panose="02070309020205020404" pitchFamily="49" charset="0"/>
+              </a:rPr>
+              <a:t>Function.identity</a:t>
+            </a:r>
+            <a:r>
+              <a:rPr lang="de-DE" altLang="de-DE" sz="1600" dirty="0">
+                <a:solidFill>
+                  <a:srgbClr val="000000"/>
+                </a:solidFill>
+                <a:latin typeface="Courier New" panose="02070309020205020404" pitchFamily="49" charset="0"/>
+                <a:cs typeface="Courier New" panose="02070309020205020404" pitchFamily="49" charset="0"/>
+              </a:rPr>
+              <a:t>(),              </a:t>
+            </a:r>
+          </a:p>
+          <a:p>
+            <a:pPr lvl="1" eaLnBrk="0" fontAlgn="base" hangingPunct="0">
+              <a:spcBef>
+                <a:spcPct val="0"/>
+              </a:spcBef>
+              <a:spcAft>
+                <a:spcPct val="0"/>
+              </a:spcAft>
+            </a:pPr>
+            <a:r>
+              <a:rPr lang="de-DE" altLang="de-DE" sz="1600" dirty="0">
+                <a:solidFill>
+                  <a:srgbClr val="000000"/>
+                </a:solidFill>
+                <a:latin typeface="Courier New" panose="02070309020205020404" pitchFamily="49" charset="0"/>
+                <a:cs typeface="Courier New" panose="02070309020205020404" pitchFamily="49" charset="0"/>
+              </a:rPr>
+              <a:t>         </a:t>
+            </a:r>
+            <a:r>
+              <a:rPr lang="de-DE" altLang="de-DE" sz="1600" dirty="0" err="1">
+                <a:solidFill>
+                  <a:srgbClr val="000000"/>
+                </a:solidFill>
+                <a:latin typeface="Courier New" panose="02070309020205020404" pitchFamily="49" charset="0"/>
+                <a:cs typeface="Courier New" panose="02070309020205020404" pitchFamily="49" charset="0"/>
+              </a:rPr>
+              <a:t>Collectors.counting</a:t>
+            </a:r>
+            <a:r>
+              <a:rPr lang="de-DE" altLang="de-DE" sz="1600" dirty="0">
+                <a:solidFill>
+                  <a:srgbClr val="000000"/>
+                </a:solidFill>
+                <a:latin typeface="Courier New" panose="02070309020205020404" pitchFamily="49" charset="0"/>
+                <a:cs typeface="Courier New" panose="02070309020205020404" pitchFamily="49" charset="0"/>
+              </a:rPr>
+              <a:t>())</a:t>
+            </a:r>
+          </a:p>
+          <a:p>
+            <a:pPr lvl="1" eaLnBrk="0" fontAlgn="base" hangingPunct="0">
+              <a:spcBef>
+                <a:spcPct val="0"/>
+              </a:spcBef>
+              <a:spcAft>
+                <a:spcPct val="0"/>
+              </a:spcAft>
+            </a:pPr>
+            <a:r>
+              <a:rPr lang="de-DE" altLang="de-DE" sz="1600" dirty="0">
+                <a:solidFill>
+                  <a:srgbClr val="000000"/>
+                </a:solidFill>
+                <a:latin typeface="Courier New" panose="02070309020205020404" pitchFamily="49" charset="0"/>
+                <a:cs typeface="Courier New" panose="02070309020205020404" pitchFamily="49" charset="0"/>
+              </a:rPr>
+              <a:t>  );</a:t>
+            </a:r>
+          </a:p>
+          <a:p>
+            <a:pPr lvl="1" eaLnBrk="0" fontAlgn="base" hangingPunct="0">
+              <a:spcBef>
+                <a:spcPct val="0"/>
+              </a:spcBef>
+              <a:spcAft>
+                <a:spcPct val="0"/>
+              </a:spcAft>
+            </a:pPr>
+            <a:endParaRPr lang="de-DE" altLang="de-DE" sz="1600" dirty="0">
+              <a:solidFill>
+                <a:srgbClr val="000000"/>
+              </a:solidFill>
+              <a:latin typeface="Courier New" panose="02070309020205020404" pitchFamily="49" charset="0"/>
+              <a:cs typeface="Courier New" panose="02070309020205020404" pitchFamily="49" charset="0"/>
+            </a:endParaRPr>
+          </a:p>
+          <a:p>
+            <a:pPr lvl="1" eaLnBrk="0" fontAlgn="base" hangingPunct="0">
+              <a:spcBef>
+                <a:spcPct val="0"/>
+              </a:spcBef>
+              <a:spcAft>
+                <a:spcPct val="0"/>
+              </a:spcAft>
+            </a:pPr>
+            <a:r>
+              <a:rPr lang="de-DE" altLang="de-DE" sz="1600" dirty="0">
+                <a:solidFill>
+                  <a:srgbClr val="000000"/>
+                </a:solidFill>
+                <a:latin typeface="Courier New" panose="02070309020205020404" pitchFamily="49" charset="0"/>
+                <a:cs typeface="Courier New" panose="02070309020205020404" pitchFamily="49" charset="0"/>
+              </a:rPr>
+              <a:t>  Iterator&lt;</a:t>
+            </a:r>
+            <a:r>
+              <a:rPr lang="de-DE" altLang="de-DE" sz="1600" dirty="0" err="1">
+                <a:solidFill>
+                  <a:srgbClr val="000000"/>
+                </a:solidFill>
+                <a:latin typeface="Courier New" panose="02070309020205020404" pitchFamily="49" charset="0"/>
+                <a:cs typeface="Courier New" panose="02070309020205020404" pitchFamily="49" charset="0"/>
+              </a:rPr>
+              <a:t>Map.Entry</a:t>
+            </a:r>
+            <a:r>
+              <a:rPr lang="de-DE" altLang="de-DE" sz="1600" dirty="0">
+                <a:solidFill>
+                  <a:srgbClr val="000000"/>
+                </a:solidFill>
+                <a:latin typeface="Courier New" panose="02070309020205020404" pitchFamily="49" charset="0"/>
+                <a:cs typeface="Courier New" panose="02070309020205020404" pitchFamily="49" charset="0"/>
+              </a:rPr>
+              <a:t>&lt;String, Integer&gt; = </a:t>
+            </a:r>
+            <a:r>
+              <a:rPr lang="de-DE" altLang="de-DE" sz="1600" b="1" dirty="0" err="1">
+                <a:solidFill>
+                  <a:srgbClr val="660E7A"/>
+                </a:solidFill>
+                <a:latin typeface="Courier New" panose="02070309020205020404" pitchFamily="49" charset="0"/>
+                <a:cs typeface="Courier New" panose="02070309020205020404" pitchFamily="49" charset="0"/>
+              </a:rPr>
+              <a:t>vocab</a:t>
+            </a:r>
+            <a:r>
+              <a:rPr lang="de-DE" altLang="de-DE" sz="1600" dirty="0" err="1">
+                <a:solidFill>
+                  <a:srgbClr val="000000"/>
+                </a:solidFill>
+                <a:latin typeface="Courier New" panose="02070309020205020404" pitchFamily="49" charset="0"/>
+                <a:cs typeface="Courier New" panose="02070309020205020404" pitchFamily="49" charset="0"/>
+              </a:rPr>
+              <a:t>.keySet</a:t>
+            </a:r>
+            <a:r>
+              <a:rPr lang="de-DE" altLang="de-DE" sz="1600" dirty="0">
+                <a:solidFill>
+                  <a:srgbClr val="000000"/>
+                </a:solidFill>
+                <a:latin typeface="Courier New" panose="02070309020205020404" pitchFamily="49" charset="0"/>
+                <a:cs typeface="Courier New" panose="02070309020205020404" pitchFamily="49" charset="0"/>
+              </a:rPr>
+              <a:t>().</a:t>
+            </a:r>
+            <a:r>
+              <a:rPr lang="de-DE" altLang="de-DE" sz="1600" dirty="0" err="1">
+                <a:solidFill>
+                  <a:srgbClr val="000000"/>
+                </a:solidFill>
+                <a:latin typeface="Courier New" panose="02070309020205020404" pitchFamily="49" charset="0"/>
+                <a:cs typeface="Courier New" panose="02070309020205020404" pitchFamily="49" charset="0"/>
+              </a:rPr>
+              <a:t>iterator</a:t>
+            </a:r>
+            <a:r>
+              <a:rPr lang="de-DE" altLang="de-DE" sz="1600" dirty="0">
+                <a:solidFill>
+                  <a:srgbClr val="000000"/>
+                </a:solidFill>
+                <a:latin typeface="Courier New" panose="02070309020205020404" pitchFamily="49" charset="0"/>
+                <a:cs typeface="Courier New" panose="02070309020205020404" pitchFamily="49" charset="0"/>
+              </a:rPr>
+              <a:t>();</a:t>
+            </a:r>
+          </a:p>
+          <a:p>
+            <a:pPr lvl="1" eaLnBrk="0" fontAlgn="base" hangingPunct="0">
+              <a:spcBef>
+                <a:spcPct val="0"/>
+              </a:spcBef>
+              <a:spcAft>
+                <a:spcPct val="0"/>
+              </a:spcAft>
+            </a:pPr>
+            <a:r>
+              <a:rPr lang="de-DE" altLang="de-DE" sz="1600" dirty="0">
+                <a:solidFill>
+                  <a:srgbClr val="000000"/>
+                </a:solidFill>
+                <a:latin typeface="Courier New" panose="02070309020205020404" pitchFamily="49" charset="0"/>
+                <a:cs typeface="Courier New" panose="02070309020205020404" pitchFamily="49" charset="0"/>
+              </a:rPr>
+              <a:t>  </a:t>
+            </a:r>
+            <a:r>
+              <a:rPr lang="de-DE" altLang="de-DE" sz="1600" dirty="0" err="1">
+                <a:solidFill>
+                  <a:srgbClr val="000000"/>
+                </a:solidFill>
+                <a:latin typeface="Courier New" panose="02070309020205020404" pitchFamily="49" charset="0"/>
+                <a:cs typeface="Courier New" panose="02070309020205020404" pitchFamily="49" charset="0"/>
+              </a:rPr>
+              <a:t>while</a:t>
+            </a:r>
+            <a:r>
+              <a:rPr lang="de-DE" altLang="de-DE" sz="1600" dirty="0">
+                <a:solidFill>
+                  <a:srgbClr val="000000"/>
+                </a:solidFill>
+                <a:latin typeface="Courier New" panose="02070309020205020404" pitchFamily="49" charset="0"/>
+                <a:cs typeface="Courier New" panose="02070309020205020404" pitchFamily="49" charset="0"/>
+              </a:rPr>
+              <a:t> (</a:t>
+            </a:r>
+            <a:r>
+              <a:rPr lang="de-DE" altLang="de-DE" sz="1600" dirty="0" err="1">
+                <a:solidFill>
+                  <a:srgbClr val="000000"/>
+                </a:solidFill>
+                <a:latin typeface="Courier New" panose="02070309020205020404" pitchFamily="49" charset="0"/>
+                <a:cs typeface="Courier New" panose="02070309020205020404" pitchFamily="49" charset="0"/>
+              </a:rPr>
+              <a:t>it.hasNext</a:t>
+            </a:r>
+            <a:r>
+              <a:rPr lang="de-DE" altLang="de-DE" sz="1600" dirty="0">
+                <a:solidFill>
+                  <a:srgbClr val="000000"/>
+                </a:solidFill>
+                <a:latin typeface="Courier New" panose="02070309020205020404" pitchFamily="49" charset="0"/>
+                <a:cs typeface="Courier New" panose="02070309020205020404" pitchFamily="49" charset="0"/>
+              </a:rPr>
+              <a:t>()) {</a:t>
+            </a:r>
+          </a:p>
+          <a:p>
+            <a:pPr lvl="1" eaLnBrk="0" fontAlgn="base" hangingPunct="0">
+              <a:spcBef>
+                <a:spcPct val="0"/>
+              </a:spcBef>
+              <a:spcAft>
+                <a:spcPct val="0"/>
+              </a:spcAft>
+            </a:pPr>
+            <a:r>
+              <a:rPr lang="de-DE" altLang="de-DE" sz="1600" dirty="0">
+                <a:solidFill>
+                  <a:srgbClr val="000000"/>
+                </a:solidFill>
+                <a:latin typeface="Courier New" panose="02070309020205020404" pitchFamily="49" charset="0"/>
+                <a:cs typeface="Courier New" panose="02070309020205020404" pitchFamily="49" charset="0"/>
+              </a:rPr>
+              <a:t>      String </a:t>
+            </a:r>
+            <a:r>
+              <a:rPr lang="de-DE" altLang="de-DE" sz="1600" dirty="0" err="1">
+                <a:solidFill>
+                  <a:srgbClr val="000000"/>
+                </a:solidFill>
+                <a:latin typeface="Courier New" panose="02070309020205020404" pitchFamily="49" charset="0"/>
+                <a:cs typeface="Courier New" panose="02070309020205020404" pitchFamily="49" charset="0"/>
+              </a:rPr>
+              <a:t>word</a:t>
+            </a:r>
+            <a:r>
+              <a:rPr lang="de-DE" altLang="de-DE" sz="1600" dirty="0">
+                <a:solidFill>
+                  <a:srgbClr val="000000"/>
+                </a:solidFill>
+                <a:latin typeface="Courier New" panose="02070309020205020404" pitchFamily="49" charset="0"/>
+                <a:cs typeface="Courier New" panose="02070309020205020404" pitchFamily="49" charset="0"/>
+              </a:rPr>
+              <a:t> = </a:t>
+            </a:r>
+            <a:r>
+              <a:rPr lang="de-DE" altLang="de-DE" sz="1600" dirty="0" err="1">
+                <a:solidFill>
+                  <a:srgbClr val="000000"/>
+                </a:solidFill>
+                <a:latin typeface="Courier New" panose="02070309020205020404" pitchFamily="49" charset="0"/>
+                <a:cs typeface="Courier New" panose="02070309020205020404" pitchFamily="49" charset="0"/>
+              </a:rPr>
+              <a:t>it.next</a:t>
+            </a:r>
+            <a:r>
+              <a:rPr lang="de-DE" altLang="de-DE" sz="1600" dirty="0">
+                <a:solidFill>
+                  <a:srgbClr val="000000"/>
+                </a:solidFill>
+                <a:latin typeface="Courier New" panose="02070309020205020404" pitchFamily="49" charset="0"/>
+                <a:cs typeface="Courier New" panose="02070309020205020404" pitchFamily="49" charset="0"/>
+              </a:rPr>
+              <a:t>();</a:t>
+            </a:r>
+          </a:p>
+          <a:p>
+            <a:pPr lvl="1" eaLnBrk="0" fontAlgn="base" hangingPunct="0">
+              <a:spcBef>
+                <a:spcPct val="0"/>
+              </a:spcBef>
+              <a:spcAft>
+                <a:spcPct val="0"/>
+              </a:spcAft>
+            </a:pPr>
+            <a:r>
+              <a:rPr lang="de-DE" altLang="de-DE" sz="1600" dirty="0">
+                <a:solidFill>
+                  <a:srgbClr val="000000"/>
+                </a:solidFill>
+                <a:latin typeface="Courier New" panose="02070309020205020404" pitchFamily="49" charset="0"/>
+                <a:cs typeface="Courier New" panose="02070309020205020404" pitchFamily="49" charset="0"/>
+              </a:rPr>
+              <a:t>      </a:t>
+            </a:r>
+            <a:r>
+              <a:rPr lang="de-DE" altLang="de-DE" sz="1600" dirty="0" err="1">
+                <a:solidFill>
+                  <a:srgbClr val="000000"/>
+                </a:solidFill>
+                <a:latin typeface="Courier New" panose="02070309020205020404" pitchFamily="49" charset="0"/>
+                <a:cs typeface="Courier New" panose="02070309020205020404" pitchFamily="49" charset="0"/>
+              </a:rPr>
+              <a:t>vec.put</a:t>
+            </a:r>
+            <a:r>
+              <a:rPr lang="de-DE" altLang="de-DE" sz="1600" dirty="0">
+                <a:solidFill>
+                  <a:srgbClr val="000000"/>
+                </a:solidFill>
+                <a:latin typeface="Courier New" panose="02070309020205020404" pitchFamily="49" charset="0"/>
+                <a:cs typeface="Courier New" panose="02070309020205020404" pitchFamily="49" charset="0"/>
+              </a:rPr>
+              <a:t>(</a:t>
+            </a:r>
+            <a:r>
+              <a:rPr lang="de-DE" altLang="de-DE" sz="1600" dirty="0" err="1">
+                <a:solidFill>
+                  <a:srgbClr val="000000"/>
+                </a:solidFill>
+                <a:latin typeface="Courier New" panose="02070309020205020404" pitchFamily="49" charset="0"/>
+                <a:cs typeface="Courier New" panose="02070309020205020404" pitchFamily="49" charset="0"/>
+              </a:rPr>
+              <a:t>word</a:t>
+            </a:r>
+            <a:r>
+              <a:rPr lang="de-DE" altLang="de-DE" sz="1600" dirty="0">
+                <a:solidFill>
+                  <a:srgbClr val="000000"/>
+                </a:solidFill>
+                <a:latin typeface="Courier New" panose="02070309020205020404" pitchFamily="49" charset="0"/>
+                <a:cs typeface="Courier New" panose="02070309020205020404" pitchFamily="49" charset="0"/>
+              </a:rPr>
+              <a:t>, </a:t>
+            </a:r>
+            <a:r>
+              <a:rPr lang="de-DE" altLang="de-DE" sz="1600" dirty="0" err="1">
+                <a:solidFill>
+                  <a:srgbClr val="000000"/>
+                </a:solidFill>
+                <a:latin typeface="Courier New" panose="02070309020205020404" pitchFamily="49" charset="0"/>
+                <a:cs typeface="Courier New" panose="02070309020205020404" pitchFamily="49" charset="0"/>
+              </a:rPr>
+              <a:t>wordCount.getOrDefault</a:t>
+            </a:r>
+            <a:r>
+              <a:rPr lang="de-DE" altLang="de-DE" sz="1600" dirty="0">
+                <a:solidFill>
+                  <a:srgbClr val="000000"/>
+                </a:solidFill>
+                <a:latin typeface="Courier New" panose="02070309020205020404" pitchFamily="49" charset="0"/>
+                <a:cs typeface="Courier New" panose="02070309020205020404" pitchFamily="49" charset="0"/>
+              </a:rPr>
+              <a:t>(</a:t>
+            </a:r>
+            <a:r>
+              <a:rPr lang="de-DE" altLang="de-DE" sz="1600" dirty="0" err="1">
+                <a:solidFill>
+                  <a:srgbClr val="000000"/>
+                </a:solidFill>
+                <a:latin typeface="Courier New" panose="02070309020205020404" pitchFamily="49" charset="0"/>
+                <a:cs typeface="Courier New" panose="02070309020205020404" pitchFamily="49" charset="0"/>
+              </a:rPr>
+              <a:t>word</a:t>
+            </a:r>
+            <a:r>
+              <a:rPr lang="de-DE" altLang="de-DE" sz="1600" dirty="0">
+                <a:solidFill>
+                  <a:srgbClr val="000000"/>
+                </a:solidFill>
+                <a:latin typeface="Courier New" panose="02070309020205020404" pitchFamily="49" charset="0"/>
+                <a:cs typeface="Courier New" panose="02070309020205020404" pitchFamily="49" charset="0"/>
+              </a:rPr>
+              <a:t>, </a:t>
+            </a:r>
+            <a:r>
+              <a:rPr lang="de-DE" altLang="de-DE" sz="1600" dirty="0">
+                <a:solidFill>
+                  <a:srgbClr val="0000FF"/>
+                </a:solidFill>
+                <a:latin typeface="Courier New" panose="02070309020205020404" pitchFamily="49" charset="0"/>
+                <a:cs typeface="Courier New" panose="02070309020205020404" pitchFamily="49" charset="0"/>
+              </a:rPr>
+              <a:t>0L</a:t>
+            </a:r>
+            <a:r>
+              <a:rPr lang="de-DE" altLang="de-DE" sz="1600" dirty="0">
+                <a:solidFill>
+                  <a:srgbClr val="000000"/>
+                </a:solidFill>
+                <a:latin typeface="Courier New" panose="02070309020205020404" pitchFamily="49" charset="0"/>
+                <a:cs typeface="Courier New" panose="02070309020205020404" pitchFamily="49" charset="0"/>
+              </a:rPr>
+              <a:t>).</a:t>
+            </a:r>
+            <a:r>
+              <a:rPr lang="de-DE" altLang="de-DE" sz="1600" dirty="0" err="1">
+                <a:solidFill>
+                  <a:srgbClr val="000000"/>
+                </a:solidFill>
+                <a:latin typeface="Courier New" panose="02070309020205020404" pitchFamily="49" charset="0"/>
+                <a:cs typeface="Courier New" panose="02070309020205020404" pitchFamily="49" charset="0"/>
+              </a:rPr>
+              <a:t>intValue</a:t>
+            </a:r>
+            <a:r>
+              <a:rPr lang="de-DE" altLang="de-DE" sz="1600" dirty="0">
+                <a:solidFill>
+                  <a:srgbClr val="000000"/>
+                </a:solidFill>
+                <a:latin typeface="Courier New" panose="02070309020205020404" pitchFamily="49" charset="0"/>
+                <a:cs typeface="Courier New" panose="02070309020205020404" pitchFamily="49" charset="0"/>
+              </a:rPr>
+              <a:t>());</a:t>
+            </a:r>
+          </a:p>
+          <a:p>
+            <a:pPr lvl="1" eaLnBrk="0" fontAlgn="base" hangingPunct="0">
+              <a:spcBef>
+                <a:spcPct val="0"/>
+              </a:spcBef>
+              <a:spcAft>
+                <a:spcPct val="0"/>
+              </a:spcAft>
+            </a:pPr>
+            <a:r>
+              <a:rPr lang="de-DE" altLang="de-DE" sz="1600" dirty="0">
+                <a:solidFill>
+                  <a:srgbClr val="000000"/>
+                </a:solidFill>
+                <a:latin typeface="Courier New" panose="02070309020205020404" pitchFamily="49" charset="0"/>
+                <a:cs typeface="Courier New" panose="02070309020205020404" pitchFamily="49" charset="0"/>
+              </a:rPr>
+              <a:t>  }</a:t>
+            </a:r>
+          </a:p>
+          <a:p>
+            <a:pPr lvl="1" eaLnBrk="0" fontAlgn="base" hangingPunct="0">
+              <a:spcBef>
+                <a:spcPct val="0"/>
+              </a:spcBef>
+              <a:spcAft>
+                <a:spcPct val="0"/>
+              </a:spcAft>
+            </a:pPr>
+            <a:r>
+              <a:rPr kumimoji="0" lang="fr-CH" altLang="de-DE" sz="1600" b="0" i="0" u="none" strike="noStrike" cap="none" normalizeH="0" baseline="0" dirty="0">
+                <a:ln>
+                  <a:noFill/>
+                </a:ln>
+                <a:solidFill>
+                  <a:srgbClr val="000000"/>
+                </a:solidFill>
+                <a:effectLst/>
+                <a:latin typeface="Courier New" panose="02070309020205020404" pitchFamily="49" charset="0"/>
+                <a:cs typeface="Courier New" panose="02070309020205020404" pitchFamily="49" charset="0"/>
+              </a:rPr>
+              <a:t>  </a:t>
+            </a:r>
+            <a:r>
+              <a:rPr kumimoji="0" lang="fr-CH" altLang="de-DE" sz="1600" b="0" i="0" u="none" strike="noStrike" cap="none" normalizeH="0" baseline="0" dirty="0" err="1">
+                <a:ln>
+                  <a:noFill/>
+                </a:ln>
+                <a:solidFill>
+                  <a:srgbClr val="000000"/>
+                </a:solidFill>
+                <a:effectLst/>
+                <a:latin typeface="Courier New" panose="02070309020205020404" pitchFamily="49" charset="0"/>
+                <a:cs typeface="Courier New" panose="02070309020205020404" pitchFamily="49" charset="0"/>
+              </a:rPr>
+              <a:t>retur</a:t>
+            </a:r>
+            <a:r>
+              <a:rPr lang="de-DE" altLang="de-DE" sz="1600" dirty="0">
+                <a:solidFill>
+                  <a:srgbClr val="000000"/>
+                </a:solidFill>
+                <a:latin typeface="Courier New" panose="02070309020205020404" pitchFamily="49" charset="0"/>
+                <a:cs typeface="Courier New" panose="02070309020205020404" pitchFamily="49" charset="0"/>
+              </a:rPr>
+              <a:t>n </a:t>
+            </a:r>
+            <a:r>
+              <a:rPr lang="de-DE" altLang="de-DE" sz="1600" dirty="0" err="1">
+                <a:solidFill>
+                  <a:srgbClr val="000000"/>
+                </a:solidFill>
+                <a:latin typeface="Courier New" panose="02070309020205020404" pitchFamily="49" charset="0"/>
+                <a:cs typeface="Courier New" panose="02070309020205020404" pitchFamily="49" charset="0"/>
+              </a:rPr>
+              <a:t>this.vec</a:t>
+            </a:r>
+            <a:r>
+              <a:rPr lang="de-DE" altLang="de-DE" sz="1600" dirty="0">
+                <a:solidFill>
+                  <a:srgbClr val="000000"/>
+                </a:solidFill>
+                <a:latin typeface="Courier New" panose="02070309020205020404" pitchFamily="49" charset="0"/>
+                <a:cs typeface="Courier New" panose="02070309020205020404" pitchFamily="49" charset="0"/>
+              </a:rPr>
+              <a:t>;</a:t>
+            </a:r>
+            <a:endParaRPr kumimoji="0" lang="de-DE" altLang="de-DE" sz="1600" b="0" i="0" u="none" strike="noStrike" cap="none" normalizeH="0" baseline="0" dirty="0">
+              <a:ln>
+                <a:noFill/>
+              </a:ln>
+              <a:solidFill>
+                <a:srgbClr val="000000"/>
+              </a:solidFill>
+              <a:effectLst/>
+              <a:latin typeface="Courier New" panose="02070309020205020404" pitchFamily="49" charset="0"/>
+              <a:cs typeface="Courier New" panose="02070309020205020404" pitchFamily="49" charset="0"/>
+            </a:endParaRPr>
+          </a:p>
+          <a:p>
+            <a:pPr lvl="1" eaLnBrk="0" fontAlgn="base" hangingPunct="0">
+              <a:spcBef>
+                <a:spcPct val="0"/>
+              </a:spcBef>
+              <a:spcAft>
+                <a:spcPct val="0"/>
+              </a:spcAft>
+            </a:pPr>
+            <a:r>
+              <a:rPr lang="de-DE" altLang="de-DE" sz="1600" dirty="0">
+                <a:solidFill>
+                  <a:srgbClr val="000000"/>
+                </a:solidFill>
+                <a:latin typeface="Courier New" panose="02070309020205020404" pitchFamily="49" charset="0"/>
+                <a:cs typeface="Courier New" panose="02070309020205020404" pitchFamily="49" charset="0"/>
+              </a:rPr>
+              <a:t>  </a:t>
             </a:r>
             <a:r>
               <a:rPr kumimoji="0" lang="de-DE" altLang="de-DE" sz="1600" b="0" i="0" u="none" strike="noStrike" cap="none" normalizeH="0" baseline="0" dirty="0">
@@ -15270,7 +15324,7 @@
 </p:sld>
 </file>
 
-<file path=ppt/slides/slide9.xml><?xml version="1.0" encoding="utf-8"?>
+<file path=ppt/slides/slide8.xml><?xml version="1.0" encoding="utf-8"?>
 <p:sld xmlns:a="http://schemas.openxmlformats.org/drawingml/2006/main" xmlns:r="http://schemas.openxmlformats.org/officeDocument/2006/relationships" xmlns:p="http://schemas.openxmlformats.org/presentationml/2006/main">
   <p:cSld>
     <p:bg>

--- a/docs/presentation.pptx
+++ b/docs/presentation.pptx
@@ -389,7 +389,7 @@
           <a:p>
             <a:fld id="{829D8C97-C6B8-43BB-80BB-0E6440DD7E32}" type="slidenum">
               <a:rPr lang="sv-SE" smtClean="0"/>
-              <a:t>‹#›</a:t>
+              <a:t>‹Nr.›</a:t>
             </a:fld>
             <a:endParaRPr lang="sv-SE"/>
           </a:p>
@@ -2050,7 +2050,7 @@
                 </a:solidFill>
               </a:rPr>
               <a:pPr/>
-              <a:t>‹#›</a:t>
+              <a:t>‹Nr.›</a:t>
             </a:fld>
             <a:endParaRPr lang="sv-SE">
               <a:solidFill>
@@ -2264,7 +2264,7 @@
                 </a:solidFill>
               </a:rPr>
               <a:pPr/>
-              <a:t>‹#›</a:t>
+              <a:t>‹Nr.›</a:t>
             </a:fld>
             <a:endParaRPr lang="sv-SE">
               <a:solidFill>
@@ -2488,7 +2488,7 @@
                 </a:solidFill>
               </a:rPr>
               <a:pPr/>
-              <a:t>‹#›</a:t>
+              <a:t>‹Nr.›</a:t>
             </a:fld>
             <a:endParaRPr lang="sv-SE">
               <a:solidFill>
@@ -2748,7 +2748,7 @@
           <a:p>
             <a:fld id="{520EB5FF-C76E-4CB5-83D8-6F5646C2F869}" type="slidenum">
               <a:rPr lang="sv-SE" smtClean="0"/>
-              <a:t>‹#›</a:t>
+              <a:t>‹Nr.›</a:t>
             </a:fld>
             <a:endParaRPr lang="sv-SE"/>
           </a:p>
@@ -2930,7 +2930,7 @@
           <a:p>
             <a:fld id="{520EB5FF-C76E-4CB5-83D8-6F5646C2F869}" type="slidenum">
               <a:rPr lang="sv-SE" smtClean="0"/>
-              <a:t>‹#›</a:t>
+              <a:t>‹Nr.›</a:t>
             </a:fld>
             <a:endParaRPr lang="sv-SE"/>
           </a:p>
@@ -3188,7 +3188,7 @@
           <a:p>
             <a:fld id="{520EB5FF-C76E-4CB5-83D8-6F5646C2F869}" type="slidenum">
               <a:rPr lang="sv-SE" smtClean="0"/>
-              <a:t>‹#›</a:t>
+              <a:t>‹Nr.›</a:t>
             </a:fld>
             <a:endParaRPr lang="sv-SE"/>
           </a:p>
@@ -3488,7 +3488,7 @@
           <a:p>
             <a:fld id="{520EB5FF-C76E-4CB5-83D8-6F5646C2F869}" type="slidenum">
               <a:rPr lang="sv-SE" smtClean="0"/>
-              <a:t>‹#›</a:t>
+              <a:t>‹Nr.›</a:t>
             </a:fld>
             <a:endParaRPr lang="sv-SE"/>
           </a:p>
@@ -3922,7 +3922,7 @@
           <a:p>
             <a:fld id="{520EB5FF-C76E-4CB5-83D8-6F5646C2F869}" type="slidenum">
               <a:rPr lang="sv-SE" smtClean="0"/>
-              <a:t>‹#›</a:t>
+              <a:t>‹Nr.›</a:t>
             </a:fld>
             <a:endParaRPr lang="sv-SE"/>
           </a:p>
@@ -4052,7 +4052,7 @@
           <a:p>
             <a:fld id="{520EB5FF-C76E-4CB5-83D8-6F5646C2F869}" type="slidenum">
               <a:rPr lang="sv-SE" smtClean="0"/>
-              <a:t>‹#›</a:t>
+              <a:t>‹Nr.›</a:t>
             </a:fld>
             <a:endParaRPr lang="sv-SE"/>
           </a:p>
@@ -4159,7 +4159,7 @@
           <a:p>
             <a:fld id="{520EB5FF-C76E-4CB5-83D8-6F5646C2F869}" type="slidenum">
               <a:rPr lang="sv-SE" smtClean="0"/>
-              <a:t>‹#›</a:t>
+              <a:t>‹Nr.›</a:t>
             </a:fld>
             <a:endParaRPr lang="sv-SE"/>
           </a:p>
@@ -4448,7 +4448,7 @@
           <a:p>
             <a:fld id="{520EB5FF-C76E-4CB5-83D8-6F5646C2F869}" type="slidenum">
               <a:rPr lang="sv-SE" smtClean="0"/>
-              <a:t>‹#›</a:t>
+              <a:t>‹Nr.›</a:t>
             </a:fld>
             <a:endParaRPr lang="sv-SE"/>
           </a:p>
@@ -4656,7 +4656,7 @@
                 </a:solidFill>
               </a:rPr>
               <a:pPr/>
-              <a:t>‹#›</a:t>
+              <a:t>‹Nr.›</a:t>
             </a:fld>
             <a:endParaRPr lang="sv-SE">
               <a:solidFill>
@@ -4927,7 +4927,7 @@
           <a:p>
             <a:fld id="{520EB5FF-C76E-4CB5-83D8-6F5646C2F869}" type="slidenum">
               <a:rPr lang="sv-SE" smtClean="0"/>
-              <a:t>‹#›</a:t>
+              <a:t>‹Nr.›</a:t>
             </a:fld>
             <a:endParaRPr lang="sv-SE"/>
           </a:p>
@@ -5109,7 +5109,7 @@
           <a:p>
             <a:fld id="{520EB5FF-C76E-4CB5-83D8-6F5646C2F869}" type="slidenum">
               <a:rPr lang="sv-SE" smtClean="0"/>
-              <a:t>‹#›</a:t>
+              <a:t>‹Nr.›</a:t>
             </a:fld>
             <a:endParaRPr lang="sv-SE"/>
           </a:p>
@@ -5301,7 +5301,7 @@
           <a:p>
             <a:fld id="{520EB5FF-C76E-4CB5-83D8-6F5646C2F869}" type="slidenum">
               <a:rPr lang="sv-SE" smtClean="0"/>
-              <a:t>‹#›</a:t>
+              <a:t>‹Nr.›</a:t>
             </a:fld>
             <a:endParaRPr lang="sv-SE"/>
           </a:p>
@@ -5585,7 +5585,7 @@
                 </a:solidFill>
               </a:rPr>
               <a:pPr/>
-              <a:t>‹#›</a:t>
+              <a:t>‹Nr.›</a:t>
             </a:fld>
             <a:endParaRPr lang="sv-SE">
               <a:solidFill>
@@ -5917,7 +5917,7 @@
                 </a:solidFill>
               </a:rPr>
               <a:pPr/>
-              <a:t>‹#›</a:t>
+              <a:t>‹Nr.›</a:t>
             </a:fld>
             <a:endParaRPr lang="sv-SE">
               <a:solidFill>
@@ -6383,7 +6383,7 @@
                 </a:solidFill>
               </a:rPr>
               <a:pPr/>
-              <a:t>‹#›</a:t>
+              <a:t>‹Nr.›</a:t>
             </a:fld>
             <a:endParaRPr lang="sv-SE">
               <a:solidFill>
@@ -6545,7 +6545,7 @@
                 </a:solidFill>
               </a:rPr>
               <a:pPr/>
-              <a:t>‹#›</a:t>
+              <a:t>‹Nr.›</a:t>
             </a:fld>
             <a:endParaRPr lang="sv-SE">
               <a:solidFill>
@@ -6684,7 +6684,7 @@
                 </a:solidFill>
               </a:rPr>
               <a:pPr/>
-              <a:t>‹#›</a:t>
+              <a:t>‹Nr.›</a:t>
             </a:fld>
             <a:endParaRPr lang="sv-SE">
               <a:solidFill>
@@ -7005,7 +7005,7 @@
                 </a:solidFill>
               </a:rPr>
               <a:pPr/>
-              <a:t>‹#›</a:t>
+              <a:t>‹Nr.›</a:t>
             </a:fld>
             <a:endParaRPr lang="sv-SE">
               <a:solidFill>
@@ -7302,7 +7302,7 @@
                 </a:solidFill>
               </a:rPr>
               <a:pPr/>
-              <a:t>‹#›</a:t>
+              <a:t>‹Nr.›</a:t>
             </a:fld>
             <a:endParaRPr lang="sv-SE">
               <a:solidFill>
@@ -7595,7 +7595,7 @@
                 </a:solidFill>
               </a:rPr>
               <a:pPr/>
-              <a:t>‹#›</a:t>
+              <a:t>‹Nr.›</a:t>
             </a:fld>
             <a:endParaRPr lang="sv-SE">
               <a:solidFill>
@@ -8123,7 +8123,7 @@
           <a:p>
             <a:fld id="{520EB5FF-C76E-4CB5-83D8-6F5646C2F869}" type="slidenum">
               <a:rPr lang="sv-SE" smtClean="0"/>
-              <a:t>‹#›</a:t>
+              <a:t>‹Nr.›</a:t>
             </a:fld>
             <a:endParaRPr lang="sv-SE"/>
           </a:p>
@@ -12033,7 +12033,7 @@
         <p:spPr>
           <a:xfrm>
             <a:off x="533400" y="1308260"/>
-            <a:ext cx="8534400" cy="4606389"/>
+            <a:ext cx="8534400" cy="4324261"/>
           </a:xfrm>
           <a:prstGeom prst="rect">
             <a:avLst/>
@@ -12285,16 +12285,14 @@
                 <a:ea typeface="Verdana" panose="020B0604030504040204" pitchFamily="34" charset="0"/>
                 <a:cs typeface="Verdana" panose="020B0604030504040204" pitchFamily="34" charset="0"/>
               </a:rPr>
-              <a:t>Occurrences of ! and ?</a:t>
-            </a:r>
-          </a:p>
-          <a:p>
-            <a:pPr marL="457200" indent="-457200">
+              <a:t>Count negative words / Count positive words</a:t>
+            </a:r>
+          </a:p>
+          <a:p>
+            <a:pPr>
               <a:lnSpc>
                 <a:spcPts val="2200"/>
               </a:lnSpc>
-              <a:buFontTx/>
-              <a:buChar char="-"/>
             </a:pPr>
             <a:endParaRPr lang="en-US" sz="2800" b="1" spc="-150" dirty="0">
               <a:solidFill>
@@ -12318,29 +12316,37 @@
             <a:r>
               <a:rPr lang="en-US" sz="2800" b="1" spc="-150" dirty="0">
                 <a:solidFill>
-                  <a:schemeClr val="tx1">
-                    <a:lumMod val="85000"/>
-                    <a:lumOff val="15000"/>
-                  </a:schemeClr>
+                  <a:srgbClr val="FF0000"/>
                 </a:solidFill>
                 <a:ea typeface="Verdana" panose="020B0604030504040204" pitchFamily="34" charset="0"/>
                 <a:cs typeface="Verdana" panose="020B0604030504040204" pitchFamily="34" charset="0"/>
               </a:rPr>
-              <a:t>Average first sentence polarity, …</a:t>
-            </a:r>
-          </a:p>
-          <a:p>
-            <a:pPr>
-              <a:lnSpc>
-                <a:spcPts val="2200"/>
-              </a:lnSpc>
-            </a:pPr>
+              <a:t>Average first sentence polarity,?/! Count, etc. </a:t>
+            </a:r>
+            <a:r>
+              <a:rPr lang="en-US" sz="2800" b="1" spc="-150" dirty="0">
+                <a:solidFill>
+                  <a:srgbClr val="FF0000"/>
+                </a:solidFill>
+                <a:ea typeface="Verdana" panose="020B0604030504040204" pitchFamily="34" charset="0"/>
+                <a:cs typeface="Verdana" panose="020B0604030504040204" pitchFamily="34" charset="0"/>
+                <a:sym typeface="Wingdings" panose="05000000000000000000" pitchFamily="2" charset="2"/>
+              </a:rPr>
+              <a:t></a:t>
+            </a:r>
+            <a:r>
+              <a:rPr lang="en-US" sz="2800" b="1" spc="-150" dirty="0">
+                <a:solidFill>
+                  <a:srgbClr val="FF0000"/>
+                </a:solidFill>
+                <a:ea typeface="Verdana" panose="020B0604030504040204" pitchFamily="34" charset="0"/>
+                <a:cs typeface="Verdana" panose="020B0604030504040204" pitchFamily="34" charset="0"/>
+              </a:rPr>
+              <a:t> removed</a:t>
+            </a:r>
             <a:endParaRPr lang="en-US" sz="2800" b="1" spc="-150" dirty="0">
               <a:solidFill>
-                <a:schemeClr val="tx1">
-                  <a:lumMod val="85000"/>
-                  <a:lumOff val="15000"/>
-                </a:schemeClr>
+                <a:srgbClr val="FF0000"/>
               </a:solidFill>
               <a:latin typeface="+mj-lt"/>
               <a:ea typeface="Verdana" panose="020B0604030504040204" pitchFamily="34" charset="0"/>
@@ -13291,35 +13297,8 @@
                 <a:cs typeface="Verdana" panose="020B0604030504040204" pitchFamily="34" charset="0"/>
                 <a:sym typeface="Wingdings" panose="05000000000000000000" pitchFamily="2" charset="2"/>
               </a:rPr>
-              <a:t> Overall score</a:t>
-            </a:r>
-            <a:r>
-              <a:rPr lang="en-US" sz="2800" b="1" spc="-150">
-                <a:solidFill>
-                  <a:schemeClr val="tx1">
-                    <a:lumMod val="85000"/>
-                    <a:lumOff val="15000"/>
-                  </a:schemeClr>
-                </a:solidFill>
-                <a:latin typeface="+mj-lt"/>
-                <a:ea typeface="Verdana" panose="020B0604030504040204" pitchFamily="34" charset="0"/>
-                <a:cs typeface="Verdana" panose="020B0604030504040204" pitchFamily="34" charset="0"/>
-                <a:sym typeface="Wingdings" panose="05000000000000000000" pitchFamily="2" charset="2"/>
-              </a:rPr>
-              <a:t>: 88.25%</a:t>
-            </a:r>
-            <a:endParaRPr lang="en-US" sz="2800" b="1" spc="-150" dirty="0">
-              <a:solidFill>
-                <a:schemeClr val="tx1">
-                  <a:lumMod val="85000"/>
-                  <a:lumOff val="15000"/>
-                </a:schemeClr>
-              </a:solidFill>
-              <a:latin typeface="+mj-lt"/>
-              <a:ea typeface="Verdana" panose="020B0604030504040204" pitchFamily="34" charset="0"/>
-              <a:cs typeface="Verdana" panose="020B0604030504040204" pitchFamily="34" charset="0"/>
-              <a:sym typeface="Wingdings" panose="05000000000000000000" pitchFamily="2" charset="2"/>
-            </a:endParaRPr>
+              <a:t> Overall score: 88.25%</a:t>
+            </a:r>
           </a:p>
           <a:p>
             <a:pPr marL="457200" indent="-457200">
@@ -13409,7 +13388,7 @@
               </a:lnSpc>
             </a:pPr>
             <a:r>
-              <a:rPr lang="en-US" sz="2800" spc="-150" dirty="0">
+              <a:rPr lang="en-US" sz="2800" spc="-150">
                 <a:solidFill>
                   <a:schemeClr val="tx1">
                     <a:lumMod val="85000"/>
@@ -13421,7 +13400,22 @@
                 <a:cs typeface="Verdana" panose="020B0604030504040204" pitchFamily="34" charset="0"/>
                 <a:sym typeface="Wingdings" panose="05000000000000000000" pitchFamily="2" charset="2"/>
               </a:rPr>
-              <a:t>Lessons learnt / Pitfalls: </a:t>
+              <a:t>Lessons learned </a:t>
+            </a:r>
+            <a:r>
+              <a:rPr lang="en-US" sz="2800" spc="-150" dirty="0">
+                <a:solidFill>
+                  <a:schemeClr val="tx1">
+                    <a:lumMod val="85000"/>
+                    <a:lumOff val="15000"/>
+                  </a:schemeClr>
+                </a:solidFill>
+                <a:latin typeface="+mj-lt"/>
+                <a:ea typeface="Verdana" panose="020B0604030504040204" pitchFamily="34" charset="0"/>
+                <a:cs typeface="Verdana" panose="020B0604030504040204" pitchFamily="34" charset="0"/>
+                <a:sym typeface="Wingdings" panose="05000000000000000000" pitchFamily="2" charset="2"/>
+              </a:rPr>
+              <a:t>/ Pitfalls: </a:t>
             </a:r>
           </a:p>
           <a:p>

--- a/docs/presentation.pptx
+++ b/docs/presentation.pptx
@@ -230,7 +230,7 @@
           <a:p>
             <a:fld id="{26C7A51A-2887-4CD4-9243-F3ADB6C423B9}" type="datetimeFigureOut">
               <a:rPr lang="sv-SE" smtClean="0"/>
-              <a:t>2018-01-08</a:t>
+              <a:t>2018-01-15</a:t>
             </a:fld>
             <a:endParaRPr lang="sv-SE"/>
           </a:p>
@@ -1667,7 +1667,7 @@
     </p:spTree>
     <p:extLst>
       <p:ext uri="{BB962C8B-B14F-4D97-AF65-F5344CB8AC3E}">
-        <p14:creationId xmlns:p14="http://schemas.microsoft.com/office/powerpoint/2010/main" val="706369028"/>
+        <p14:creationId xmlns:p14="http://schemas.microsoft.com/office/powerpoint/2010/main" val="290925383"/>
       </p:ext>
     </p:extLst>
   </p:cSld>
@@ -1989,7 +1989,7 @@
                 </a:solidFill>
               </a:rPr>
               <a:pPr/>
-              <a:t>2018-01-08</a:t>
+              <a:t>2018-01-15</a:t>
             </a:fld>
             <a:endParaRPr lang="sv-SE">
               <a:solidFill>
@@ -2203,7 +2203,7 @@
                 </a:solidFill>
               </a:rPr>
               <a:pPr/>
-              <a:t>2018-01-08</a:t>
+              <a:t>2018-01-15</a:t>
             </a:fld>
             <a:endParaRPr lang="sv-SE">
               <a:solidFill>
@@ -2427,7 +2427,7 @@
                 </a:solidFill>
               </a:rPr>
               <a:pPr/>
-              <a:t>2018-01-08</a:t>
+              <a:t>2018-01-15</a:t>
             </a:fld>
             <a:endParaRPr lang="sv-SE">
               <a:solidFill>
@@ -2706,7 +2706,7 @@
           <a:p>
             <a:fld id="{A54D4633-28C2-4E72-8ACE-944F315291B5}" type="datetimeFigureOut">
               <a:rPr lang="sv-SE" smtClean="0"/>
-              <a:t>2018-01-08</a:t>
+              <a:t>2018-01-15</a:t>
             </a:fld>
             <a:endParaRPr lang="sv-SE"/>
           </a:p>
@@ -2888,7 +2888,7 @@
           <a:p>
             <a:fld id="{A54D4633-28C2-4E72-8ACE-944F315291B5}" type="datetimeFigureOut">
               <a:rPr lang="sv-SE" smtClean="0"/>
-              <a:t>2018-01-08</a:t>
+              <a:t>2018-01-15</a:t>
             </a:fld>
             <a:endParaRPr lang="sv-SE"/>
           </a:p>
@@ -3146,7 +3146,7 @@
           <a:p>
             <a:fld id="{A54D4633-28C2-4E72-8ACE-944F315291B5}" type="datetimeFigureOut">
               <a:rPr lang="sv-SE" smtClean="0"/>
-              <a:t>2018-01-08</a:t>
+              <a:t>2018-01-15</a:t>
             </a:fld>
             <a:endParaRPr lang="sv-SE"/>
           </a:p>
@@ -3446,7 +3446,7 @@
           <a:p>
             <a:fld id="{A54D4633-28C2-4E72-8ACE-944F315291B5}" type="datetimeFigureOut">
               <a:rPr lang="sv-SE" smtClean="0"/>
-              <a:t>2018-01-08</a:t>
+              <a:t>2018-01-15</a:t>
             </a:fld>
             <a:endParaRPr lang="sv-SE"/>
           </a:p>
@@ -3880,7 +3880,7 @@
           <a:p>
             <a:fld id="{A54D4633-28C2-4E72-8ACE-944F315291B5}" type="datetimeFigureOut">
               <a:rPr lang="sv-SE" smtClean="0"/>
-              <a:t>2018-01-08</a:t>
+              <a:t>2018-01-15</a:t>
             </a:fld>
             <a:endParaRPr lang="sv-SE"/>
           </a:p>
@@ -4010,7 +4010,7 @@
           <a:p>
             <a:fld id="{A54D4633-28C2-4E72-8ACE-944F315291B5}" type="datetimeFigureOut">
               <a:rPr lang="sv-SE" smtClean="0"/>
-              <a:t>2018-01-08</a:t>
+              <a:t>2018-01-15</a:t>
             </a:fld>
             <a:endParaRPr lang="sv-SE"/>
           </a:p>
@@ -4117,7 +4117,7 @@
           <a:p>
             <a:fld id="{A54D4633-28C2-4E72-8ACE-944F315291B5}" type="datetimeFigureOut">
               <a:rPr lang="sv-SE" smtClean="0"/>
-              <a:t>2018-01-08</a:t>
+              <a:t>2018-01-15</a:t>
             </a:fld>
             <a:endParaRPr lang="sv-SE"/>
           </a:p>
@@ -4406,7 +4406,7 @@
           <a:p>
             <a:fld id="{A54D4633-28C2-4E72-8ACE-944F315291B5}" type="datetimeFigureOut">
               <a:rPr lang="sv-SE" smtClean="0"/>
-              <a:t>2018-01-08</a:t>
+              <a:t>2018-01-15</a:t>
             </a:fld>
             <a:endParaRPr lang="sv-SE"/>
           </a:p>
@@ -4595,7 +4595,7 @@
                 </a:solidFill>
               </a:rPr>
               <a:pPr/>
-              <a:t>2018-01-08</a:t>
+              <a:t>2018-01-15</a:t>
             </a:fld>
             <a:endParaRPr lang="sv-SE">
               <a:solidFill>
@@ -4885,7 +4885,7 @@
           <a:p>
             <a:fld id="{A54D4633-28C2-4E72-8ACE-944F315291B5}" type="datetimeFigureOut">
               <a:rPr lang="sv-SE" smtClean="0"/>
-              <a:t>2018-01-08</a:t>
+              <a:t>2018-01-15</a:t>
             </a:fld>
             <a:endParaRPr lang="sv-SE"/>
           </a:p>
@@ -5067,7 +5067,7 @@
           <a:p>
             <a:fld id="{A54D4633-28C2-4E72-8ACE-944F315291B5}" type="datetimeFigureOut">
               <a:rPr lang="sv-SE" smtClean="0"/>
-              <a:t>2018-01-08</a:t>
+              <a:t>2018-01-15</a:t>
             </a:fld>
             <a:endParaRPr lang="sv-SE"/>
           </a:p>
@@ -5259,7 +5259,7 @@
           <a:p>
             <a:fld id="{A54D4633-28C2-4E72-8ACE-944F315291B5}" type="datetimeFigureOut">
               <a:rPr lang="sv-SE" smtClean="0"/>
-              <a:t>2018-01-08</a:t>
+              <a:t>2018-01-15</a:t>
             </a:fld>
             <a:endParaRPr lang="sv-SE"/>
           </a:p>
@@ -5524,7 +5524,7 @@
                 </a:solidFill>
               </a:rPr>
               <a:pPr/>
-              <a:t>2018-01-08</a:t>
+              <a:t>2018-01-15</a:t>
             </a:fld>
             <a:endParaRPr lang="sv-SE">
               <a:solidFill>
@@ -5856,7 +5856,7 @@
                 </a:solidFill>
               </a:rPr>
               <a:pPr/>
-              <a:t>2018-01-08</a:t>
+              <a:t>2018-01-15</a:t>
             </a:fld>
             <a:endParaRPr lang="sv-SE">
               <a:solidFill>
@@ -6322,7 +6322,7 @@
                 </a:solidFill>
               </a:rPr>
               <a:pPr/>
-              <a:t>2018-01-08</a:t>
+              <a:t>2018-01-15</a:t>
             </a:fld>
             <a:endParaRPr lang="sv-SE">
               <a:solidFill>
@@ -6484,7 +6484,7 @@
                 </a:solidFill>
               </a:rPr>
               <a:pPr/>
-              <a:t>2018-01-08</a:t>
+              <a:t>2018-01-15</a:t>
             </a:fld>
             <a:endParaRPr lang="sv-SE">
               <a:solidFill>
@@ -6623,7 +6623,7 @@
                 </a:solidFill>
               </a:rPr>
               <a:pPr/>
-              <a:t>2018-01-08</a:t>
+              <a:t>2018-01-15</a:t>
             </a:fld>
             <a:endParaRPr lang="sv-SE">
               <a:solidFill>
@@ -6944,7 +6944,7 @@
                 </a:solidFill>
               </a:rPr>
               <a:pPr/>
-              <a:t>2018-01-08</a:t>
+              <a:t>2018-01-15</a:t>
             </a:fld>
             <a:endParaRPr lang="sv-SE">
               <a:solidFill>
@@ -7241,7 +7241,7 @@
                 </a:solidFill>
               </a:rPr>
               <a:pPr/>
-              <a:t>2018-01-08</a:t>
+              <a:t>2018-01-15</a:t>
             </a:fld>
             <a:endParaRPr lang="sv-SE">
               <a:solidFill>
@@ -7498,7 +7498,7 @@
                 </a:solidFill>
               </a:rPr>
               <a:pPr/>
-              <a:t>2018-01-08</a:t>
+              <a:t>2018-01-15</a:t>
             </a:fld>
             <a:endParaRPr lang="sv-SE">
               <a:solidFill>
@@ -8045,7 +8045,7 @@
           <a:p>
             <a:fld id="{A54D4633-28C2-4E72-8ACE-944F315291B5}" type="datetimeFigureOut">
               <a:rPr lang="sv-SE" smtClean="0"/>
-              <a:t>2018-01-08</a:t>
+              <a:t>2018-01-15</a:t>
             </a:fld>
             <a:endParaRPr lang="sv-SE"/>
           </a:p>
@@ -8826,7 +8826,7 @@
         <p:spPr>
           <a:xfrm>
             <a:off x="457200" y="1524000"/>
-            <a:ext cx="8534400" cy="6017032"/>
+            <a:ext cx="8534400" cy="4888518"/>
           </a:xfrm>
           <a:prstGeom prst="rect">
             <a:avLst/>
@@ -8985,7 +8985,7 @@
               <a:t>2) </a:t>
             </a:r>
             <a:r>
-              <a:rPr lang="en-US" sz="2800" b="1" spc="-150" dirty="0" err="1">
+              <a:rPr lang="en-US" sz="2800" b="1" spc="-150" dirty="0">
                 <a:solidFill>
                   <a:schemeClr val="tx1">
                     <a:lumMod val="85000"/>
@@ -9010,7 +9010,7 @@
                 <a:ea typeface="Verdana" panose="020B0604030504040204" pitchFamily="34" charset="0"/>
                 <a:cs typeface="Verdana" panose="020B0604030504040204" pitchFamily="34" charset="0"/>
               </a:rPr>
-              <a:t> reviews (count occurrences of vocabulary entries)</a:t>
+              <a:t> reviews:</a:t>
             </a:r>
           </a:p>
           <a:p>
@@ -9200,187 +9200,6 @@
               </a:rPr>
               <a:t>@attribute bad numeric</a:t>
             </a:r>
-            <a:endParaRPr lang="en-US" sz="2400" b="1" spc="-150" dirty="0">
-              <a:solidFill>
-                <a:schemeClr val="tx1">
-                  <a:lumMod val="85000"/>
-                  <a:lumOff val="15000"/>
-                </a:schemeClr>
-              </a:solidFill>
-              <a:latin typeface="+mj-lt"/>
-              <a:ea typeface="Verdana" panose="020B0604030504040204" pitchFamily="34" charset="0"/>
-              <a:cs typeface="Verdana" panose="020B0604030504040204" pitchFamily="34" charset="0"/>
-            </a:endParaRPr>
-          </a:p>
-          <a:p>
-            <a:pPr>
-              <a:lnSpc>
-                <a:spcPts val="2200"/>
-              </a:lnSpc>
-            </a:pPr>
-            <a:endParaRPr lang="en-US" sz="2800" b="1" spc="-150" dirty="0">
-              <a:solidFill>
-                <a:schemeClr val="tx1">
-                  <a:lumMod val="85000"/>
-                  <a:lumOff val="15000"/>
-                </a:schemeClr>
-              </a:solidFill>
-              <a:latin typeface="+mj-lt"/>
-              <a:ea typeface="Verdana" panose="020B0604030504040204" pitchFamily="34" charset="0"/>
-              <a:cs typeface="Verdana" panose="020B0604030504040204" pitchFamily="34" charset="0"/>
-            </a:endParaRPr>
-          </a:p>
-          <a:p>
-            <a:pPr>
-              <a:lnSpc>
-                <a:spcPts val="2200"/>
-              </a:lnSpc>
-            </a:pPr>
-            <a:r>
-              <a:rPr lang="en-US" sz="2800" spc="-150" dirty="0">
-                <a:solidFill>
-                  <a:schemeClr val="tx1">
-                    <a:lumMod val="85000"/>
-                    <a:lumOff val="15000"/>
-                  </a:schemeClr>
-                </a:solidFill>
-                <a:latin typeface="+mj-lt"/>
-                <a:ea typeface="Verdana" panose="020B0604030504040204" pitchFamily="34" charset="0"/>
-                <a:cs typeface="Verdana" panose="020B0604030504040204" pitchFamily="34" charset="0"/>
-              </a:rPr>
-              <a:t>4) Use </a:t>
-            </a:r>
-            <a:r>
-              <a:rPr lang="en-US" sz="2800" spc="-150" dirty="0" err="1">
-                <a:solidFill>
-                  <a:schemeClr val="tx1">
-                    <a:lumMod val="85000"/>
-                    <a:lumOff val="15000"/>
-                  </a:schemeClr>
-                </a:solidFill>
-                <a:latin typeface="+mj-lt"/>
-                <a:ea typeface="Verdana" panose="020B0604030504040204" pitchFamily="34" charset="0"/>
-                <a:cs typeface="Verdana" panose="020B0604030504040204" pitchFamily="34" charset="0"/>
-              </a:rPr>
-              <a:t>wekas</a:t>
-            </a:r>
-            <a:r>
-              <a:rPr lang="en-US" sz="2800" spc="-150" dirty="0">
-                <a:solidFill>
-                  <a:schemeClr val="tx1">
-                    <a:lumMod val="85000"/>
-                    <a:lumOff val="15000"/>
-                  </a:schemeClr>
-                </a:solidFill>
-                <a:latin typeface="+mj-lt"/>
-                <a:ea typeface="Verdana" panose="020B0604030504040204" pitchFamily="34" charset="0"/>
-                <a:cs typeface="Verdana" panose="020B0604030504040204" pitchFamily="34" charset="0"/>
-              </a:rPr>
-              <a:t> </a:t>
-            </a:r>
-            <a:r>
-              <a:rPr lang="en-US" sz="2800" spc="-150" dirty="0" err="1">
-                <a:solidFill>
-                  <a:schemeClr val="tx1">
-                    <a:lumMod val="85000"/>
-                    <a:lumOff val="15000"/>
-                  </a:schemeClr>
-                </a:solidFill>
-                <a:latin typeface="+mj-lt"/>
-                <a:ea typeface="Verdana" panose="020B0604030504040204" pitchFamily="34" charset="0"/>
-                <a:cs typeface="Verdana" panose="020B0604030504040204" pitchFamily="34" charset="0"/>
-              </a:rPr>
-              <a:t>attributeSelection</a:t>
-            </a:r>
-            <a:r>
-              <a:rPr lang="en-US" sz="2800" spc="-150" dirty="0">
-                <a:solidFill>
-                  <a:schemeClr val="tx1">
-                    <a:lumMod val="85000"/>
-                    <a:lumOff val="15000"/>
-                  </a:schemeClr>
-                </a:solidFill>
-                <a:latin typeface="+mj-lt"/>
-                <a:ea typeface="Verdana" panose="020B0604030504040204" pitchFamily="34" charset="0"/>
-                <a:cs typeface="Verdana" panose="020B0604030504040204" pitchFamily="34" charset="0"/>
-              </a:rPr>
-              <a:t> algorithm to rank features according to their correlation, entropy </a:t>
-            </a:r>
-            <a:r>
-              <a:rPr lang="en-US" sz="2800" spc="-150" dirty="0" err="1">
-                <a:solidFill>
-                  <a:schemeClr val="tx1">
-                    <a:lumMod val="85000"/>
-                    <a:lumOff val="15000"/>
-                  </a:schemeClr>
-                </a:solidFill>
-                <a:latin typeface="+mj-lt"/>
-                <a:ea typeface="Verdana" panose="020B0604030504040204" pitchFamily="34" charset="0"/>
-                <a:cs typeface="Verdana" panose="020B0604030504040204" pitchFamily="34" charset="0"/>
-              </a:rPr>
-              <a:t>etc</a:t>
-            </a:r>
-            <a:r>
-              <a:rPr lang="en-US" sz="2800" spc="-150" dirty="0">
-                <a:solidFill>
-                  <a:schemeClr val="tx1">
-                    <a:lumMod val="85000"/>
-                    <a:lumOff val="15000"/>
-                  </a:schemeClr>
-                </a:solidFill>
-                <a:latin typeface="+mj-lt"/>
-                <a:ea typeface="Verdana" panose="020B0604030504040204" pitchFamily="34" charset="0"/>
-                <a:cs typeface="Verdana" panose="020B0604030504040204" pitchFamily="34" charset="0"/>
-              </a:rPr>
-              <a:t>:</a:t>
-            </a:r>
-            <a:r>
-              <a:rPr lang="en-US" sz="2400" spc="-150" dirty="0">
-                <a:solidFill>
-                  <a:schemeClr val="tx1">
-                    <a:lumMod val="85000"/>
-                    <a:lumOff val="15000"/>
-                  </a:schemeClr>
-                </a:solidFill>
-                <a:latin typeface="+mj-lt"/>
-                <a:ea typeface="Verdana" panose="020B0604030504040204" pitchFamily="34" charset="0"/>
-                <a:cs typeface="Verdana" panose="020B0604030504040204" pitchFamily="34" charset="0"/>
-                <a:sym typeface="Wingdings" panose="05000000000000000000" pitchFamily="2" charset="2"/>
-              </a:rPr>
-              <a:t>  </a:t>
-            </a:r>
-            <a:r>
-              <a:rPr lang="en-US" sz="2400" b="1" spc="-150" dirty="0" err="1">
-                <a:solidFill>
-                  <a:schemeClr val="tx1">
-                    <a:lumMod val="85000"/>
-                    <a:lumOff val="15000"/>
-                  </a:schemeClr>
-                </a:solidFill>
-                <a:latin typeface="+mj-lt"/>
-                <a:ea typeface="Verdana" panose="020B0604030504040204" pitchFamily="34" charset="0"/>
-                <a:cs typeface="Verdana" panose="020B0604030504040204" pitchFamily="34" charset="0"/>
-              </a:rPr>
-              <a:t>CorrelationAttributeEval</a:t>
-            </a:r>
-            <a:endParaRPr lang="en-US" sz="2400" b="1" spc="-150" dirty="0">
-              <a:solidFill>
-                <a:schemeClr val="tx1">
-                  <a:lumMod val="85000"/>
-                  <a:lumOff val="15000"/>
-                </a:schemeClr>
-              </a:solidFill>
-              <a:latin typeface="+mj-lt"/>
-              <a:ea typeface="Verdana" panose="020B0604030504040204" pitchFamily="34" charset="0"/>
-              <a:cs typeface="Verdana" panose="020B0604030504040204" pitchFamily="34" charset="0"/>
-            </a:endParaRPr>
-          </a:p>
-          <a:p>
-            <a:pPr>
-              <a:lnSpc>
-                <a:spcPts val="2200"/>
-              </a:lnSpc>
-            </a:pPr>
             <a:endParaRPr lang="en-US" sz="2800" spc="-150" dirty="0">
               <a:solidFill>
                 <a:schemeClr val="tx1">
@@ -9475,95 +9294,6 @@
       </p:transition>
     </mc:Fallback>
   </mc:AlternateContent>
-  <p:timing>
-    <p:tnLst>
-      <p:par>
-        <p:cTn id="1" dur="indefinite" restart="never" nodeType="tmRoot">
-          <p:childTnLst>
-            <p:seq concurrent="1" nextAc="seek">
-              <p:cTn id="2" dur="indefinite" nodeType="mainSeq">
-                <p:childTnLst>
-                  <p:par>
-                    <p:cTn id="3" fill="hold">
-                      <p:stCondLst>
-                        <p:cond delay="indefinite"/>
-                        <p:cond evt="onBegin" delay="0">
-                          <p:tn val="2"/>
-                        </p:cond>
-                      </p:stCondLst>
-                      <p:childTnLst>
-                        <p:par>
-                          <p:cTn id="4" fill="hold">
-                            <p:stCondLst>
-                              <p:cond delay="0"/>
-                            </p:stCondLst>
-                            <p:childTnLst>
-                              <p:par>
-                                <p:cTn id="5" presetID="10" presetClass="entr" presetSubtype="0" fill="hold" grpId="0" nodeType="withEffect">
-                                  <p:stCondLst>
-                                    <p:cond delay="250"/>
-                                  </p:stCondLst>
-                                  <p:childTnLst>
-                                    <p:set>
-                                      <p:cBhvr>
-                                        <p:cTn id="6" dur="1" fill="hold">
-                                          <p:stCondLst>
-                                            <p:cond delay="0"/>
-                                          </p:stCondLst>
-                                        </p:cTn>
-                                        <p:tgtEl>
-                                          <p:spTgt spid="2"/>
-                                        </p:tgtEl>
-                                        <p:attrNameLst>
-                                          <p:attrName>style.visibility</p:attrName>
-                                        </p:attrNameLst>
-                                      </p:cBhvr>
-                                      <p:to>
-                                        <p:strVal val="visible"/>
-                                      </p:to>
-                                    </p:set>
-                                    <p:animEffect transition="in" filter="fade">
-                                      <p:cBhvr>
-                                        <p:cTn id="7" dur="500"/>
-                                        <p:tgtEl>
-                                          <p:spTgt spid="2"/>
-                                        </p:tgtEl>
-                                      </p:cBhvr>
-                                    </p:animEffect>
-                                  </p:childTnLst>
-                                </p:cTn>
-                              </p:par>
-                            </p:childTnLst>
-                          </p:cTn>
-                        </p:par>
-                      </p:childTnLst>
-                    </p:cTn>
-                  </p:par>
-                </p:childTnLst>
-              </p:cTn>
-              <p:prevCondLst>
-                <p:cond evt="onPrev" delay="0">
-                  <p:tgtEl>
-                    <p:sldTgt/>
-                  </p:tgtEl>
-                </p:cond>
-              </p:prevCondLst>
-              <p:nextCondLst>
-                <p:cond evt="onNext" delay="0">
-                  <p:tgtEl>
-                    <p:sldTgt/>
-                  </p:tgtEl>
-                </p:cond>
-              </p:nextCondLst>
-            </p:seq>
-          </p:childTnLst>
-        </p:cTn>
-      </p:par>
-    </p:tnLst>
-    <p:bldLst>
-      <p:bldP spid="2" grpId="0"/>
-    </p:bldLst>
-  </p:timing>
 </p:sld>
 </file>
 
@@ -9690,7 +9420,7 @@
         <p:spPr>
           <a:xfrm>
             <a:off x="457200" y="1524000"/>
-            <a:ext cx="8534400" cy="4324261"/>
+            <a:ext cx="8534400" cy="3195747"/>
           </a:xfrm>
           <a:prstGeom prst="rect">
             <a:avLst/>
@@ -9702,13 +9432,15 @@
           </a:bodyPr>
           <a:lstStyle/>
           <a:p>
-            <a:pPr>
+            <a:pPr marL="457200" indent="-457200">
               <a:lnSpc>
                 <a:spcPts val="2200"/>
               </a:lnSpc>
+              <a:buFontTx/>
+              <a:buChar char="-"/>
             </a:pPr>
             <a:r>
-              <a:rPr lang="en-US" sz="2800" spc="-150" dirty="0">
+              <a:rPr lang="fr-CH" sz="2800" spc="-150" dirty="0" err="1">
                 <a:solidFill>
                   <a:schemeClr val="tx1">
                     <a:lumMod val="85000"/>
@@ -9719,10 +9451,10 @@
                 <a:ea typeface="Verdana" panose="020B0604030504040204" pitchFamily="34" charset="0"/>
                 <a:cs typeface="Verdana" panose="020B0604030504040204" pitchFamily="34" charset="0"/>
               </a:rPr>
-              <a:t>- </a:t>
-            </a:r>
-            <a:r>
-              <a:rPr lang="fr-CH" sz="2800" spc="-150" dirty="0" err="1">
+              <a:t>We</a:t>
+            </a:r>
+            <a:r>
+              <a:rPr lang="fr-CH" sz="2800" spc="-150" dirty="0">
                 <a:solidFill>
                   <a:schemeClr val="tx1">
                     <a:lumMod val="85000"/>
@@ -9733,10 +9465,10 @@
                 <a:ea typeface="Verdana" panose="020B0604030504040204" pitchFamily="34" charset="0"/>
                 <a:cs typeface="Verdana" panose="020B0604030504040204" pitchFamily="34" charset="0"/>
               </a:rPr>
-              <a:t>We</a:t>
-            </a:r>
-            <a:r>
-              <a:rPr lang="fr-CH" sz="2800" spc="-150" dirty="0">
+              <a:t> </a:t>
+            </a:r>
+            <a:r>
+              <a:rPr lang="fr-CH" sz="2800" spc="-150" dirty="0" err="1">
                 <a:solidFill>
                   <a:schemeClr val="tx1">
                     <a:lumMod val="85000"/>
@@ -9747,10 +9479,10 @@
                 <a:ea typeface="Verdana" panose="020B0604030504040204" pitchFamily="34" charset="0"/>
                 <a:cs typeface="Verdana" panose="020B0604030504040204" pitchFamily="34" charset="0"/>
               </a:rPr>
-              <a:t> </a:t>
-            </a:r>
-            <a:r>
-              <a:rPr lang="fr-CH" sz="2800" spc="-150" dirty="0" err="1">
+              <a:t>didn’t</a:t>
+            </a:r>
+            <a:r>
+              <a:rPr lang="fr-CH" sz="2800" spc="-150" dirty="0">
                 <a:solidFill>
                   <a:schemeClr val="tx1">
                     <a:lumMod val="85000"/>
@@ -9761,10 +9493,10 @@
                 <a:ea typeface="Verdana" panose="020B0604030504040204" pitchFamily="34" charset="0"/>
                 <a:cs typeface="Verdana" panose="020B0604030504040204" pitchFamily="34" charset="0"/>
               </a:rPr>
-              <a:t>didn’t</a:t>
-            </a:r>
-            <a:r>
-              <a:rPr lang="fr-CH" sz="2800" spc="-150" dirty="0">
+              <a:t> know about </a:t>
+            </a:r>
+            <a:r>
+              <a:rPr lang="fr-CH" sz="2800" spc="-150" dirty="0" err="1">
                 <a:solidFill>
                   <a:schemeClr val="tx1">
                     <a:lumMod val="85000"/>
@@ -9775,10 +9507,10 @@
                 <a:ea typeface="Verdana" panose="020B0604030504040204" pitchFamily="34" charset="0"/>
                 <a:cs typeface="Verdana" panose="020B0604030504040204" pitchFamily="34" charset="0"/>
               </a:rPr>
-              <a:t> know about </a:t>
-            </a:r>
-            <a:r>
-              <a:rPr lang="fr-CH" sz="2800" spc="-150" dirty="0" err="1">
+              <a:t>wekas</a:t>
+            </a:r>
+            <a:r>
+              <a:rPr lang="fr-CH" sz="2800" spc="-150" dirty="0">
                 <a:solidFill>
                   <a:schemeClr val="tx1">
                     <a:lumMod val="85000"/>
@@ -9789,10 +9521,10 @@
                 <a:ea typeface="Verdana" panose="020B0604030504040204" pitchFamily="34" charset="0"/>
                 <a:cs typeface="Verdana" panose="020B0604030504040204" pitchFamily="34" charset="0"/>
               </a:rPr>
-              <a:t>wekas</a:t>
-            </a:r>
-            <a:r>
-              <a:rPr lang="fr-CH" sz="2800" spc="-150" dirty="0">
+              <a:t> </a:t>
+            </a:r>
+            <a:r>
+              <a:rPr lang="de-CH" sz="2800" spc="-150" dirty="0" err="1">
                 <a:solidFill>
                   <a:schemeClr val="tx1">
                     <a:lumMod val="85000"/>
@@ -9803,10 +9535,10 @@
                 <a:ea typeface="Verdana" panose="020B0604030504040204" pitchFamily="34" charset="0"/>
                 <a:cs typeface="Verdana" panose="020B0604030504040204" pitchFamily="34" charset="0"/>
               </a:rPr>
-              <a:t> </a:t>
-            </a:r>
-            <a:r>
-              <a:rPr lang="de-CH" sz="2800" spc="-150" dirty="0" err="1">
+              <a:t>StringToWordVector</a:t>
+            </a:r>
+            <a:r>
+              <a:rPr lang="de-CH" sz="2800" spc="-150" dirty="0">
                 <a:solidFill>
                   <a:schemeClr val="tx1">
                     <a:lumMod val="85000"/>
@@ -9817,10 +9549,39 @@
                 <a:ea typeface="Verdana" panose="020B0604030504040204" pitchFamily="34" charset="0"/>
                 <a:cs typeface="Verdana" panose="020B0604030504040204" pitchFamily="34" charset="0"/>
               </a:rPr>
-              <a:t>StringToWordVector</a:t>
-            </a:r>
-            <a:r>
-              <a:rPr lang="de-CH" sz="2800" spc="-150" dirty="0">
+              <a:t>()</a:t>
+            </a:r>
+          </a:p>
+          <a:p>
+            <a:pPr marL="457200" indent="-457200">
+              <a:lnSpc>
+                <a:spcPts val="2200"/>
+              </a:lnSpc>
+              <a:buFontTx/>
+              <a:buChar char="-"/>
+            </a:pPr>
+            <a:endParaRPr lang="de-CH" sz="2800" spc="-150" dirty="0">
+              <a:solidFill>
+                <a:schemeClr val="tx1">
+                  <a:lumMod val="85000"/>
+                  <a:lumOff val="15000"/>
+                </a:schemeClr>
+              </a:solidFill>
+              <a:latin typeface="+mj-lt"/>
+              <a:ea typeface="Verdana" panose="020B0604030504040204" pitchFamily="34" charset="0"/>
+              <a:cs typeface="Verdana" panose="020B0604030504040204" pitchFamily="34" charset="0"/>
+            </a:endParaRPr>
+          </a:p>
+          <a:p>
+            <a:pPr marL="457200" indent="-457200">
+              <a:lnSpc>
+                <a:spcPts val="2200"/>
+              </a:lnSpc>
+              <a:buFontTx/>
+              <a:buChar char="-"/>
+            </a:pPr>
+            <a:r>
+              <a:rPr lang="de-CH" sz="2800" spc="-150" dirty="0" err="1">
                 <a:solidFill>
                   <a:schemeClr val="tx1">
                     <a:lumMod val="85000"/>
@@ -9831,7 +9592,91 @@
                 <a:ea typeface="Verdana" panose="020B0604030504040204" pitchFamily="34" charset="0"/>
                 <a:cs typeface="Verdana" panose="020B0604030504040204" pitchFamily="34" charset="0"/>
               </a:rPr>
-              <a:t>()</a:t>
+              <a:t>No</a:t>
+            </a:r>
+            <a:r>
+              <a:rPr lang="de-CH" sz="2800" spc="-150" dirty="0">
+                <a:solidFill>
+                  <a:schemeClr val="tx1">
+                    <a:lumMod val="85000"/>
+                    <a:lumOff val="15000"/>
+                  </a:schemeClr>
+                </a:solidFill>
+                <a:latin typeface="+mj-lt"/>
+                <a:ea typeface="Verdana" panose="020B0604030504040204" pitchFamily="34" charset="0"/>
+                <a:cs typeface="Verdana" panose="020B0604030504040204" pitchFamily="34" charset="0"/>
+              </a:rPr>
+              <a:t> .ARFF, </a:t>
+            </a:r>
+            <a:r>
+              <a:rPr lang="de-CH" sz="2800" spc="-150" dirty="0" err="1">
+                <a:solidFill>
+                  <a:schemeClr val="tx1">
+                    <a:lumMod val="85000"/>
+                    <a:lumOff val="15000"/>
+                  </a:schemeClr>
+                </a:solidFill>
+                <a:latin typeface="+mj-lt"/>
+                <a:ea typeface="Verdana" panose="020B0604030504040204" pitchFamily="34" charset="0"/>
+                <a:cs typeface="Verdana" panose="020B0604030504040204" pitchFamily="34" charset="0"/>
+              </a:rPr>
+              <a:t>no</a:t>
+            </a:r>
+            <a:r>
+              <a:rPr lang="de-CH" sz="2800" spc="-150" dirty="0">
+                <a:solidFill>
+                  <a:schemeClr val="tx1">
+                    <a:lumMod val="85000"/>
+                    <a:lumOff val="15000"/>
+                  </a:schemeClr>
+                </a:solidFill>
+                <a:latin typeface="+mj-lt"/>
+                <a:ea typeface="Verdana" panose="020B0604030504040204" pitchFamily="34" charset="0"/>
+                <a:cs typeface="Verdana" panose="020B0604030504040204" pitchFamily="34" charset="0"/>
+              </a:rPr>
+              <a:t> </a:t>
+            </a:r>
+            <a:r>
+              <a:rPr lang="de-CH" sz="2800" spc="-150" dirty="0" err="1">
+                <a:solidFill>
+                  <a:schemeClr val="tx1">
+                    <a:lumMod val="85000"/>
+                    <a:lumOff val="15000"/>
+                  </a:schemeClr>
+                </a:solidFill>
+                <a:latin typeface="+mj-lt"/>
+                <a:ea typeface="Verdana" panose="020B0604030504040204" pitchFamily="34" charset="0"/>
+                <a:cs typeface="Verdana" panose="020B0604030504040204" pitchFamily="34" charset="0"/>
+              </a:rPr>
+              <a:t>weka</a:t>
+            </a:r>
+            <a:r>
+              <a:rPr lang="de-CH" sz="2800" spc="-150" dirty="0">
+                <a:solidFill>
+                  <a:schemeClr val="tx1">
+                    <a:lumMod val="85000"/>
+                    <a:lumOff val="15000"/>
+                  </a:schemeClr>
+                </a:solidFill>
+                <a:latin typeface="+mj-lt"/>
+                <a:ea typeface="Verdana" panose="020B0604030504040204" pitchFamily="34" charset="0"/>
+                <a:cs typeface="Verdana" panose="020B0604030504040204" pitchFamily="34" charset="0"/>
+              </a:rPr>
+              <a:t> </a:t>
+            </a:r>
+            <a:r>
+              <a:rPr lang="de-CH" sz="2800" spc="-150" dirty="0" err="1">
+                <a:solidFill>
+                  <a:schemeClr val="tx1">
+                    <a:lumMod val="85000"/>
+                    <a:lumOff val="15000"/>
+                  </a:schemeClr>
+                </a:solidFill>
+                <a:latin typeface="+mj-lt"/>
+                <a:ea typeface="Verdana" panose="020B0604030504040204" pitchFamily="34" charset="0"/>
+                <a:cs typeface="Verdana" panose="020B0604030504040204" pitchFamily="34" charset="0"/>
+              </a:rPr>
+              <a:t>evaluation</a:t>
             </a:r>
             <a:endParaRPr lang="en-US" sz="2800" spc="-150" dirty="0">
               <a:solidFill>
@@ -9881,7 +9726,7 @@
                 <a:ea typeface="Verdana" panose="020B0604030504040204" pitchFamily="34" charset="0"/>
                 <a:cs typeface="Verdana" panose="020B0604030504040204" pitchFamily="34" charset="0"/>
               </a:rPr>
-              <a:t>- Idea: Use only words with a sentiment score &gt; |0.25|</a:t>
+              <a:t>-       Our idea: only words with a polarity &gt; |0.25|</a:t>
             </a:r>
             <a:endParaRPr lang="en-US" sz="2800" b="1" spc="-150" dirty="0">
               <a:solidFill>
@@ -10005,102 +9850,6 @@
               <a:ea typeface="Verdana" panose="020B0604030504040204" pitchFamily="34" charset="0"/>
               <a:cs typeface="Verdana" panose="020B0604030504040204" pitchFamily="34" charset="0"/>
             </a:endParaRPr>
-          </a:p>
-          <a:p>
-            <a:pPr>
-              <a:lnSpc>
-                <a:spcPts val="2200"/>
-              </a:lnSpc>
-            </a:pPr>
-            <a:r>
-              <a:rPr lang="en-US" sz="2400" spc="-150" dirty="0">
-                <a:solidFill>
-                  <a:schemeClr val="tx1">
-                    <a:lumMod val="85000"/>
-                    <a:lumOff val="15000"/>
-                  </a:schemeClr>
-                </a:solidFill>
-                <a:latin typeface="+mj-lt"/>
-                <a:ea typeface="Verdana" panose="020B0604030504040204" pitchFamily="34" charset="0"/>
-                <a:cs typeface="Verdana" panose="020B0604030504040204" pitchFamily="34" charset="0"/>
-              </a:rPr>
-              <a:t>Resulting vocabulary:  </a:t>
-            </a:r>
-            <a:r>
-              <a:rPr lang="en-US" sz="2400" b="1" spc="-150" dirty="0">
-                <a:latin typeface="+mj-lt"/>
-                <a:ea typeface="Verdana" panose="020B0604030504040204" pitchFamily="34" charset="0"/>
-                <a:cs typeface="Verdana" panose="020B0604030504040204" pitchFamily="34" charset="0"/>
-              </a:rPr>
-              <a:t>[masterpiece, bad, great, stupid, ‘the best’, poor, ridiculous, terrible, awful, dull, wasted, terrific, poorly, wonderfully, masterpiece, ‘the only thing’, ‘of the worst’, hilarious, …]</a:t>
-            </a:r>
-          </a:p>
-          <a:p>
-            <a:pPr>
-              <a:lnSpc>
-                <a:spcPts val="2200"/>
-              </a:lnSpc>
-            </a:pPr>
-            <a:endParaRPr lang="en-US" sz="2800" spc="-150" dirty="0">
-              <a:solidFill>
-                <a:schemeClr val="tx1">
-                  <a:lumMod val="85000"/>
-                  <a:lumOff val="15000"/>
-                </a:schemeClr>
-              </a:solidFill>
-              <a:latin typeface="+mj-lt"/>
-              <a:ea typeface="Verdana" panose="020B0604030504040204" pitchFamily="34" charset="0"/>
-              <a:cs typeface="Verdana" panose="020B0604030504040204" pitchFamily="34" charset="0"/>
-            </a:endParaRPr>
-          </a:p>
-          <a:p>
-            <a:pPr>
-              <a:lnSpc>
-                <a:spcPts val="2200"/>
-              </a:lnSpc>
-            </a:pPr>
-            <a:r>
-              <a:rPr lang="en-US" sz="2800" spc="-150" dirty="0">
-                <a:solidFill>
-                  <a:schemeClr val="tx1">
-                    <a:lumMod val="85000"/>
-                    <a:lumOff val="15000"/>
-                  </a:schemeClr>
-                </a:solidFill>
-                <a:latin typeface="+mj-lt"/>
-                <a:ea typeface="Verdana" panose="020B0604030504040204" pitchFamily="34" charset="0"/>
-                <a:cs typeface="Verdana" panose="020B0604030504040204" pitchFamily="34" charset="0"/>
-              </a:rPr>
-              <a:t>- Better score with 1000 </a:t>
-            </a:r>
-            <a:r>
-              <a:rPr lang="en-US" sz="2800" spc="-150" dirty="0" err="1">
-                <a:solidFill>
-                  <a:schemeClr val="tx1">
-                    <a:lumMod val="85000"/>
-                    <a:lumOff val="15000"/>
-                  </a:schemeClr>
-                </a:solidFill>
-                <a:latin typeface="+mj-lt"/>
-                <a:ea typeface="Verdana" panose="020B0604030504040204" pitchFamily="34" charset="0"/>
-                <a:cs typeface="Verdana" panose="020B0604030504040204" pitchFamily="34" charset="0"/>
-              </a:rPr>
-              <a:t>prefiltered</a:t>
-            </a:r>
-            <a:r>
-              <a:rPr lang="en-US" sz="2800" spc="-150" dirty="0">
-                <a:solidFill>
-                  <a:schemeClr val="tx1">
-                    <a:lumMod val="85000"/>
-                    <a:lumOff val="15000"/>
-                  </a:schemeClr>
-                </a:solidFill>
-                <a:latin typeface="+mj-lt"/>
-                <a:ea typeface="Verdana" panose="020B0604030504040204" pitchFamily="34" charset="0"/>
-                <a:cs typeface="Verdana" panose="020B0604030504040204" pitchFamily="34" charset="0"/>
-              </a:rPr>
-              <a:t> words than with 20k unfiltered words</a:t>
-            </a:r>
           </a:p>
           <a:p>
             <a:pPr>
@@ -10159,6 +9908,140 @@
               <a:ea typeface="Verdana" panose="020B0604030504040204" pitchFamily="34" charset="0"/>
               <a:cs typeface="Verdana" panose="020B0604030504040204" pitchFamily="34" charset="0"/>
             </a:endParaRPr>
+          </a:p>
+        </p:txBody>
+      </p:sp>
+      <p:sp>
+        <p:nvSpPr>
+          <p:cNvPr id="3" name="Textfeld 2">
+            <a:extLst>
+              <a:ext uri="{FF2B5EF4-FFF2-40B4-BE49-F238E27FC236}">
+                <a16:creationId xmlns:a16="http://schemas.microsoft.com/office/drawing/2014/main" id="{3DC71E22-168D-4252-B79D-ED95DF4A68B8}"/>
+              </a:ext>
+            </a:extLst>
+          </p:cNvPr>
+          <p:cNvSpPr txBox="1"/>
+          <p:nvPr/>
+        </p:nvSpPr>
+        <p:spPr>
+          <a:xfrm>
+            <a:off x="423672" y="4191000"/>
+            <a:ext cx="7729728" cy="2344231"/>
+          </a:xfrm>
+          <a:prstGeom prst="rect">
+            <a:avLst/>
+          </a:prstGeom>
+          <a:noFill/>
+        </p:spPr>
+        <p:txBody>
+          <a:bodyPr wrap="square" rtlCol="0">
+            <a:spAutoFit/>
+          </a:bodyPr>
+          <a:lstStyle/>
+          <a:p>
+            <a:pPr>
+              <a:lnSpc>
+                <a:spcPts val="2200"/>
+              </a:lnSpc>
+            </a:pPr>
+            <a:r>
+              <a:rPr lang="en-US" sz="2800" spc="-150" dirty="0">
+                <a:solidFill>
+                  <a:schemeClr val="tx1">
+                    <a:lumMod val="85000"/>
+                    <a:lumOff val="15000"/>
+                  </a:schemeClr>
+                </a:solidFill>
+                <a:latin typeface="+mj-lt"/>
+                <a:ea typeface="Verdana" panose="020B0604030504040204" pitchFamily="34" charset="0"/>
+                <a:cs typeface="Verdana" panose="020B0604030504040204" pitchFamily="34" charset="0"/>
+              </a:rPr>
+              <a:t>Resulting vocabulary:  </a:t>
+            </a:r>
+            <a:r>
+              <a:rPr lang="en-US" sz="2800" b="1" spc="-150" dirty="0">
+                <a:solidFill>
+                  <a:schemeClr val="tx1">
+                    <a:lumMod val="85000"/>
+                    <a:lumOff val="15000"/>
+                  </a:schemeClr>
+                </a:solidFill>
+                <a:latin typeface="+mj-lt"/>
+                <a:ea typeface="Verdana" panose="020B0604030504040204" pitchFamily="34" charset="0"/>
+                <a:cs typeface="Verdana" panose="020B0604030504040204" pitchFamily="34" charset="0"/>
+              </a:rPr>
+              <a:t>[masterpiece, bad, great, stupid, ‘the best’, poor, ridiculous, terrible, awful, dull, wasted, terrific, poorly, wonderfully, masterpiece, ‘the only thing’, ‘of the worst’, hilarious, …]</a:t>
+            </a:r>
+          </a:p>
+          <a:p>
+            <a:pPr>
+              <a:lnSpc>
+                <a:spcPts val="2200"/>
+              </a:lnSpc>
+            </a:pPr>
+            <a:endParaRPr lang="en-US" sz="2800" spc="-150" dirty="0">
+              <a:solidFill>
+                <a:schemeClr val="tx1">
+                  <a:lumMod val="85000"/>
+                  <a:lumOff val="15000"/>
+                </a:schemeClr>
+              </a:solidFill>
+              <a:latin typeface="+mj-lt"/>
+              <a:ea typeface="Verdana" panose="020B0604030504040204" pitchFamily="34" charset="0"/>
+              <a:cs typeface="Verdana" panose="020B0604030504040204" pitchFamily="34" charset="0"/>
+            </a:endParaRPr>
+          </a:p>
+          <a:p>
+            <a:pPr>
+              <a:lnSpc>
+                <a:spcPts val="2200"/>
+              </a:lnSpc>
+            </a:pPr>
+            <a:r>
+              <a:rPr lang="en-US" sz="2800" spc="-150" dirty="0">
+                <a:solidFill>
+                  <a:schemeClr val="tx1">
+                    <a:lumMod val="85000"/>
+                    <a:lumOff val="15000"/>
+                  </a:schemeClr>
+                </a:solidFill>
+                <a:latin typeface="+mj-lt"/>
+                <a:ea typeface="Verdana" panose="020B0604030504040204" pitchFamily="34" charset="0"/>
+                <a:cs typeface="Verdana" panose="020B0604030504040204" pitchFamily="34" charset="0"/>
+              </a:rPr>
+              <a:t>- Better score with 1000 </a:t>
+            </a:r>
+            <a:r>
+              <a:rPr lang="en-US" sz="2800" spc="-150" dirty="0" err="1">
+                <a:solidFill>
+                  <a:schemeClr val="tx1">
+                    <a:lumMod val="85000"/>
+                    <a:lumOff val="15000"/>
+                  </a:schemeClr>
+                </a:solidFill>
+                <a:latin typeface="+mj-lt"/>
+                <a:ea typeface="Verdana" panose="020B0604030504040204" pitchFamily="34" charset="0"/>
+                <a:cs typeface="Verdana" panose="020B0604030504040204" pitchFamily="34" charset="0"/>
+              </a:rPr>
+              <a:t>prefiltered</a:t>
+            </a:r>
+            <a:r>
+              <a:rPr lang="en-US" sz="2800" spc="-150" dirty="0">
+                <a:solidFill>
+                  <a:schemeClr val="tx1">
+                    <a:lumMod val="85000"/>
+                    <a:lumOff val="15000"/>
+                  </a:schemeClr>
+                </a:solidFill>
+                <a:latin typeface="+mj-lt"/>
+                <a:ea typeface="Verdana" panose="020B0604030504040204" pitchFamily="34" charset="0"/>
+                <a:cs typeface="Verdana" panose="020B0604030504040204" pitchFamily="34" charset="0"/>
+              </a:rPr>
+              <a:t> words than with 10k unfiltered words</a:t>
+            </a:r>
+          </a:p>
+          <a:p>
+            <a:endParaRPr lang="de-CH" dirty="0"/>
           </a:p>
         </p:txBody>
       </p:sp>
@@ -10196,9 +10079,6 @@
                     <p:cTn id="3" fill="hold">
                       <p:stCondLst>
                         <p:cond delay="indefinite"/>
-                        <p:cond evt="onBegin" delay="0">
-                          <p:tn val="2"/>
-                        </p:cond>
                       </p:stCondLst>
                       <p:childTnLst>
                         <p:par>
@@ -10208,9 +10088,9 @@
                             </p:stCondLst>
                             <p:childTnLst>
                               <p:par>
-                                <p:cTn id="5" presetID="10" presetClass="entr" presetSubtype="0" fill="hold" grpId="0" nodeType="withEffect">
+                                <p:cTn id="5" presetID="1" presetClass="entr" presetSubtype="0" fill="hold" grpId="0" nodeType="clickEffect">
                                   <p:stCondLst>
-                                    <p:cond delay="250"/>
+                                    <p:cond delay="0"/>
                                   </p:stCondLst>
                                   <p:childTnLst>
                                     <p:set>
@@ -10221,7 +10101,7 @@
                                           </p:stCondLst>
                                         </p:cTn>
                                         <p:tgtEl>
-                                          <p:spTgt spid="2"/>
+                                          <p:spTgt spid="3"/>
                                         </p:tgtEl>
                                         <p:attrNameLst>
                                           <p:attrName>style.visibility</p:attrName>
@@ -10231,14 +10111,6 @@
                                         <p:strVal val="visible"/>
                                       </p:to>
                                     </p:set>
-                                    <p:animEffect transition="in" filter="fade">
-                                      <p:cBhvr>
-                                        <p:cTn id="7" dur="500"/>
-                                        <p:tgtEl>
-                                          <p:spTgt spid="2"/>
-                                        </p:tgtEl>
-                                      </p:cBhvr>
-                                    </p:animEffect>
                                   </p:childTnLst>
                                 </p:cTn>
                               </p:par>
@@ -10270,7 +10142,7 @@
       </p:par>
     </p:tnLst>
     <p:bldLst>
-      <p:bldP spid="2" grpId="0"/>
+      <p:bldP spid="3" grpId="0"/>
     </p:bldLst>
   </p:timing>
 </p:sld>
@@ -10458,8 +10330,33 @@
                 <a:ea typeface="Verdana" panose="020B0604030504040204" pitchFamily="34" charset="0"/>
                 <a:cs typeface="Verdana" panose="020B0604030504040204" pitchFamily="34" charset="0"/>
               </a:rPr>
-              <a:t>): ~67%</a:t>
-            </a:r>
+              <a:t>): </a:t>
+            </a:r>
+            <a:r>
+              <a:rPr lang="en-US" sz="2800" b="1" spc="-150">
+                <a:solidFill>
+                  <a:schemeClr val="tx1">
+                    <a:lumMod val="85000"/>
+                    <a:lumOff val="15000"/>
+                  </a:schemeClr>
+                </a:solidFill>
+                <a:latin typeface="+mj-lt"/>
+                <a:ea typeface="Verdana" panose="020B0604030504040204" pitchFamily="34" charset="0"/>
+                <a:cs typeface="Verdana" panose="020B0604030504040204" pitchFamily="34" charset="0"/>
+              </a:rPr>
+              <a:t>~66%</a:t>
+            </a:r>
+            <a:endParaRPr lang="en-US" sz="2800" b="1" spc="-150" dirty="0">
+              <a:solidFill>
+                <a:schemeClr val="tx1">
+                  <a:lumMod val="85000"/>
+                  <a:lumOff val="15000"/>
+                </a:schemeClr>
+              </a:solidFill>
+              <a:latin typeface="+mj-lt"/>
+              <a:ea typeface="Verdana" panose="020B0604030504040204" pitchFamily="34" charset="0"/>
+              <a:cs typeface="Verdana" panose="020B0604030504040204" pitchFamily="34" charset="0"/>
+            </a:endParaRPr>
           </a:p>
           <a:p>
             <a:pPr marL="342900" indent="-342900">
@@ -11818,95 +11715,6 @@
       </p:transition>
     </mc:Fallback>
   </mc:AlternateContent>
-  <p:timing>
-    <p:tnLst>
-      <p:par>
-        <p:cTn id="1" dur="indefinite" restart="never" nodeType="tmRoot">
-          <p:childTnLst>
-            <p:seq concurrent="1" nextAc="seek">
-              <p:cTn id="2" dur="indefinite" nodeType="mainSeq">
-                <p:childTnLst>
-                  <p:par>
-                    <p:cTn id="3" fill="hold">
-                      <p:stCondLst>
-                        <p:cond delay="indefinite"/>
-                        <p:cond evt="onBegin" delay="0">
-                          <p:tn val="2"/>
-                        </p:cond>
-                      </p:stCondLst>
-                      <p:childTnLst>
-                        <p:par>
-                          <p:cTn id="4" fill="hold">
-                            <p:stCondLst>
-                              <p:cond delay="0"/>
-                            </p:stCondLst>
-                            <p:childTnLst>
-                              <p:par>
-                                <p:cTn id="5" presetID="10" presetClass="entr" presetSubtype="0" fill="hold" grpId="0" nodeType="withEffect">
-                                  <p:stCondLst>
-                                    <p:cond delay="250"/>
-                                  </p:stCondLst>
-                                  <p:childTnLst>
-                                    <p:set>
-                                      <p:cBhvr>
-                                        <p:cTn id="6" dur="1" fill="hold">
-                                          <p:stCondLst>
-                                            <p:cond delay="0"/>
-                                          </p:stCondLst>
-                                        </p:cTn>
-                                        <p:tgtEl>
-                                          <p:spTgt spid="2"/>
-                                        </p:tgtEl>
-                                        <p:attrNameLst>
-                                          <p:attrName>style.visibility</p:attrName>
-                                        </p:attrNameLst>
-                                      </p:cBhvr>
-                                      <p:to>
-                                        <p:strVal val="visible"/>
-                                      </p:to>
-                                    </p:set>
-                                    <p:animEffect transition="in" filter="fade">
-                                      <p:cBhvr>
-                                        <p:cTn id="7" dur="500"/>
-                                        <p:tgtEl>
-                                          <p:spTgt spid="2"/>
-                                        </p:tgtEl>
-                                      </p:cBhvr>
-                                    </p:animEffect>
-                                  </p:childTnLst>
-                                </p:cTn>
-                              </p:par>
-                            </p:childTnLst>
-                          </p:cTn>
-                        </p:par>
-                      </p:childTnLst>
-                    </p:cTn>
-                  </p:par>
-                </p:childTnLst>
-              </p:cTn>
-              <p:prevCondLst>
-                <p:cond evt="onPrev" delay="0">
-                  <p:tgtEl>
-                    <p:sldTgt/>
-                  </p:tgtEl>
-                </p:cond>
-              </p:prevCondLst>
-              <p:nextCondLst>
-                <p:cond evt="onNext" delay="0">
-                  <p:tgtEl>
-                    <p:sldTgt/>
-                  </p:tgtEl>
-                </p:cond>
-              </p:nextCondLst>
-            </p:seq>
-          </p:childTnLst>
-        </p:cTn>
-      </p:par>
-    </p:tnLst>
-    <p:bldLst>
-      <p:bldP spid="2" grpId="0"/>
-    </p:bldLst>
-  </p:timing>
 </p:sld>
 </file>
 
@@ -12375,8 +12183,8 @@
           </a:p>
         </p:txBody>
       </p:sp>
-      <mc:AlternateContent xmlns:mc="http://schemas.openxmlformats.org/markup-compatibility/2006" xmlns:a14="http://schemas.microsoft.com/office/drawing/2010/main">
-        <mc:Choice Requires="a14">
+      <mc:AlternateContent xmlns:mc="http://schemas.openxmlformats.org/markup-compatibility/2006">
+        <mc:Choice xmlns:a14="http://schemas.microsoft.com/office/drawing/2010/main" Requires="a14">
           <p:sp>
             <p:nvSpPr>
               <p:cNvPr id="5" name="Rectangle 4">
@@ -12467,68 +12275,6 @@
                       <m:jc m:val="centerGroup"/>
                     </m:oMathParaPr>
                     <m:oMath xmlns:m="http://schemas.openxmlformats.org/officeDocument/2006/math">
-                      <m:r>
-                        <m:rPr>
-                          <m:sty m:val="p"/>
-                        </m:rPr>
-                        <a:rPr lang="de-CH" sz="2400" spc="-150">
-                          <a:solidFill>
-                            <a:schemeClr val="tx1">
-                              <a:lumMod val="85000"/>
-                              <a:lumOff val="15000"/>
-                            </a:schemeClr>
-                          </a:solidFill>
-                          <a:latin typeface="Cambria Math" panose="02040503050406030204" pitchFamily="18" charset="0"/>
-                          <a:ea typeface="Verdana" panose="020B0604030504040204" pitchFamily="34" charset="0"/>
-                          <a:cs typeface="Verdana" panose="020B0604030504040204" pitchFamily="34" charset="0"/>
-                        </a:rPr>
-                        <m:t>f</m:t>
-                      </m:r>
-                      <m:r>
-                        <a:rPr lang="de-CH" sz="2400" spc="-150">
-                          <a:solidFill>
-                            <a:schemeClr val="tx1">
-                              <a:lumMod val="85000"/>
-                              <a:lumOff val="15000"/>
-                            </a:schemeClr>
-                          </a:solidFill>
-                          <a:latin typeface="Cambria Math" panose="02040503050406030204" pitchFamily="18" charset="0"/>
-                          <a:ea typeface="Verdana" panose="020B0604030504040204" pitchFamily="34" charset="0"/>
-                          <a:cs typeface="Verdana" panose="020B0604030504040204" pitchFamily="34" charset="0"/>
-                        </a:rPr>
-                        <m:t>(</m:t>
-                      </m:r>
-                      <m:r>
-                        <m:rPr>
-                          <m:sty m:val="p"/>
-                        </m:rPr>
-                        <a:rPr lang="de-CH" sz="2400" spc="-150">
-                          <a:solidFill>
-                            <a:schemeClr val="tx1">
-                              <a:lumMod val="85000"/>
-                              <a:lumOff val="15000"/>
-                            </a:schemeClr>
-                          </a:solidFill>
-                          <a:latin typeface="Cambria Math" panose="02040503050406030204" pitchFamily="18" charset="0"/>
-                          <a:ea typeface="Verdana" panose="020B0604030504040204" pitchFamily="34" charset="0"/>
-                          <a:cs typeface="Verdana" panose="020B0604030504040204" pitchFamily="34" charset="0"/>
-                        </a:rPr>
-                        <m:t>review</m:t>
-                      </m:r>
-                      <m:r>
-                        <a:rPr lang="de-CH" sz="2400" spc="-150">
-                          <a:solidFill>
-                            <a:schemeClr val="tx1">
-                              <a:lumMod val="85000"/>
-                              <a:lumOff val="15000"/>
-                            </a:schemeClr>
-                          </a:solidFill>
-                          <a:latin typeface="Cambria Math" panose="02040503050406030204" pitchFamily="18" charset="0"/>
-                          <a:ea typeface="Verdana" panose="020B0604030504040204" pitchFamily="34" charset="0"/>
-                          <a:cs typeface="Verdana" panose="020B0604030504040204" pitchFamily="34" charset="0"/>
-                        </a:rPr>
-                        <m:t>)=</m:t>
-                      </m:r>
                       <m:r>
                         <a:rPr lang="de-CH" sz="2400" i="1" spc="-150">
                           <a:solidFill>
@@ -12985,7 +12731,7 @@
             </p:txBody>
           </p:sp>
         </mc:Choice>
-        <mc:Fallback xmlns="">
+        <mc:Fallback>
           <p:sp>
             <p:nvSpPr>
               <p:cNvPr id="5" name="Rectangle 4">
@@ -13009,7 +12755,7 @@
                 <a:avLst/>
               </a:prstGeom>
               <a:blipFill>
-                <a:blip r:embed="rId4"/>
+                <a:blip r:embed="rId3"/>
                 <a:stretch>
                   <a:fillRect l="-1467" t="-13356" b="-24315"/>
                 </a:stretch>
@@ -13052,95 +12798,6 @@
       </p:transition>
     </mc:Fallback>
   </mc:AlternateContent>
-  <p:timing>
-    <p:tnLst>
-      <p:par>
-        <p:cTn id="1" dur="indefinite" restart="never" nodeType="tmRoot">
-          <p:childTnLst>
-            <p:seq concurrent="1" nextAc="seek">
-              <p:cTn id="2" dur="indefinite" nodeType="mainSeq">
-                <p:childTnLst>
-                  <p:par>
-                    <p:cTn id="3" fill="hold">
-                      <p:stCondLst>
-                        <p:cond delay="indefinite"/>
-                        <p:cond evt="onBegin" delay="0">
-                          <p:tn val="2"/>
-                        </p:cond>
-                      </p:stCondLst>
-                      <p:childTnLst>
-                        <p:par>
-                          <p:cTn id="4" fill="hold">
-                            <p:stCondLst>
-                              <p:cond delay="0"/>
-                            </p:stCondLst>
-                            <p:childTnLst>
-                              <p:par>
-                                <p:cTn id="5" presetID="10" presetClass="entr" presetSubtype="0" fill="hold" grpId="0" nodeType="withEffect">
-                                  <p:stCondLst>
-                                    <p:cond delay="250"/>
-                                  </p:stCondLst>
-                                  <p:childTnLst>
-                                    <p:set>
-                                      <p:cBhvr>
-                                        <p:cTn id="6" dur="1" fill="hold">
-                                          <p:stCondLst>
-                                            <p:cond delay="0"/>
-                                          </p:stCondLst>
-                                        </p:cTn>
-                                        <p:tgtEl>
-                                          <p:spTgt spid="2"/>
-                                        </p:tgtEl>
-                                        <p:attrNameLst>
-                                          <p:attrName>style.visibility</p:attrName>
-                                        </p:attrNameLst>
-                                      </p:cBhvr>
-                                      <p:to>
-                                        <p:strVal val="visible"/>
-                                      </p:to>
-                                    </p:set>
-                                    <p:animEffect transition="in" filter="fade">
-                                      <p:cBhvr>
-                                        <p:cTn id="7" dur="500"/>
-                                        <p:tgtEl>
-                                          <p:spTgt spid="2"/>
-                                        </p:tgtEl>
-                                      </p:cBhvr>
-                                    </p:animEffect>
-                                  </p:childTnLst>
-                                </p:cTn>
-                              </p:par>
-                            </p:childTnLst>
-                          </p:cTn>
-                        </p:par>
-                      </p:childTnLst>
-                    </p:cTn>
-                  </p:par>
-                </p:childTnLst>
-              </p:cTn>
-              <p:prevCondLst>
-                <p:cond evt="onPrev" delay="0">
-                  <p:tgtEl>
-                    <p:sldTgt/>
-                  </p:tgtEl>
-                </p:cond>
-              </p:prevCondLst>
-              <p:nextCondLst>
-                <p:cond evt="onNext" delay="0">
-                  <p:tgtEl>
-                    <p:sldTgt/>
-                  </p:tgtEl>
-                </p:cond>
-              </p:nextCondLst>
-            </p:seq>
-          </p:childTnLst>
-        </p:cTn>
-      </p:par>
-    </p:tnLst>
-    <p:bldLst>
-      <p:bldP spid="2" grpId="0"/>
-    </p:bldLst>
-  </p:timing>
 </p:sld>
 </file>
 
@@ -13267,7 +12924,7 @@
         <p:spPr>
           <a:xfrm>
             <a:off x="533400" y="1308260"/>
-            <a:ext cx="8534400" cy="4324261"/>
+            <a:ext cx="8534400" cy="4888518"/>
           </a:xfrm>
           <a:prstGeom prst="rect">
             <a:avLst/>
@@ -13388,7 +13045,7 @@
               </a:lnSpc>
             </a:pPr>
             <a:r>
-              <a:rPr lang="en-US" sz="2800" spc="-150">
+              <a:rPr lang="en-US" sz="2800" b="1" spc="-150" dirty="0">
                 <a:solidFill>
                   <a:schemeClr val="tx1">
                     <a:lumMod val="85000"/>
@@ -13400,8 +13057,36 @@
                 <a:cs typeface="Verdana" panose="020B0604030504040204" pitchFamily="34" charset="0"/>
                 <a:sym typeface="Wingdings" panose="05000000000000000000" pitchFamily="2" charset="2"/>
               </a:rPr>
-              <a:t>Lessons learned </a:t>
-            </a:r>
+              <a:t>Lessons learned / Pitfalls: </a:t>
+            </a:r>
+          </a:p>
+          <a:p>
+            <a:pPr>
+              <a:lnSpc>
+                <a:spcPts val="2200"/>
+              </a:lnSpc>
+            </a:pPr>
+            <a:endParaRPr lang="en-US" sz="2800" spc="-150" dirty="0">
+              <a:solidFill>
+                <a:schemeClr val="tx1">
+                  <a:lumMod val="85000"/>
+                  <a:lumOff val="15000"/>
+                </a:schemeClr>
+              </a:solidFill>
+              <a:latin typeface="+mj-lt"/>
+              <a:ea typeface="Verdana" panose="020B0604030504040204" pitchFamily="34" charset="0"/>
+              <a:cs typeface="Verdana" panose="020B0604030504040204" pitchFamily="34" charset="0"/>
+              <a:sym typeface="Wingdings" panose="05000000000000000000" pitchFamily="2" charset="2"/>
+            </a:endParaRPr>
+          </a:p>
+          <a:p>
+            <a:pPr marL="457200" indent="-457200">
+              <a:lnSpc>
+                <a:spcPts val="2200"/>
+              </a:lnSpc>
+              <a:buFontTx/>
+              <a:buChar char="-"/>
+            </a:pPr>
             <a:r>
               <a:rPr lang="en-US" sz="2800" spc="-150" dirty="0">
                 <a:solidFill>
@@ -13415,14 +13100,16 @@
                 <a:cs typeface="Verdana" panose="020B0604030504040204" pitchFamily="34" charset="0"/>
                 <a:sym typeface="Wingdings" panose="05000000000000000000" pitchFamily="2" charset="2"/>
               </a:rPr>
-              <a:t>/ Pitfalls: </a:t>
-            </a:r>
-          </a:p>
-          <a:p>
-            <a:pPr>
+              <a:t>Less can be more</a:t>
+            </a:r>
+          </a:p>
+          <a:p>
+            <a:pPr marL="457200" indent="-457200">
               <a:lnSpc>
                 <a:spcPts val="2200"/>
               </a:lnSpc>
+              <a:buFontTx/>
+              <a:buChar char="-"/>
             </a:pPr>
             <a:endParaRPr lang="en-US" sz="2800" spc="-150" dirty="0">
               <a:solidFill>
@@ -13633,95 +13320,6 @@
       </p:transition>
     </mc:Fallback>
   </mc:AlternateContent>
-  <p:timing>
-    <p:tnLst>
-      <p:par>
-        <p:cTn id="1" dur="indefinite" restart="never" nodeType="tmRoot">
-          <p:childTnLst>
-            <p:seq concurrent="1" nextAc="seek">
-              <p:cTn id="2" dur="indefinite" nodeType="mainSeq">
-                <p:childTnLst>
-                  <p:par>
-                    <p:cTn id="3" fill="hold">
-                      <p:stCondLst>
-                        <p:cond delay="indefinite"/>
-                        <p:cond evt="onBegin" delay="0">
-                          <p:tn val="2"/>
-                        </p:cond>
-                      </p:stCondLst>
-                      <p:childTnLst>
-                        <p:par>
-                          <p:cTn id="4" fill="hold">
-                            <p:stCondLst>
-                              <p:cond delay="0"/>
-                            </p:stCondLst>
-                            <p:childTnLst>
-                              <p:par>
-                                <p:cTn id="5" presetID="10" presetClass="entr" presetSubtype="0" fill="hold" grpId="0" nodeType="withEffect">
-                                  <p:stCondLst>
-                                    <p:cond delay="250"/>
-                                  </p:stCondLst>
-                                  <p:childTnLst>
-                                    <p:set>
-                                      <p:cBhvr>
-                                        <p:cTn id="6" dur="1" fill="hold">
-                                          <p:stCondLst>
-                                            <p:cond delay="0"/>
-                                          </p:stCondLst>
-                                        </p:cTn>
-                                        <p:tgtEl>
-                                          <p:spTgt spid="2"/>
-                                        </p:tgtEl>
-                                        <p:attrNameLst>
-                                          <p:attrName>style.visibility</p:attrName>
-                                        </p:attrNameLst>
-                                      </p:cBhvr>
-                                      <p:to>
-                                        <p:strVal val="visible"/>
-                                      </p:to>
-                                    </p:set>
-                                    <p:animEffect transition="in" filter="fade">
-                                      <p:cBhvr>
-                                        <p:cTn id="7" dur="500"/>
-                                        <p:tgtEl>
-                                          <p:spTgt spid="2"/>
-                                        </p:tgtEl>
-                                      </p:cBhvr>
-                                    </p:animEffect>
-                                  </p:childTnLst>
-                                </p:cTn>
-                              </p:par>
-                            </p:childTnLst>
-                          </p:cTn>
-                        </p:par>
-                      </p:childTnLst>
-                    </p:cTn>
-                  </p:par>
-                </p:childTnLst>
-              </p:cTn>
-              <p:prevCondLst>
-                <p:cond evt="onPrev" delay="0">
-                  <p:tgtEl>
-                    <p:sldTgt/>
-                  </p:tgtEl>
-                </p:cond>
-              </p:prevCondLst>
-              <p:nextCondLst>
-                <p:cond evt="onNext" delay="0">
-                  <p:tgtEl>
-                    <p:sldTgt/>
-                  </p:tgtEl>
-                </p:cond>
-              </p:nextCondLst>
-            </p:seq>
-          </p:childTnLst>
-        </p:cTn>
-      </p:par>
-    </p:tnLst>
-    <p:bldLst>
-      <p:bldP spid="2" grpId="0"/>
-    </p:bldLst>
-  </p:timing>
 </p:sld>
 </file>
 
@@ -15301,7 +14899,7 @@
     </p:extLst>
   </p:cSld>
   <p:clrMapOvr>
-    <a:masterClrMapping/>
+    <a:overrideClrMapping bg1="lt1" tx1="dk1" bg2="lt2" tx2="dk2" accent1="accent1" accent2="accent2" accent3="accent3" accent4="accent4" accent5="accent5" accent6="accent6" hlink="hlink" folHlink="folHlink"/>
   </p:clrMapOvr>
   <mc:AlternateContent xmlns:mc="http://schemas.openxmlformats.org/markup-compatibility/2006" xmlns:p14="http://schemas.microsoft.com/office/powerpoint/2010/main">
     <mc:Choice Requires="p14">
@@ -16350,4 +15948,47 @@
   <a:objectDefaults/>
   <a:extraClrSchemeLst/>
 </a:theme>
+</file>
+
+<file path=ppt/theme/themeOverride1.xml><?xml version="1.0" encoding="utf-8"?>
+<a:themeOverride xmlns:a="http://schemas.openxmlformats.org/drawingml/2006/main">
+  <a:clrScheme name="Custom 2">
+    <a:dk1>
+      <a:sysClr val="windowText" lastClr="000000"/>
+    </a:dk1>
+    <a:lt1>
+      <a:sysClr val="window" lastClr="FFFFFF"/>
+    </a:lt1>
+    <a:dk2>
+      <a:srgbClr val="1F497D"/>
+    </a:dk2>
+    <a:lt2>
+      <a:srgbClr val="EEECE1"/>
+    </a:lt2>
+    <a:accent1>
+      <a:srgbClr val="4F81BD"/>
+    </a:accent1>
+    <a:accent2>
+      <a:srgbClr val="C0504D"/>
+    </a:accent2>
+    <a:accent3>
+      <a:srgbClr val="9BBB59"/>
+    </a:accent3>
+    <a:accent4>
+      <a:srgbClr val="8064A2"/>
+    </a:accent4>
+    <a:accent5>
+      <a:srgbClr val="4BACC6"/>
+    </a:accent5>
+    <a:accent6>
+      <a:srgbClr val="F79646"/>
+    </a:accent6>
+    <a:hlink>
+      <a:srgbClr val="DA3B3C"/>
+    </a:hlink>
+    <a:folHlink>
+      <a:srgbClr val="3F3F3F"/>
+    </a:folHlink>
+  </a:clrScheme>
+</a:themeOverride>
 </file>